--- a/ENproject.pptx
+++ b/ENproject.pptx
@@ -6,6 +6,12 @@
   </p:sldMasterIdLst>
   <p:sldIdLst>
     <p:sldId id="256" r:id="rId2"/>
+    <p:sldId id="257" r:id="rId3"/>
+    <p:sldId id="258" r:id="rId4"/>
+    <p:sldId id="259" r:id="rId5"/>
+    <p:sldId id="260" r:id="rId6"/>
+    <p:sldId id="261" r:id="rId7"/>
+    <p:sldId id="262" r:id="rId8"/>
   </p:sldIdLst>
   <p:sldSz cx="12192000" cy="6858000"/>
   <p:notesSz cx="6858000" cy="9144000"/>
@@ -3337,12 +3343,22 @@
             <p:ph type="ctrTitle"/>
           </p:nvPr>
         </p:nvSpPr>
-        <p:spPr/>
-        <p:txBody>
-          <a:bodyPr/>
-          <a:lstStyle/>
-          <a:p>
-            <a:endParaRPr lang="en-US"/>
+        <p:spPr>
+          <a:xfrm>
+            <a:off x="1524000" y="1322962"/>
+            <a:ext cx="9144000" cy="3211648"/>
+          </a:xfrm>
+        </p:spPr>
+        <p:txBody>
+          <a:bodyPr>
+            <a:normAutofit fontScale="90000"/>
+          </a:bodyPr>
+          <a:lstStyle/>
+          <a:p>
+            <a:r>
+              <a:rPr lang="en-US" dirty="0"/>
+              <a:t>The effect of reward timescale on the rate of behavioral learning in a two-alternative forced-choice task</a:t>
+            </a:r>
           </a:p>
         </p:txBody>
       </p:sp>
@@ -3362,12 +3378,48 @@
             <p:ph type="subTitle" idx="1"/>
           </p:nvPr>
         </p:nvSpPr>
-        <p:spPr/>
-        <p:txBody>
-          <a:bodyPr/>
-          <a:lstStyle/>
-          <a:p>
-            <a:endParaRPr lang="en-US"/>
+        <p:spPr>
+          <a:xfrm>
+            <a:off x="1524000" y="4826339"/>
+            <a:ext cx="9144000" cy="723190"/>
+          </a:xfrm>
+        </p:spPr>
+        <p:txBody>
+          <a:bodyPr>
+            <a:normAutofit fontScale="92500" lnSpcReduction="20000"/>
+          </a:bodyPr>
+          <a:lstStyle/>
+          <a:p>
+            <a:r>
+              <a:rPr lang="en-US" dirty="0" err="1"/>
+              <a:t>Joschua</a:t>
+            </a:r>
+            <a:r>
+              <a:rPr lang="en-US" dirty="0"/>
+              <a:t> </a:t>
+            </a:r>
+            <a:r>
+              <a:rPr lang="en-US" dirty="0" err="1"/>
+              <a:t>Geuter</a:t>
+            </a:r>
+            <a:r>
+              <a:rPr lang="en-US" dirty="0"/>
+              <a:t>, Mehul Rastogi, Mrinalini Singh</a:t>
+            </a:r>
+          </a:p>
+          <a:p>
+            <a:r>
+              <a:rPr lang="en-US" dirty="0"/>
+              <a:t>December 12</a:t>
+            </a:r>
+            <a:r>
+              <a:rPr lang="en-US" baseline="30000" dirty="0"/>
+              <a:t>th</a:t>
+            </a:r>
+            <a:r>
+              <a:rPr lang="en-US" dirty="0"/>
+              <a:t>, 2024</a:t>
+            </a:r>
           </a:p>
         </p:txBody>
       </p:sp>
@@ -3375,6 +3427,479 @@
     <p:extLst>
       <p:ext uri="{BB962C8B-B14F-4D97-AF65-F5344CB8AC3E}">
         <p14:creationId xmlns:p14="http://schemas.microsoft.com/office/powerpoint/2010/main" val="1237023816"/>
+      </p:ext>
+    </p:extLst>
+  </p:cSld>
+  <p:clrMapOvr>
+    <a:masterClrMapping/>
+  </p:clrMapOvr>
+</p:sld>
+</file>
+
+<file path=ppt/slides/slide2.xml><?xml version="1.0" encoding="utf-8"?>
+<p:sld xmlns:a="http://schemas.openxmlformats.org/drawingml/2006/main" xmlns:r="http://schemas.openxmlformats.org/officeDocument/2006/relationships" xmlns:p="http://schemas.openxmlformats.org/presentationml/2006/main">
+  <p:cSld>
+    <p:spTree>
+      <p:nvGrpSpPr>
+        <p:cNvPr id="1" name=""/>
+        <p:cNvGrpSpPr/>
+        <p:nvPr/>
+      </p:nvGrpSpPr>
+      <p:grpSpPr>
+        <a:xfrm>
+          <a:off x="0" y="0"/>
+          <a:ext cx="0" cy="0"/>
+          <a:chOff x="0" y="0"/>
+          <a:chExt cx="0" cy="0"/>
+        </a:xfrm>
+      </p:grpSpPr>
+      <p:sp>
+        <p:nvSpPr>
+          <p:cNvPr id="2" name="Title 1">
+            <a:extLst>
+              <a:ext uri="{FF2B5EF4-FFF2-40B4-BE49-F238E27FC236}">
+                <a16:creationId xmlns:a16="http://schemas.microsoft.com/office/drawing/2014/main" id="{D7AE4215-57B5-0A24-4576-7CBC9B2D80EE}"/>
+              </a:ext>
+            </a:extLst>
+          </p:cNvPr>
+          <p:cNvSpPr>
+            <a:spLocks noGrp="1"/>
+          </p:cNvSpPr>
+          <p:nvPr>
+            <p:ph type="title"/>
+          </p:nvPr>
+        </p:nvSpPr>
+        <p:spPr/>
+        <p:txBody>
+          <a:bodyPr/>
+          <a:lstStyle/>
+          <a:p>
+            <a:r>
+              <a:rPr lang="en-US" dirty="0"/>
+              <a:t>Motivation</a:t>
+            </a:r>
+          </a:p>
+        </p:txBody>
+      </p:sp>
+      <p:sp>
+        <p:nvSpPr>
+          <p:cNvPr id="3" name="Content Placeholder 2">
+            <a:extLst>
+              <a:ext uri="{FF2B5EF4-FFF2-40B4-BE49-F238E27FC236}">
+                <a16:creationId xmlns:a16="http://schemas.microsoft.com/office/drawing/2014/main" id="{6EBB98AA-6709-7874-E7C8-9400D054677F}"/>
+              </a:ext>
+            </a:extLst>
+          </p:cNvPr>
+          <p:cNvSpPr>
+            <a:spLocks noGrp="1"/>
+          </p:cNvSpPr>
+          <p:nvPr>
+            <p:ph idx="1"/>
+          </p:nvPr>
+        </p:nvSpPr>
+        <p:spPr/>
+        <p:txBody>
+          <a:bodyPr/>
+          <a:lstStyle/>
+          <a:p>
+            <a:endParaRPr lang="en-US"/>
+          </a:p>
+        </p:txBody>
+      </p:sp>
+    </p:spTree>
+    <p:extLst>
+      <p:ext uri="{BB962C8B-B14F-4D97-AF65-F5344CB8AC3E}">
+        <p14:creationId xmlns:p14="http://schemas.microsoft.com/office/powerpoint/2010/main" val="665987060"/>
+      </p:ext>
+    </p:extLst>
+  </p:cSld>
+  <p:clrMapOvr>
+    <a:masterClrMapping/>
+  </p:clrMapOvr>
+</p:sld>
+</file>
+
+<file path=ppt/slides/slide3.xml><?xml version="1.0" encoding="utf-8"?>
+<p:sld xmlns:a="http://schemas.openxmlformats.org/drawingml/2006/main" xmlns:r="http://schemas.openxmlformats.org/officeDocument/2006/relationships" xmlns:p="http://schemas.openxmlformats.org/presentationml/2006/main">
+  <p:cSld>
+    <p:spTree>
+      <p:nvGrpSpPr>
+        <p:cNvPr id="1" name=""/>
+        <p:cNvGrpSpPr/>
+        <p:nvPr/>
+      </p:nvGrpSpPr>
+      <p:grpSpPr>
+        <a:xfrm>
+          <a:off x="0" y="0"/>
+          <a:ext cx="0" cy="0"/>
+          <a:chOff x="0" y="0"/>
+          <a:chExt cx="0" cy="0"/>
+        </a:xfrm>
+      </p:grpSpPr>
+      <p:sp>
+        <p:nvSpPr>
+          <p:cNvPr id="2" name="Title 1">
+            <a:extLst>
+              <a:ext uri="{FF2B5EF4-FFF2-40B4-BE49-F238E27FC236}">
+                <a16:creationId xmlns:a16="http://schemas.microsoft.com/office/drawing/2014/main" id="{F479F004-ADF1-7E98-6FBB-B19FEFDF4476}"/>
+              </a:ext>
+            </a:extLst>
+          </p:cNvPr>
+          <p:cNvSpPr>
+            <a:spLocks noGrp="1"/>
+          </p:cNvSpPr>
+          <p:nvPr>
+            <p:ph type="title"/>
+          </p:nvPr>
+        </p:nvSpPr>
+        <p:spPr/>
+        <p:txBody>
+          <a:bodyPr/>
+          <a:lstStyle/>
+          <a:p>
+            <a:r>
+              <a:rPr lang="en-US" dirty="0"/>
+              <a:t>Experimental Setup</a:t>
+            </a:r>
+          </a:p>
+        </p:txBody>
+      </p:sp>
+    </p:spTree>
+    <p:extLst>
+      <p:ext uri="{BB962C8B-B14F-4D97-AF65-F5344CB8AC3E}">
+        <p14:creationId xmlns:p14="http://schemas.microsoft.com/office/powerpoint/2010/main" val="4278337081"/>
+      </p:ext>
+    </p:extLst>
+  </p:cSld>
+  <p:clrMapOvr>
+    <a:masterClrMapping/>
+  </p:clrMapOvr>
+</p:sld>
+</file>
+
+<file path=ppt/slides/slide4.xml><?xml version="1.0" encoding="utf-8"?>
+<p:sld xmlns:a="http://schemas.openxmlformats.org/drawingml/2006/main" xmlns:r="http://schemas.openxmlformats.org/officeDocument/2006/relationships" xmlns:p="http://schemas.openxmlformats.org/presentationml/2006/main">
+  <p:cSld>
+    <p:spTree>
+      <p:nvGrpSpPr>
+        <p:cNvPr id="1" name=""/>
+        <p:cNvGrpSpPr/>
+        <p:nvPr/>
+      </p:nvGrpSpPr>
+      <p:grpSpPr>
+        <a:xfrm>
+          <a:off x="0" y="0"/>
+          <a:ext cx="0" cy="0"/>
+          <a:chOff x="0" y="0"/>
+          <a:chExt cx="0" cy="0"/>
+        </a:xfrm>
+      </p:grpSpPr>
+      <p:sp>
+        <p:nvSpPr>
+          <p:cNvPr id="2" name="Title 1">
+            <a:extLst>
+              <a:ext uri="{FF2B5EF4-FFF2-40B4-BE49-F238E27FC236}">
+                <a16:creationId xmlns:a16="http://schemas.microsoft.com/office/drawing/2014/main" id="{6C98165A-D86D-5143-5AB9-7B81EA52C09A}"/>
+              </a:ext>
+            </a:extLst>
+          </p:cNvPr>
+          <p:cNvSpPr>
+            <a:spLocks noGrp="1"/>
+          </p:cNvSpPr>
+          <p:nvPr>
+            <p:ph type="title"/>
+          </p:nvPr>
+        </p:nvSpPr>
+        <p:spPr/>
+        <p:txBody>
+          <a:bodyPr/>
+          <a:lstStyle/>
+          <a:p>
+            <a:r>
+              <a:rPr lang="en-US" dirty="0"/>
+              <a:t>Results</a:t>
+            </a:r>
+          </a:p>
+        </p:txBody>
+      </p:sp>
+      <p:sp>
+        <p:nvSpPr>
+          <p:cNvPr id="3" name="Content Placeholder 2">
+            <a:extLst>
+              <a:ext uri="{FF2B5EF4-FFF2-40B4-BE49-F238E27FC236}">
+                <a16:creationId xmlns:a16="http://schemas.microsoft.com/office/drawing/2014/main" id="{40ED09A0-257E-DF9E-449B-03F8A0CBD003}"/>
+              </a:ext>
+            </a:extLst>
+          </p:cNvPr>
+          <p:cNvSpPr>
+            <a:spLocks noGrp="1"/>
+          </p:cNvSpPr>
+          <p:nvPr>
+            <p:ph idx="1"/>
+          </p:nvPr>
+        </p:nvSpPr>
+        <p:spPr/>
+        <p:txBody>
+          <a:bodyPr/>
+          <a:lstStyle/>
+          <a:p>
+            <a:endParaRPr lang="en-US"/>
+          </a:p>
+        </p:txBody>
+      </p:sp>
+    </p:spTree>
+    <p:extLst>
+      <p:ext uri="{BB962C8B-B14F-4D97-AF65-F5344CB8AC3E}">
+        <p14:creationId xmlns:p14="http://schemas.microsoft.com/office/powerpoint/2010/main" val="395919032"/>
+      </p:ext>
+    </p:extLst>
+  </p:cSld>
+  <p:clrMapOvr>
+    <a:masterClrMapping/>
+  </p:clrMapOvr>
+</p:sld>
+</file>
+
+<file path=ppt/slides/slide5.xml><?xml version="1.0" encoding="utf-8"?>
+<p:sld xmlns:a="http://schemas.openxmlformats.org/drawingml/2006/main" xmlns:r="http://schemas.openxmlformats.org/officeDocument/2006/relationships" xmlns:p="http://schemas.openxmlformats.org/presentationml/2006/main">
+  <p:cSld>
+    <p:spTree>
+      <p:nvGrpSpPr>
+        <p:cNvPr id="1" name=""/>
+        <p:cNvGrpSpPr/>
+        <p:nvPr/>
+      </p:nvGrpSpPr>
+      <p:grpSpPr>
+        <a:xfrm>
+          <a:off x="0" y="0"/>
+          <a:ext cx="0" cy="0"/>
+          <a:chOff x="0" y="0"/>
+          <a:chExt cx="0" cy="0"/>
+        </a:xfrm>
+      </p:grpSpPr>
+      <p:sp>
+        <p:nvSpPr>
+          <p:cNvPr id="2" name="Title 1">
+            <a:extLst>
+              <a:ext uri="{FF2B5EF4-FFF2-40B4-BE49-F238E27FC236}">
+                <a16:creationId xmlns:a16="http://schemas.microsoft.com/office/drawing/2014/main" id="{DDCF8D55-FF5B-4397-8D43-1E5FE9D846CD}"/>
+              </a:ext>
+            </a:extLst>
+          </p:cNvPr>
+          <p:cNvSpPr>
+            <a:spLocks noGrp="1"/>
+          </p:cNvSpPr>
+          <p:nvPr>
+            <p:ph type="title"/>
+          </p:nvPr>
+        </p:nvSpPr>
+        <p:spPr/>
+        <p:txBody>
+          <a:bodyPr/>
+          <a:lstStyle/>
+          <a:p>
+            <a:r>
+              <a:rPr lang="en-US" dirty="0"/>
+              <a:t>Conclusion</a:t>
+            </a:r>
+          </a:p>
+        </p:txBody>
+      </p:sp>
+      <p:sp>
+        <p:nvSpPr>
+          <p:cNvPr id="3" name="Content Placeholder 2">
+            <a:extLst>
+              <a:ext uri="{FF2B5EF4-FFF2-40B4-BE49-F238E27FC236}">
+                <a16:creationId xmlns:a16="http://schemas.microsoft.com/office/drawing/2014/main" id="{FFFA3D76-EF45-D989-D459-C2628357697A}"/>
+              </a:ext>
+            </a:extLst>
+          </p:cNvPr>
+          <p:cNvSpPr>
+            <a:spLocks noGrp="1"/>
+          </p:cNvSpPr>
+          <p:nvPr>
+            <p:ph idx="1"/>
+          </p:nvPr>
+        </p:nvSpPr>
+        <p:spPr/>
+        <p:txBody>
+          <a:bodyPr/>
+          <a:lstStyle/>
+          <a:p>
+            <a:endParaRPr lang="en-US"/>
+          </a:p>
+        </p:txBody>
+      </p:sp>
+    </p:spTree>
+    <p:extLst>
+      <p:ext uri="{BB962C8B-B14F-4D97-AF65-F5344CB8AC3E}">
+        <p14:creationId xmlns:p14="http://schemas.microsoft.com/office/powerpoint/2010/main" val="991499443"/>
+      </p:ext>
+    </p:extLst>
+  </p:cSld>
+  <p:clrMapOvr>
+    <a:masterClrMapping/>
+  </p:clrMapOvr>
+</p:sld>
+</file>
+
+<file path=ppt/slides/slide6.xml><?xml version="1.0" encoding="utf-8"?>
+<p:sld xmlns:a="http://schemas.openxmlformats.org/drawingml/2006/main" xmlns:r="http://schemas.openxmlformats.org/officeDocument/2006/relationships" xmlns:p="http://schemas.openxmlformats.org/presentationml/2006/main">
+  <p:cSld>
+    <p:spTree>
+      <p:nvGrpSpPr>
+        <p:cNvPr id="1" name=""/>
+        <p:cNvGrpSpPr/>
+        <p:nvPr/>
+      </p:nvGrpSpPr>
+      <p:grpSpPr>
+        <a:xfrm>
+          <a:off x="0" y="0"/>
+          <a:ext cx="0" cy="0"/>
+          <a:chOff x="0" y="0"/>
+          <a:chExt cx="0" cy="0"/>
+        </a:xfrm>
+      </p:grpSpPr>
+      <p:sp>
+        <p:nvSpPr>
+          <p:cNvPr id="2" name="Title 1">
+            <a:extLst>
+              <a:ext uri="{FF2B5EF4-FFF2-40B4-BE49-F238E27FC236}">
+                <a16:creationId xmlns:a16="http://schemas.microsoft.com/office/drawing/2014/main" id="{9E58D295-62F9-FA47-CEA8-F5D67AD607A9}"/>
+              </a:ext>
+            </a:extLst>
+          </p:cNvPr>
+          <p:cNvSpPr>
+            <a:spLocks noGrp="1"/>
+          </p:cNvSpPr>
+          <p:nvPr>
+            <p:ph type="title"/>
+          </p:nvPr>
+        </p:nvSpPr>
+        <p:spPr/>
+        <p:txBody>
+          <a:bodyPr/>
+          <a:lstStyle/>
+          <a:p>
+            <a:r>
+              <a:rPr lang="en-US" dirty="0"/>
+              <a:t>References</a:t>
+            </a:r>
+          </a:p>
+        </p:txBody>
+      </p:sp>
+      <p:sp>
+        <p:nvSpPr>
+          <p:cNvPr id="3" name="Content Placeholder 2">
+            <a:extLst>
+              <a:ext uri="{FF2B5EF4-FFF2-40B4-BE49-F238E27FC236}">
+                <a16:creationId xmlns:a16="http://schemas.microsoft.com/office/drawing/2014/main" id="{E5A03EA0-EB0C-BB28-8A39-1094B93E186D}"/>
+              </a:ext>
+            </a:extLst>
+          </p:cNvPr>
+          <p:cNvSpPr>
+            <a:spLocks noGrp="1"/>
+          </p:cNvSpPr>
+          <p:nvPr>
+            <p:ph idx="1"/>
+          </p:nvPr>
+        </p:nvSpPr>
+        <p:spPr/>
+        <p:txBody>
+          <a:bodyPr/>
+          <a:lstStyle/>
+          <a:p>
+            <a:endParaRPr lang="en-US"/>
+          </a:p>
+        </p:txBody>
+      </p:sp>
+    </p:spTree>
+    <p:extLst>
+      <p:ext uri="{BB962C8B-B14F-4D97-AF65-F5344CB8AC3E}">
+        <p14:creationId xmlns:p14="http://schemas.microsoft.com/office/powerpoint/2010/main" val="3663335415"/>
+      </p:ext>
+    </p:extLst>
+  </p:cSld>
+  <p:clrMapOvr>
+    <a:masterClrMapping/>
+  </p:clrMapOvr>
+</p:sld>
+</file>
+
+<file path=ppt/slides/slide7.xml><?xml version="1.0" encoding="utf-8"?>
+<p:sld xmlns:a="http://schemas.openxmlformats.org/drawingml/2006/main" xmlns:r="http://schemas.openxmlformats.org/officeDocument/2006/relationships" xmlns:p="http://schemas.openxmlformats.org/presentationml/2006/main">
+  <p:cSld>
+    <p:spTree>
+      <p:nvGrpSpPr>
+        <p:cNvPr id="1" name=""/>
+        <p:cNvGrpSpPr/>
+        <p:nvPr/>
+      </p:nvGrpSpPr>
+      <p:grpSpPr>
+        <a:xfrm>
+          <a:off x="0" y="0"/>
+          <a:ext cx="0" cy="0"/>
+          <a:chOff x="0" y="0"/>
+          <a:chExt cx="0" cy="0"/>
+        </a:xfrm>
+      </p:grpSpPr>
+      <p:sp>
+        <p:nvSpPr>
+          <p:cNvPr id="2" name="Title 1">
+            <a:extLst>
+              <a:ext uri="{FF2B5EF4-FFF2-40B4-BE49-F238E27FC236}">
+                <a16:creationId xmlns:a16="http://schemas.microsoft.com/office/drawing/2014/main" id="{3A3A3881-830A-4F59-B0A1-455997A9873F}"/>
+              </a:ext>
+            </a:extLst>
+          </p:cNvPr>
+          <p:cNvSpPr>
+            <a:spLocks noGrp="1"/>
+          </p:cNvSpPr>
+          <p:nvPr>
+            <p:ph type="title"/>
+          </p:nvPr>
+        </p:nvSpPr>
+        <p:spPr/>
+        <p:txBody>
+          <a:bodyPr/>
+          <a:lstStyle/>
+          <a:p>
+            <a:r>
+              <a:rPr lang="en-US" dirty="0"/>
+              <a:t>Acknowledgement</a:t>
+            </a:r>
+          </a:p>
+        </p:txBody>
+      </p:sp>
+      <p:sp>
+        <p:nvSpPr>
+          <p:cNvPr id="3" name="Content Placeholder 2">
+            <a:extLst>
+              <a:ext uri="{FF2B5EF4-FFF2-40B4-BE49-F238E27FC236}">
+                <a16:creationId xmlns:a16="http://schemas.microsoft.com/office/drawing/2014/main" id="{FD95E3A1-0300-A893-41C9-6D482A254128}"/>
+              </a:ext>
+            </a:extLst>
+          </p:cNvPr>
+          <p:cNvSpPr>
+            <a:spLocks noGrp="1"/>
+          </p:cNvSpPr>
+          <p:nvPr>
+            <p:ph idx="1"/>
+          </p:nvPr>
+        </p:nvSpPr>
+        <p:spPr/>
+        <p:txBody>
+          <a:bodyPr/>
+          <a:lstStyle/>
+          <a:p>
+            <a:endParaRPr lang="en-US"/>
+          </a:p>
+        </p:txBody>
+      </p:sp>
+    </p:spTree>
+    <p:extLst>
+      <p:ext uri="{BB962C8B-B14F-4D97-AF65-F5344CB8AC3E}">
+        <p14:creationId xmlns:p14="http://schemas.microsoft.com/office/powerpoint/2010/main" val="20770848"/>
       </p:ext>
     </p:extLst>
   </p:cSld>

--- a/ENproject.pptx
+++ b/ENproject.pptx
@@ -110,6 +110,11 @@
       </a:defRPr>
     </a:lvl9pPr>
   </p:defaultTextStyle>
+  <p:extLst>
+    <p:ext uri="{EFAFB233-063F-42B5-8137-9DF3F51BA10A}">
+      <p15:sldGuideLst xmlns:p15="http://schemas.microsoft.com/office/powerpoint/2012/main"/>
+    </p:ext>
+  </p:extLst>
 </p:presentation>
 </file>
 
@@ -3313,6 +3318,14 @@
 <file path=ppt/slides/slide1.xml><?xml version="1.0" encoding="utf-8"?>
 <p:sld xmlns:a="http://schemas.openxmlformats.org/drawingml/2006/main" xmlns:r="http://schemas.openxmlformats.org/officeDocument/2006/relationships" xmlns:p="http://schemas.openxmlformats.org/presentationml/2006/main">
   <p:cSld>
+    <p:bg>
+      <p:bgPr>
+        <a:solidFill>
+          <a:schemeClr val="bg1"/>
+        </a:solidFill>
+        <a:effectLst/>
+      </p:bgPr>
+    </p:bg>
     <p:spTree>
       <p:nvGrpSpPr>
         <p:cNvPr id="1" name=""/>
@@ -3327,6 +3340,195 @@
           <a:chExt cx="0" cy="0"/>
         </a:xfrm>
       </p:grpSpPr>
+      <p:sp useBgFill="1">
+        <p:nvSpPr>
+          <p:cNvPr id="8" name="Rectangle 7">
+            <a:extLst>
+              <a:ext uri="{FF2B5EF4-FFF2-40B4-BE49-F238E27FC236}">
+                <a16:creationId xmlns:a16="http://schemas.microsoft.com/office/drawing/2014/main" id="{934F1179-B481-4F9E-BCA3-AFB972070F83}"/>
+              </a:ext>
+              <a:ext uri="{C183D7F6-B498-43B3-948B-1728B52AA6E4}">
+                <adec:decorative xmlns:adec="http://schemas.microsoft.com/office/drawing/2017/decorative" val="1"/>
+              </a:ext>
+            </a:extLst>
+          </p:cNvPr>
+          <p:cNvSpPr>
+            <a:spLocks noGrp="1" noRot="1" noChangeAspect="1" noMove="1" noResize="1" noEditPoints="1" noAdjustHandles="1" noChangeArrowheads="1" noChangeShapeType="1" noTextEdit="1"/>
+          </p:cNvSpPr>
+          <p:nvPr>
+            <p:extLst>
+              <p:ext uri="{386F3935-93C4-4BCD-93E2-E3B085C9AB24}">
+                <p16:designElem xmlns:p16="http://schemas.microsoft.com/office/powerpoint/2015/main" val="1"/>
+              </p:ext>
+            </p:extLst>
+          </p:nvPr>
+        </p:nvSpPr>
+        <p:spPr>
+          <a:xfrm>
+            <a:off x="0" y="0"/>
+            <a:ext cx="12192000" cy="6858000"/>
+          </a:xfrm>
+          <a:prstGeom prst="rect">
+            <a:avLst/>
+          </a:prstGeom>
+          <a:ln>
+            <a:noFill/>
+          </a:ln>
+        </p:spPr>
+        <p:style>
+          <a:lnRef idx="2">
+            <a:schemeClr val="accent1">
+              <a:shade val="50000"/>
+            </a:schemeClr>
+          </a:lnRef>
+          <a:fillRef idx="1">
+            <a:schemeClr val="accent1"/>
+          </a:fillRef>
+          <a:effectRef idx="0">
+            <a:schemeClr val="accent1"/>
+          </a:effectRef>
+          <a:fontRef idx="minor">
+            <a:schemeClr val="lt1"/>
+          </a:fontRef>
+        </p:style>
+        <p:txBody>
+          <a:bodyPr rtlCol="0" anchor="ctr"/>
+          <a:lstStyle/>
+          <a:p>
+            <a:pPr algn="ctr"/>
+            <a:endParaRPr lang="en-US"/>
+          </a:p>
+        </p:txBody>
+      </p:sp>
+      <p:sp>
+        <p:nvSpPr>
+          <p:cNvPr id="10" name="Right Triangle 9">
+            <a:extLst>
+              <a:ext uri="{FF2B5EF4-FFF2-40B4-BE49-F238E27FC236}">
+                <a16:creationId xmlns:a16="http://schemas.microsoft.com/office/drawing/2014/main" id="{827DC2C4-B485-428A-BF4A-472D2967F47F}"/>
+              </a:ext>
+              <a:ext uri="{C183D7F6-B498-43B3-948B-1728B52AA6E4}">
+                <adec:decorative xmlns:adec="http://schemas.microsoft.com/office/drawing/2017/decorative" val="1"/>
+              </a:ext>
+            </a:extLst>
+          </p:cNvPr>
+          <p:cNvSpPr>
+            <a:spLocks noGrp="1" noRot="1" noChangeAspect="1" noMove="1" noResize="1" noEditPoints="1" noAdjustHandles="1" noChangeArrowheads="1" noChangeShapeType="1" noTextEdit="1"/>
+          </p:cNvSpPr>
+          <p:nvPr>
+            <p:extLst>
+              <p:ext uri="{386F3935-93C4-4BCD-93E2-E3B085C9AB24}">
+                <p16:designElem xmlns:p16="http://schemas.microsoft.com/office/powerpoint/2015/main" val="1"/>
+              </p:ext>
+            </p:extLst>
+          </p:nvPr>
+        </p:nvSpPr>
+        <p:spPr>
+          <a:xfrm flipH="1">
+            <a:off x="8576720" y="3335867"/>
+            <a:ext cx="3291840" cy="3200400"/>
+          </a:xfrm>
+          <a:prstGeom prst="rtTriangle">
+            <a:avLst/>
+          </a:prstGeom>
+          <a:solidFill>
+            <a:schemeClr val="accent4"/>
+          </a:solidFill>
+          <a:ln>
+            <a:noFill/>
+          </a:ln>
+        </p:spPr>
+        <p:style>
+          <a:lnRef idx="2">
+            <a:schemeClr val="accent1">
+              <a:shade val="50000"/>
+            </a:schemeClr>
+          </a:lnRef>
+          <a:fillRef idx="1">
+            <a:schemeClr val="accent1"/>
+          </a:fillRef>
+          <a:effectRef idx="0">
+            <a:schemeClr val="accent1"/>
+          </a:effectRef>
+          <a:fontRef idx="minor">
+            <a:schemeClr val="lt1"/>
+          </a:fontRef>
+        </p:style>
+        <p:txBody>
+          <a:bodyPr rtlCol="0" anchor="ctr"/>
+          <a:lstStyle/>
+          <a:p>
+            <a:pPr algn="ctr"/>
+            <a:endParaRPr lang="en-US" dirty="0"/>
+          </a:p>
+        </p:txBody>
+      </p:sp>
+      <p:sp>
+        <p:nvSpPr>
+          <p:cNvPr id="12" name="Rectangle 11">
+            <a:extLst>
+              <a:ext uri="{FF2B5EF4-FFF2-40B4-BE49-F238E27FC236}">
+                <a16:creationId xmlns:a16="http://schemas.microsoft.com/office/drawing/2014/main" id="{EE04B5EB-F158-4507-90DD-BD23620C7CC9}"/>
+              </a:ext>
+              <a:ext uri="{C183D7F6-B498-43B3-948B-1728B52AA6E4}">
+                <adec:decorative xmlns:adec="http://schemas.microsoft.com/office/drawing/2017/decorative" val="1"/>
+              </a:ext>
+            </a:extLst>
+          </p:cNvPr>
+          <p:cNvSpPr>
+            <a:spLocks noGrp="1" noRot="1" noChangeAspect="1" noMove="1" noResize="1" noEditPoints="1" noAdjustHandles="1" noChangeArrowheads="1" noChangeShapeType="1" noTextEdit="1"/>
+          </p:cNvSpPr>
+          <p:nvPr>
+            <p:extLst>
+              <p:ext uri="{386F3935-93C4-4BCD-93E2-E3B085C9AB24}">
+                <p16:designElem xmlns:p16="http://schemas.microsoft.com/office/powerpoint/2015/main" val="1"/>
+              </p:ext>
+            </p:extLst>
+          </p:nvPr>
+        </p:nvSpPr>
+        <p:spPr>
+          <a:xfrm>
+            <a:off x="641774" y="623275"/>
+            <a:ext cx="10905053" cy="5607882"/>
+          </a:xfrm>
+          <a:prstGeom prst="rect">
+            <a:avLst/>
+          </a:prstGeom>
+          <a:noFill/>
+          <a:ln w="19050">
+            <a:solidFill>
+              <a:schemeClr val="tx1">
+                <a:lumMod val="75000"/>
+                <a:lumOff val="25000"/>
+              </a:schemeClr>
+            </a:solidFill>
+          </a:ln>
+        </p:spPr>
+        <p:style>
+          <a:lnRef idx="2">
+            <a:schemeClr val="accent1">
+              <a:shade val="50000"/>
+            </a:schemeClr>
+          </a:lnRef>
+          <a:fillRef idx="1">
+            <a:schemeClr val="accent1"/>
+          </a:fillRef>
+          <a:effectRef idx="0">
+            <a:schemeClr val="accent1"/>
+          </a:effectRef>
+          <a:fontRef idx="minor">
+            <a:schemeClr val="lt1"/>
+          </a:fontRef>
+        </p:style>
+        <p:txBody>
+          <a:bodyPr rtlCol="0" anchor="ctr"/>
+          <a:lstStyle/>
+          <a:p>
+            <a:pPr algn="ctr"/>
+            <a:endParaRPr lang="en-US"/>
+          </a:p>
+        </p:txBody>
+      </p:sp>
       <p:sp>
         <p:nvSpPr>
           <p:cNvPr id="2" name="Title 1">
@@ -3345,18 +3547,19 @@
         </p:nvSpPr>
         <p:spPr>
           <a:xfrm>
-            <a:off x="1524000" y="1322962"/>
-            <a:ext cx="9144000" cy="3211648"/>
+            <a:off x="1285241" y="1015045"/>
+            <a:ext cx="9231410" cy="3176000"/>
           </a:xfrm>
         </p:spPr>
         <p:txBody>
-          <a:bodyPr>
-            <a:normAutofit fontScale="90000"/>
+          <a:bodyPr anchor="b">
+            <a:normAutofit/>
           </a:bodyPr>
           <a:lstStyle/>
           <a:p>
+            <a:pPr algn="l"/>
             <a:r>
-              <a:rPr lang="en-US" dirty="0"/>
+              <a:rPr lang="en-US" sz="5500" dirty="0"/>
               <a:t>The effect of reward timescale on the rate of behavioral learning in a two-alternative forced-choice task</a:t>
             </a:r>
           </a:p>
@@ -3380,16 +3583,21 @@
         </p:nvSpPr>
         <p:spPr>
           <a:xfrm>
-            <a:off x="1524000" y="4826339"/>
-            <a:ext cx="9144000" cy="723190"/>
+            <a:off x="1285241" y="4191045"/>
+            <a:ext cx="7132335" cy="1495351"/>
           </a:xfrm>
         </p:spPr>
         <p:txBody>
-          <a:bodyPr>
-            <a:normAutofit fontScale="92500" lnSpcReduction="20000"/>
+          <a:bodyPr anchor="t">
+            <a:normAutofit/>
           </a:bodyPr>
           <a:lstStyle/>
           <a:p>
+            <a:pPr algn="l">
+              <a:lnSpc>
+                <a:spcPct val="200000"/>
+              </a:lnSpc>
+            </a:pPr>
             <a:r>
               <a:rPr lang="en-US" dirty="0" err="1"/>
               <a:t>Joschua</a:t>
@@ -3408,6 +3616,7 @@
             </a:r>
           </a:p>
           <a:p>
+            <a:pPr algn="l"/>
             <a:r>
               <a:rPr lang="en-US" dirty="0"/>
               <a:t>December 12</a:t>
@@ -3469,7 +3678,12 @@
             <p:ph type="title"/>
           </p:nvPr>
         </p:nvSpPr>
-        <p:spPr/>
+        <p:spPr>
+          <a:xfrm>
+            <a:off x="411939" y="380964"/>
+            <a:ext cx="10515600" cy="886159"/>
+          </a:xfrm>
+        </p:spPr>
         <p:txBody>
           <a:bodyPr/>
           <a:lstStyle/>
@@ -3481,28 +3695,132 @@
           </a:p>
         </p:txBody>
       </p:sp>
-      <p:sp>
-        <p:nvSpPr>
-          <p:cNvPr id="3" name="Content Placeholder 2">
+      <p:pic>
+        <p:nvPicPr>
+          <p:cNvPr id="5" name="Picture 4">
             <a:extLst>
               <a:ext uri="{FF2B5EF4-FFF2-40B4-BE49-F238E27FC236}">
-                <a16:creationId xmlns:a16="http://schemas.microsoft.com/office/drawing/2014/main" id="{6EBB98AA-6709-7874-E7C8-9400D054677F}"/>
+                <a16:creationId xmlns:a16="http://schemas.microsoft.com/office/drawing/2014/main" id="{06EF5C4E-6120-4A35-0B18-A8995D99698D}"/>
               </a:ext>
             </a:extLst>
           </p:cNvPr>
-          <p:cNvSpPr>
-            <a:spLocks noGrp="1"/>
-          </p:cNvSpPr>
-          <p:nvPr>
-            <p:ph idx="1"/>
-          </p:nvPr>
+          <p:cNvPicPr>
+            <a:picLocks noChangeAspect="1"/>
+          </p:cNvPicPr>
+          <p:nvPr/>
+        </p:nvPicPr>
+        <p:blipFill>
+          <a:blip r:embed="rId2"/>
+          <a:stretch>
+            <a:fillRect/>
+          </a:stretch>
+        </p:blipFill>
+        <p:spPr>
+          <a:xfrm>
+            <a:off x="603030" y="1103646"/>
+            <a:ext cx="6373872" cy="1213113"/>
+          </a:xfrm>
+          <a:prstGeom prst="rect">
+            <a:avLst/>
+          </a:prstGeom>
+        </p:spPr>
+      </p:pic>
+      <p:pic>
+        <p:nvPicPr>
+          <p:cNvPr id="7" name="Picture 6" descr="A collage of diagrams and graphs&#10;&#10;Description automatically generated">
+            <a:extLst>
+              <a:ext uri="{FF2B5EF4-FFF2-40B4-BE49-F238E27FC236}">
+                <a16:creationId xmlns:a16="http://schemas.microsoft.com/office/drawing/2014/main" id="{89087D9C-A65B-F50C-3512-75B811D95EB7}"/>
+              </a:ext>
+            </a:extLst>
+          </p:cNvPr>
+          <p:cNvPicPr>
+            <a:picLocks noChangeAspect="1"/>
+          </p:cNvPicPr>
+          <p:nvPr/>
+        </p:nvPicPr>
+        <p:blipFill>
+          <a:blip r:embed="rId3">
+            <a:extLst>
+              <a:ext uri="{28A0092B-C50C-407E-A947-70E740481C1C}">
+                <a14:useLocalDpi xmlns:a14="http://schemas.microsoft.com/office/drawing/2010/main" val="0"/>
+              </a:ext>
+            </a:extLst>
+          </a:blip>
+          <a:srcRect b="24297"/>
+          <a:stretch/>
+        </p:blipFill>
+        <p:spPr>
+          <a:xfrm>
+            <a:off x="688360" y="2316759"/>
+            <a:ext cx="4311315" cy="4211358"/>
+          </a:xfrm>
+          <a:prstGeom prst="rect">
+            <a:avLst/>
+          </a:prstGeom>
+        </p:spPr>
+      </p:pic>
+      <p:sp>
+        <p:nvSpPr>
+          <p:cNvPr id="8" name="TextBox 7">
+            <a:extLst>
+              <a:ext uri="{FF2B5EF4-FFF2-40B4-BE49-F238E27FC236}">
+                <a16:creationId xmlns:a16="http://schemas.microsoft.com/office/drawing/2014/main" id="{169DDD0E-E774-075B-A8D9-E0BC9B3E48B1}"/>
+              </a:ext>
+            </a:extLst>
+          </p:cNvPr>
+          <p:cNvSpPr txBox="1"/>
+          <p:nvPr/>
         </p:nvSpPr>
-        <p:spPr/>
+        <p:spPr>
+          <a:xfrm>
+            <a:off x="6976902" y="1997840"/>
+            <a:ext cx="4526738" cy="2862322"/>
+          </a:xfrm>
+          <a:prstGeom prst="rect">
+            <a:avLst/>
+          </a:prstGeom>
+          <a:noFill/>
+        </p:spPr>
         <p:txBody>
-          <a:bodyPr/>
+          <a:bodyPr wrap="square" rtlCol="0" anchor="ctr">
+            <a:spAutoFit/>
+          </a:bodyPr>
           <a:lstStyle/>
           <a:p>
-            <a:endParaRPr lang="en-US"/>
+            <a:pPr marL="285750" indent="-285750">
+              <a:buFont typeface="Arial" panose="020B0604020202020204" pitchFamily="34" charset="0"/>
+              <a:buChar char="•"/>
+            </a:pPr>
+            <a:r>
+              <a:rPr lang="en-US" sz="2000" dirty="0"/>
+              <a:t>Does the hypothesis extend to a 2-AFC task instead of a Pavlovian conditioning setting?</a:t>
+            </a:r>
+          </a:p>
+          <a:p>
+            <a:r>
+              <a:rPr lang="en-US" sz="2000" dirty="0"/>
+              <a:t>	</a:t>
+            </a:r>
+          </a:p>
+          <a:p>
+            <a:r>
+              <a:rPr lang="en-US" sz="2000" dirty="0"/>
+              <a:t>	-OR-</a:t>
+            </a:r>
+          </a:p>
+          <a:p>
+            <a:endParaRPr lang="en-US" sz="2000" dirty="0"/>
+          </a:p>
+          <a:p>
+            <a:pPr marL="285750" indent="-285750">
+              <a:buFont typeface="Arial" panose="020B0604020202020204" pitchFamily="34" charset="0"/>
+              <a:buChar char="•"/>
+            </a:pPr>
+            <a:r>
+              <a:rPr lang="en-US" sz="2000" dirty="0"/>
+              <a:t>Does exposure to number of trials have a more significant effect compared to ITI?</a:t>
+            </a:r>
           </a:p>
         </p:txBody>
       </p:sp>
@@ -3552,18 +3870,4825 @@
             <p:ph type="title"/>
           </p:nvPr>
         </p:nvSpPr>
-        <p:spPr/>
+        <p:spPr>
+          <a:xfrm>
+            <a:off x="255973" y="420614"/>
+            <a:ext cx="11680053" cy="829730"/>
+          </a:xfrm>
+        </p:spPr>
         <p:txBody>
           <a:bodyPr/>
           <a:lstStyle/>
           <a:p>
             <a:r>
               <a:rPr lang="en-US" dirty="0"/>
-              <a:t>Experimental Setup</a:t>
+              <a:t>Trial Structure</a:t>
             </a:r>
           </a:p>
         </p:txBody>
       </p:sp>
+      <p:grpSp>
+        <p:nvGrpSpPr>
+          <p:cNvPr id="1164" name="Group 1163">
+            <a:extLst>
+              <a:ext uri="{FF2B5EF4-FFF2-40B4-BE49-F238E27FC236}">
+                <a16:creationId xmlns:a16="http://schemas.microsoft.com/office/drawing/2014/main" id="{059F5FBA-945F-625C-8224-60EAAD7997E4}"/>
+              </a:ext>
+            </a:extLst>
+          </p:cNvPr>
+          <p:cNvGrpSpPr/>
+          <p:nvPr/>
+        </p:nvGrpSpPr>
+        <p:grpSpPr>
+          <a:xfrm>
+            <a:off x="925147" y="1117813"/>
+            <a:ext cx="9323704" cy="5294666"/>
+            <a:chOff x="342048" y="1070299"/>
+            <a:chExt cx="10766900" cy="6244962"/>
+          </a:xfrm>
+        </p:grpSpPr>
+        <p:grpSp>
+          <p:nvGrpSpPr>
+            <p:cNvPr id="1043" name="Group 1042">
+              <a:extLst>
+                <a:ext uri="{FF2B5EF4-FFF2-40B4-BE49-F238E27FC236}">
+                  <a16:creationId xmlns:a16="http://schemas.microsoft.com/office/drawing/2014/main" id="{FF070721-5922-5EFB-11EB-0EECE02529F5}"/>
+                </a:ext>
+              </a:extLst>
+            </p:cNvPr>
+            <p:cNvGrpSpPr/>
+            <p:nvPr/>
+          </p:nvGrpSpPr>
+          <p:grpSpPr>
+            <a:xfrm>
+              <a:off x="342048" y="2517831"/>
+              <a:ext cx="1766653" cy="2564187"/>
+              <a:chOff x="440987" y="1287568"/>
+              <a:chExt cx="2133600" cy="2907504"/>
+            </a:xfrm>
+          </p:grpSpPr>
+          <p:grpSp>
+            <p:nvGrpSpPr>
+              <p:cNvPr id="15" name="Group 14">
+                <a:extLst>
+                  <a:ext uri="{FF2B5EF4-FFF2-40B4-BE49-F238E27FC236}">
+                    <a16:creationId xmlns:a16="http://schemas.microsoft.com/office/drawing/2014/main" id="{80DD9908-172F-1B1A-1E7E-D62CB16CEF7B}"/>
+                  </a:ext>
+                </a:extLst>
+              </p:cNvPr>
+              <p:cNvGrpSpPr/>
+              <p:nvPr/>
+            </p:nvGrpSpPr>
+            <p:grpSpPr>
+              <a:xfrm>
+                <a:off x="440987" y="2003898"/>
+                <a:ext cx="2133600" cy="1277566"/>
+                <a:chOff x="440987" y="2003898"/>
+                <a:chExt cx="2133600" cy="1277566"/>
+              </a:xfrm>
+            </p:grpSpPr>
+            <p:sp>
+              <p:nvSpPr>
+                <p:cNvPr id="3" name="Rectangle 2">
+                  <a:extLst>
+                    <a:ext uri="{FF2B5EF4-FFF2-40B4-BE49-F238E27FC236}">
+                      <a16:creationId xmlns:a16="http://schemas.microsoft.com/office/drawing/2014/main" id="{92853D17-9794-C544-96C7-F60D0C862D85}"/>
+                    </a:ext>
+                  </a:extLst>
+                </p:cNvPr>
+                <p:cNvSpPr/>
+                <p:nvPr/>
+              </p:nvSpPr>
+              <p:spPr>
+                <a:xfrm>
+                  <a:off x="440987" y="2003898"/>
+                  <a:ext cx="2133600" cy="1277566"/>
+                </a:xfrm>
+                <a:prstGeom prst="rect">
+                  <a:avLst/>
+                </a:prstGeom>
+              </p:spPr>
+              <p:style>
+                <a:lnRef idx="2">
+                  <a:schemeClr val="dk1"/>
+                </a:lnRef>
+                <a:fillRef idx="1">
+                  <a:schemeClr val="lt1"/>
+                </a:fillRef>
+                <a:effectRef idx="0">
+                  <a:schemeClr val="dk1"/>
+                </a:effectRef>
+                <a:fontRef idx="minor">
+                  <a:schemeClr val="dk1"/>
+                </a:fontRef>
+              </p:style>
+              <p:txBody>
+                <a:bodyPr rtlCol="0" anchor="ctr"/>
+                <a:lstStyle/>
+                <a:p>
+                  <a:pPr algn="ctr"/>
+                  <a:endParaRPr lang="en-US"/>
+                </a:p>
+              </p:txBody>
+            </p:sp>
+            <p:sp>
+              <p:nvSpPr>
+                <p:cNvPr id="4" name="Oval 3">
+                  <a:extLst>
+                    <a:ext uri="{FF2B5EF4-FFF2-40B4-BE49-F238E27FC236}">
+                      <a16:creationId xmlns:a16="http://schemas.microsoft.com/office/drawing/2014/main" id="{13AEAF27-1FBC-D2C0-4E9B-99BFF641A373}"/>
+                    </a:ext>
+                  </a:extLst>
+                </p:cNvPr>
+                <p:cNvSpPr/>
+                <p:nvPr/>
+              </p:nvSpPr>
+              <p:spPr>
+                <a:xfrm>
+                  <a:off x="1008434" y="2159541"/>
+                  <a:ext cx="226979" cy="228600"/>
+                </a:xfrm>
+                <a:prstGeom prst="ellipse">
+                  <a:avLst/>
+                </a:prstGeom>
+                <a:solidFill>
+                  <a:schemeClr val="bg1">
+                    <a:lumMod val="50000"/>
+                  </a:schemeClr>
+                </a:solidFill>
+              </p:spPr>
+              <p:style>
+                <a:lnRef idx="2">
+                  <a:schemeClr val="dk1">
+                    <a:shade val="15000"/>
+                  </a:schemeClr>
+                </a:lnRef>
+                <a:fillRef idx="1">
+                  <a:schemeClr val="dk1"/>
+                </a:fillRef>
+                <a:effectRef idx="0">
+                  <a:schemeClr val="dk1"/>
+                </a:effectRef>
+                <a:fontRef idx="minor">
+                  <a:schemeClr val="lt1"/>
+                </a:fontRef>
+              </p:style>
+              <p:txBody>
+                <a:bodyPr rtlCol="0" anchor="ctr"/>
+                <a:lstStyle/>
+                <a:p>
+                  <a:pPr algn="ctr"/>
+                  <a:endParaRPr lang="en-US"/>
+                </a:p>
+              </p:txBody>
+            </p:sp>
+            <p:sp>
+              <p:nvSpPr>
+                <p:cNvPr id="5" name="Oval 4">
+                  <a:extLst>
+                    <a:ext uri="{FF2B5EF4-FFF2-40B4-BE49-F238E27FC236}">
+                      <a16:creationId xmlns:a16="http://schemas.microsoft.com/office/drawing/2014/main" id="{C1704294-278B-2FCA-8C8D-D3F3CA8805A2}"/>
+                    </a:ext>
+                  </a:extLst>
+                </p:cNvPr>
+                <p:cNvSpPr/>
+                <p:nvPr/>
+              </p:nvSpPr>
+              <p:spPr>
+                <a:xfrm>
+                  <a:off x="1802859" y="2159541"/>
+                  <a:ext cx="226979" cy="228600"/>
+                </a:xfrm>
+                <a:prstGeom prst="ellipse">
+                  <a:avLst/>
+                </a:prstGeom>
+                <a:solidFill>
+                  <a:schemeClr val="bg1">
+                    <a:lumMod val="50000"/>
+                  </a:schemeClr>
+                </a:solidFill>
+              </p:spPr>
+              <p:style>
+                <a:lnRef idx="2">
+                  <a:schemeClr val="accent1">
+                    <a:shade val="15000"/>
+                  </a:schemeClr>
+                </a:lnRef>
+                <a:fillRef idx="1">
+                  <a:schemeClr val="accent1"/>
+                </a:fillRef>
+                <a:effectRef idx="0">
+                  <a:schemeClr val="accent1"/>
+                </a:effectRef>
+                <a:fontRef idx="minor">
+                  <a:schemeClr val="lt1"/>
+                </a:fontRef>
+              </p:style>
+              <p:txBody>
+                <a:bodyPr rtlCol="0" anchor="ctr"/>
+                <a:lstStyle/>
+                <a:p>
+                  <a:pPr algn="ctr"/>
+                  <a:endParaRPr lang="en-US"/>
+                </a:p>
+              </p:txBody>
+            </p:sp>
+            <p:sp>
+              <p:nvSpPr>
+                <p:cNvPr id="6" name="Oval 5">
+                  <a:extLst>
+                    <a:ext uri="{FF2B5EF4-FFF2-40B4-BE49-F238E27FC236}">
+                      <a16:creationId xmlns:a16="http://schemas.microsoft.com/office/drawing/2014/main" id="{61EE4243-655D-B35D-CF57-549A8BD41F9B}"/>
+                    </a:ext>
+                  </a:extLst>
+                </p:cNvPr>
+                <p:cNvSpPr/>
+                <p:nvPr/>
+              </p:nvSpPr>
+              <p:spPr>
+                <a:xfrm>
+                  <a:off x="1405646" y="2388141"/>
+                  <a:ext cx="226979" cy="228600"/>
+                </a:xfrm>
+                <a:prstGeom prst="ellipse">
+                  <a:avLst/>
+                </a:prstGeom>
+                <a:solidFill>
+                  <a:srgbClr val="FFC000"/>
+                </a:solidFill>
+              </p:spPr>
+              <p:style>
+                <a:lnRef idx="2">
+                  <a:schemeClr val="dk1">
+                    <a:shade val="15000"/>
+                  </a:schemeClr>
+                </a:lnRef>
+                <a:fillRef idx="1">
+                  <a:schemeClr val="dk1"/>
+                </a:fillRef>
+                <a:effectRef idx="0">
+                  <a:schemeClr val="dk1"/>
+                </a:effectRef>
+                <a:fontRef idx="minor">
+                  <a:schemeClr val="lt1"/>
+                </a:fontRef>
+              </p:style>
+              <p:txBody>
+                <a:bodyPr rtlCol="0" anchor="ctr"/>
+                <a:lstStyle/>
+                <a:p>
+                  <a:pPr algn="ctr"/>
+                  <a:endParaRPr lang="en-US"/>
+                </a:p>
+              </p:txBody>
+            </p:sp>
+            <p:sp>
+              <p:nvSpPr>
+                <p:cNvPr id="7" name="Oval 6">
+                  <a:extLst>
+                    <a:ext uri="{FF2B5EF4-FFF2-40B4-BE49-F238E27FC236}">
+                      <a16:creationId xmlns:a16="http://schemas.microsoft.com/office/drawing/2014/main" id="{ECCC6280-35EB-D3AA-7CBB-2E3E66619131}"/>
+                    </a:ext>
+                  </a:extLst>
+                </p:cNvPr>
+                <p:cNvSpPr/>
+                <p:nvPr/>
+              </p:nvSpPr>
+              <p:spPr>
+                <a:xfrm>
+                  <a:off x="2188723" y="2384898"/>
+                  <a:ext cx="226979" cy="228600"/>
+                </a:xfrm>
+                <a:prstGeom prst="ellipse">
+                  <a:avLst/>
+                </a:prstGeom>
+                <a:solidFill>
+                  <a:schemeClr val="bg1">
+                    <a:lumMod val="50000"/>
+                  </a:schemeClr>
+                </a:solidFill>
+              </p:spPr>
+              <p:style>
+                <a:lnRef idx="2">
+                  <a:schemeClr val="accent1">
+                    <a:shade val="15000"/>
+                  </a:schemeClr>
+                </a:lnRef>
+                <a:fillRef idx="1">
+                  <a:schemeClr val="accent1"/>
+                </a:fillRef>
+                <a:effectRef idx="0">
+                  <a:schemeClr val="accent1"/>
+                </a:effectRef>
+                <a:fontRef idx="minor">
+                  <a:schemeClr val="lt1"/>
+                </a:fontRef>
+              </p:style>
+              <p:txBody>
+                <a:bodyPr rtlCol="0" anchor="ctr"/>
+                <a:lstStyle/>
+                <a:p>
+                  <a:pPr algn="ctr"/>
+                  <a:endParaRPr lang="en-US"/>
+                </a:p>
+              </p:txBody>
+            </p:sp>
+            <p:sp>
+              <p:nvSpPr>
+                <p:cNvPr id="8" name="Oval 7">
+                  <a:extLst>
+                    <a:ext uri="{FF2B5EF4-FFF2-40B4-BE49-F238E27FC236}">
+                      <a16:creationId xmlns:a16="http://schemas.microsoft.com/office/drawing/2014/main" id="{B26552FA-7C3B-EDDA-4A4F-45418E63CCBA}"/>
+                    </a:ext>
+                  </a:extLst>
+                </p:cNvPr>
+                <p:cNvSpPr/>
+                <p:nvPr/>
+              </p:nvSpPr>
+              <p:spPr>
+                <a:xfrm>
+                  <a:off x="622569" y="2414081"/>
+                  <a:ext cx="226979" cy="228600"/>
+                </a:xfrm>
+                <a:prstGeom prst="ellipse">
+                  <a:avLst/>
+                </a:prstGeom>
+                <a:solidFill>
+                  <a:schemeClr val="bg1">
+                    <a:lumMod val="50000"/>
+                  </a:schemeClr>
+                </a:solidFill>
+              </p:spPr>
+              <p:style>
+                <a:lnRef idx="2">
+                  <a:schemeClr val="accent1">
+                    <a:shade val="15000"/>
+                  </a:schemeClr>
+                </a:lnRef>
+                <a:fillRef idx="1">
+                  <a:schemeClr val="accent1"/>
+                </a:fillRef>
+                <a:effectRef idx="0">
+                  <a:schemeClr val="accent1"/>
+                </a:effectRef>
+                <a:fontRef idx="minor">
+                  <a:schemeClr val="lt1"/>
+                </a:fontRef>
+              </p:style>
+              <p:txBody>
+                <a:bodyPr rtlCol="0" anchor="ctr"/>
+                <a:lstStyle/>
+                <a:p>
+                  <a:pPr algn="ctr"/>
+                  <a:endParaRPr lang="en-US"/>
+                </a:p>
+              </p:txBody>
+            </p:sp>
+            <p:sp>
+              <p:nvSpPr>
+                <p:cNvPr id="9" name="Oval 8">
+                  <a:extLst>
+                    <a:ext uri="{FF2B5EF4-FFF2-40B4-BE49-F238E27FC236}">
+                      <a16:creationId xmlns:a16="http://schemas.microsoft.com/office/drawing/2014/main" id="{C094C05F-6DCB-25AE-B1B8-EDA160163B94}"/>
+                    </a:ext>
+                  </a:extLst>
+                </p:cNvPr>
+                <p:cNvSpPr/>
+                <p:nvPr/>
+              </p:nvSpPr>
+              <p:spPr>
+                <a:xfrm>
+                  <a:off x="1008434" y="2642681"/>
+                  <a:ext cx="226979" cy="228600"/>
+                </a:xfrm>
+                <a:prstGeom prst="ellipse">
+                  <a:avLst/>
+                </a:prstGeom>
+                <a:solidFill>
+                  <a:schemeClr val="bg1">
+                    <a:lumMod val="50000"/>
+                  </a:schemeClr>
+                </a:solidFill>
+              </p:spPr>
+              <p:style>
+                <a:lnRef idx="2">
+                  <a:schemeClr val="dk1">
+                    <a:shade val="15000"/>
+                  </a:schemeClr>
+                </a:lnRef>
+                <a:fillRef idx="1">
+                  <a:schemeClr val="dk1"/>
+                </a:fillRef>
+                <a:effectRef idx="0">
+                  <a:schemeClr val="dk1"/>
+                </a:effectRef>
+                <a:fontRef idx="minor">
+                  <a:schemeClr val="lt1"/>
+                </a:fontRef>
+              </p:style>
+              <p:txBody>
+                <a:bodyPr rtlCol="0" anchor="ctr"/>
+                <a:lstStyle/>
+                <a:p>
+                  <a:pPr algn="ctr"/>
+                  <a:endParaRPr lang="en-US"/>
+                </a:p>
+              </p:txBody>
+            </p:sp>
+            <p:sp>
+              <p:nvSpPr>
+                <p:cNvPr id="10" name="Oval 9">
+                  <a:extLst>
+                    <a:ext uri="{FF2B5EF4-FFF2-40B4-BE49-F238E27FC236}">
+                      <a16:creationId xmlns:a16="http://schemas.microsoft.com/office/drawing/2014/main" id="{89AE1E28-2E86-9EC3-071A-D228C7AD3E25}"/>
+                    </a:ext>
+                  </a:extLst>
+                </p:cNvPr>
+                <p:cNvSpPr/>
+                <p:nvPr/>
+              </p:nvSpPr>
+              <p:spPr>
+                <a:xfrm>
+                  <a:off x="1802859" y="2642681"/>
+                  <a:ext cx="226979" cy="228600"/>
+                </a:xfrm>
+                <a:prstGeom prst="ellipse">
+                  <a:avLst/>
+                </a:prstGeom>
+                <a:solidFill>
+                  <a:schemeClr val="bg1">
+                    <a:lumMod val="50000"/>
+                  </a:schemeClr>
+                </a:solidFill>
+              </p:spPr>
+              <p:style>
+                <a:lnRef idx="2">
+                  <a:schemeClr val="dk1">
+                    <a:shade val="15000"/>
+                  </a:schemeClr>
+                </a:lnRef>
+                <a:fillRef idx="1">
+                  <a:schemeClr val="dk1"/>
+                </a:fillRef>
+                <a:effectRef idx="0">
+                  <a:schemeClr val="dk1"/>
+                </a:effectRef>
+                <a:fontRef idx="minor">
+                  <a:schemeClr val="lt1"/>
+                </a:fontRef>
+              </p:style>
+              <p:txBody>
+                <a:bodyPr rtlCol="0" anchor="ctr"/>
+                <a:lstStyle/>
+                <a:p>
+                  <a:pPr algn="ctr"/>
+                  <a:endParaRPr lang="en-US"/>
+                </a:p>
+              </p:txBody>
+            </p:sp>
+            <p:sp>
+              <p:nvSpPr>
+                <p:cNvPr id="11" name="Oval 10">
+                  <a:extLst>
+                    <a:ext uri="{FF2B5EF4-FFF2-40B4-BE49-F238E27FC236}">
+                      <a16:creationId xmlns:a16="http://schemas.microsoft.com/office/drawing/2014/main" id="{232F72A1-2C7E-F05E-CADB-F2E04C530922}"/>
+                    </a:ext>
+                  </a:extLst>
+                </p:cNvPr>
+                <p:cNvSpPr/>
+                <p:nvPr/>
+              </p:nvSpPr>
+              <p:spPr>
+                <a:xfrm>
+                  <a:off x="1405646" y="2871281"/>
+                  <a:ext cx="226979" cy="228600"/>
+                </a:xfrm>
+                <a:prstGeom prst="ellipse">
+                  <a:avLst/>
+                </a:prstGeom>
+                <a:solidFill>
+                  <a:schemeClr val="bg1">
+                    <a:lumMod val="50000"/>
+                  </a:schemeClr>
+                </a:solidFill>
+              </p:spPr>
+              <p:style>
+                <a:lnRef idx="2">
+                  <a:schemeClr val="dk1">
+                    <a:shade val="15000"/>
+                  </a:schemeClr>
+                </a:lnRef>
+                <a:fillRef idx="1">
+                  <a:schemeClr val="dk1"/>
+                </a:fillRef>
+                <a:effectRef idx="0">
+                  <a:schemeClr val="dk1"/>
+                </a:effectRef>
+                <a:fontRef idx="minor">
+                  <a:schemeClr val="lt1"/>
+                </a:fontRef>
+              </p:style>
+              <p:txBody>
+                <a:bodyPr rtlCol="0" anchor="ctr"/>
+                <a:lstStyle/>
+                <a:p>
+                  <a:pPr algn="ctr"/>
+                  <a:endParaRPr lang="en-US"/>
+                </a:p>
+              </p:txBody>
+            </p:sp>
+          </p:grpSp>
+          <p:sp>
+            <p:nvSpPr>
+              <p:cNvPr id="14" name="TextBox 13">
+                <a:extLst>
+                  <a:ext uri="{FF2B5EF4-FFF2-40B4-BE49-F238E27FC236}">
+                    <a16:creationId xmlns:a16="http://schemas.microsoft.com/office/drawing/2014/main" id="{BA908768-060F-AE36-C3A4-6566D2D555B1}"/>
+                  </a:ext>
+                </a:extLst>
+              </p:cNvPr>
+              <p:cNvSpPr txBox="1"/>
+              <p:nvPr/>
+            </p:nvSpPr>
+            <p:spPr>
+              <a:xfrm>
+                <a:off x="473544" y="1287568"/>
+                <a:ext cx="2095251" cy="782079"/>
+              </a:xfrm>
+              <a:prstGeom prst="rect">
+                <a:avLst/>
+              </a:prstGeom>
+              <a:noFill/>
+            </p:spPr>
+            <p:txBody>
+              <a:bodyPr wrap="square" rtlCol="0">
+                <a:spAutoFit/>
+              </a:bodyPr>
+              <a:lstStyle/>
+              <a:p>
+                <a:pPr algn="ctr"/>
+                <a:r>
+                  <a:rPr lang="en-US" sz="1600" dirty="0"/>
+                  <a:t>Trial Onset</a:t>
+                </a:r>
+              </a:p>
+              <a:p>
+                <a:pPr algn="ctr"/>
+                <a:r>
+                  <a:rPr lang="en-US" sz="1600" dirty="0"/>
+                  <a:t>(5s timeout)</a:t>
+                </a:r>
+                <a:endParaRPr lang="en-US" dirty="0"/>
+              </a:p>
+            </p:txBody>
+          </p:sp>
+          <p:pic>
+            <p:nvPicPr>
+              <p:cNvPr id="30" name="Graphic 29">
+                <a:extLst>
+                  <a:ext uri="{FF2B5EF4-FFF2-40B4-BE49-F238E27FC236}">
+                    <a16:creationId xmlns:a16="http://schemas.microsoft.com/office/drawing/2014/main" id="{7B4A1382-A802-3DE1-AB2B-15F07DEA595D}"/>
+                  </a:ext>
+                </a:extLst>
+              </p:cNvPr>
+              <p:cNvPicPr>
+                <a:picLocks noChangeAspect="1"/>
+              </p:cNvPicPr>
+              <p:nvPr/>
+            </p:nvPicPr>
+            <p:blipFill>
+              <a:blip r:embed="rId2">
+                <a:extLst>
+                  <a:ext uri="{96DAC541-7B7A-43D3-8B79-37D633B846F1}">
+                    <asvg:svgBlip xmlns:asvg="http://schemas.microsoft.com/office/drawing/2016/SVG/main" r:embed="rId3"/>
+                  </a:ext>
+                </a:extLst>
+              </a:blip>
+              <a:stretch>
+                <a:fillRect/>
+              </a:stretch>
+            </p:blipFill>
+            <p:spPr>
+              <a:xfrm>
+                <a:off x="1193820" y="3316321"/>
+                <a:ext cx="493452" cy="878751"/>
+              </a:xfrm>
+              <a:prstGeom prst="rect">
+                <a:avLst/>
+              </a:prstGeom>
+            </p:spPr>
+          </p:pic>
+        </p:grpSp>
+        <p:cxnSp>
+          <p:nvCxnSpPr>
+            <p:cNvPr id="36" name="Straight Arrow Connector 35">
+              <a:extLst>
+                <a:ext uri="{FF2B5EF4-FFF2-40B4-BE49-F238E27FC236}">
+                  <a16:creationId xmlns:a16="http://schemas.microsoft.com/office/drawing/2014/main" id="{A977F42E-E683-8B2F-B59E-8526BF85EE00}"/>
+                </a:ext>
+              </a:extLst>
+            </p:cNvPr>
+            <p:cNvCxnSpPr>
+              <a:cxnSpLocks/>
+            </p:cNvCxnSpPr>
+            <p:nvPr/>
+          </p:nvCxnSpPr>
+          <p:spPr>
+            <a:xfrm>
+              <a:off x="2165038" y="3644649"/>
+              <a:ext cx="326371" cy="0"/>
+            </a:xfrm>
+            <a:prstGeom prst="straightConnector1">
+              <a:avLst/>
+            </a:prstGeom>
+            <a:ln>
+              <a:tailEnd type="triangle"/>
+            </a:ln>
+          </p:spPr>
+          <p:style>
+            <a:lnRef idx="2">
+              <a:schemeClr val="accent1"/>
+            </a:lnRef>
+            <a:fillRef idx="0">
+              <a:schemeClr val="accent1"/>
+            </a:fillRef>
+            <a:effectRef idx="1">
+              <a:schemeClr val="accent1"/>
+            </a:effectRef>
+            <a:fontRef idx="minor">
+              <a:schemeClr val="tx1"/>
+            </a:fontRef>
+          </p:style>
+        </p:cxnSp>
+        <p:grpSp>
+          <p:nvGrpSpPr>
+            <p:cNvPr id="1045" name="Group 1044">
+              <a:extLst>
+                <a:ext uri="{FF2B5EF4-FFF2-40B4-BE49-F238E27FC236}">
+                  <a16:creationId xmlns:a16="http://schemas.microsoft.com/office/drawing/2014/main" id="{D62C3290-6E36-011D-7935-DCD763400C12}"/>
+                </a:ext>
+              </a:extLst>
+            </p:cNvPr>
+            <p:cNvGrpSpPr/>
+            <p:nvPr/>
+          </p:nvGrpSpPr>
+          <p:grpSpPr>
+            <a:xfrm>
+              <a:off x="2410952" y="2217155"/>
+              <a:ext cx="1981200" cy="4009952"/>
+              <a:chOff x="3411975" y="967288"/>
+              <a:chExt cx="2388141" cy="4530719"/>
+            </a:xfrm>
+          </p:grpSpPr>
+          <p:grpSp>
+            <p:nvGrpSpPr>
+              <p:cNvPr id="16" name="Group 15">
+                <a:extLst>
+                  <a:ext uri="{FF2B5EF4-FFF2-40B4-BE49-F238E27FC236}">
+                    <a16:creationId xmlns:a16="http://schemas.microsoft.com/office/drawing/2014/main" id="{D059E2A0-E24E-E1D7-D6E9-17CFABAF841B}"/>
+                  </a:ext>
+                </a:extLst>
+              </p:cNvPr>
+              <p:cNvGrpSpPr/>
+              <p:nvPr/>
+            </p:nvGrpSpPr>
+            <p:grpSpPr>
+              <a:xfrm>
+                <a:off x="3539246" y="2003898"/>
+                <a:ext cx="2133600" cy="1277566"/>
+                <a:chOff x="440987" y="2003898"/>
+                <a:chExt cx="2133600" cy="1277566"/>
+              </a:xfrm>
+            </p:grpSpPr>
+            <p:sp>
+              <p:nvSpPr>
+                <p:cNvPr id="17" name="Rectangle 16">
+                  <a:extLst>
+                    <a:ext uri="{FF2B5EF4-FFF2-40B4-BE49-F238E27FC236}">
+                      <a16:creationId xmlns:a16="http://schemas.microsoft.com/office/drawing/2014/main" id="{36BE7CAF-E4FD-A1F1-C2B8-92D652068795}"/>
+                    </a:ext>
+                  </a:extLst>
+                </p:cNvPr>
+                <p:cNvSpPr/>
+                <p:nvPr/>
+              </p:nvSpPr>
+              <p:spPr>
+                <a:xfrm>
+                  <a:off x="440987" y="2003898"/>
+                  <a:ext cx="2133600" cy="1277566"/>
+                </a:xfrm>
+                <a:prstGeom prst="rect">
+                  <a:avLst/>
+                </a:prstGeom>
+              </p:spPr>
+              <p:style>
+                <a:lnRef idx="2">
+                  <a:schemeClr val="dk1"/>
+                </a:lnRef>
+                <a:fillRef idx="1">
+                  <a:schemeClr val="lt1"/>
+                </a:fillRef>
+                <a:effectRef idx="0">
+                  <a:schemeClr val="dk1"/>
+                </a:effectRef>
+                <a:fontRef idx="minor">
+                  <a:schemeClr val="dk1"/>
+                </a:fontRef>
+              </p:style>
+              <p:txBody>
+                <a:bodyPr rtlCol="0" anchor="ctr"/>
+                <a:lstStyle/>
+                <a:p>
+                  <a:pPr algn="ctr"/>
+                  <a:endParaRPr lang="en-US"/>
+                </a:p>
+              </p:txBody>
+            </p:sp>
+            <p:sp>
+              <p:nvSpPr>
+                <p:cNvPr id="18" name="Oval 17">
+                  <a:extLst>
+                    <a:ext uri="{FF2B5EF4-FFF2-40B4-BE49-F238E27FC236}">
+                      <a16:creationId xmlns:a16="http://schemas.microsoft.com/office/drawing/2014/main" id="{198F0C9F-721F-A675-AB0E-B30CE0673E5A}"/>
+                    </a:ext>
+                  </a:extLst>
+                </p:cNvPr>
+                <p:cNvSpPr/>
+                <p:nvPr/>
+              </p:nvSpPr>
+              <p:spPr>
+                <a:xfrm>
+                  <a:off x="1008434" y="2159541"/>
+                  <a:ext cx="226979" cy="228600"/>
+                </a:xfrm>
+                <a:prstGeom prst="ellipse">
+                  <a:avLst/>
+                </a:prstGeom>
+                <a:solidFill>
+                  <a:schemeClr val="bg1">
+                    <a:lumMod val="50000"/>
+                  </a:schemeClr>
+                </a:solidFill>
+              </p:spPr>
+              <p:style>
+                <a:lnRef idx="2">
+                  <a:schemeClr val="dk1">
+                    <a:shade val="15000"/>
+                  </a:schemeClr>
+                </a:lnRef>
+                <a:fillRef idx="1">
+                  <a:schemeClr val="dk1"/>
+                </a:fillRef>
+                <a:effectRef idx="0">
+                  <a:schemeClr val="dk1"/>
+                </a:effectRef>
+                <a:fontRef idx="minor">
+                  <a:schemeClr val="lt1"/>
+                </a:fontRef>
+              </p:style>
+              <p:txBody>
+                <a:bodyPr rtlCol="0" anchor="ctr"/>
+                <a:lstStyle/>
+                <a:p>
+                  <a:pPr algn="ctr"/>
+                  <a:endParaRPr lang="en-US"/>
+                </a:p>
+              </p:txBody>
+            </p:sp>
+            <p:sp>
+              <p:nvSpPr>
+                <p:cNvPr id="19" name="Oval 18">
+                  <a:extLst>
+                    <a:ext uri="{FF2B5EF4-FFF2-40B4-BE49-F238E27FC236}">
+                      <a16:creationId xmlns:a16="http://schemas.microsoft.com/office/drawing/2014/main" id="{E6B3EF98-5936-5B71-1946-635341EB0F56}"/>
+                    </a:ext>
+                  </a:extLst>
+                </p:cNvPr>
+                <p:cNvSpPr/>
+                <p:nvPr/>
+              </p:nvSpPr>
+              <p:spPr>
+                <a:xfrm>
+                  <a:off x="1802859" y="2159541"/>
+                  <a:ext cx="226979" cy="228600"/>
+                </a:xfrm>
+                <a:prstGeom prst="ellipse">
+                  <a:avLst/>
+                </a:prstGeom>
+                <a:solidFill>
+                  <a:schemeClr val="bg1">
+                    <a:lumMod val="50000"/>
+                  </a:schemeClr>
+                </a:solidFill>
+              </p:spPr>
+              <p:style>
+                <a:lnRef idx="2">
+                  <a:schemeClr val="accent1">
+                    <a:shade val="15000"/>
+                  </a:schemeClr>
+                </a:lnRef>
+                <a:fillRef idx="1">
+                  <a:schemeClr val="accent1"/>
+                </a:fillRef>
+                <a:effectRef idx="0">
+                  <a:schemeClr val="accent1"/>
+                </a:effectRef>
+                <a:fontRef idx="minor">
+                  <a:schemeClr val="lt1"/>
+                </a:fontRef>
+              </p:style>
+              <p:txBody>
+                <a:bodyPr rtlCol="0" anchor="ctr"/>
+                <a:lstStyle/>
+                <a:p>
+                  <a:pPr algn="ctr"/>
+                  <a:endParaRPr lang="en-US"/>
+                </a:p>
+              </p:txBody>
+            </p:sp>
+            <p:sp>
+              <p:nvSpPr>
+                <p:cNvPr id="20" name="Oval 19">
+                  <a:extLst>
+                    <a:ext uri="{FF2B5EF4-FFF2-40B4-BE49-F238E27FC236}">
+                      <a16:creationId xmlns:a16="http://schemas.microsoft.com/office/drawing/2014/main" id="{34D3D787-A40B-AF98-91CE-A9759087BB53}"/>
+                    </a:ext>
+                  </a:extLst>
+                </p:cNvPr>
+                <p:cNvSpPr/>
+                <p:nvPr/>
+              </p:nvSpPr>
+              <p:spPr>
+                <a:xfrm>
+                  <a:off x="1405646" y="2388141"/>
+                  <a:ext cx="226979" cy="228600"/>
+                </a:xfrm>
+                <a:prstGeom prst="ellipse">
+                  <a:avLst/>
+                </a:prstGeom>
+                <a:solidFill>
+                  <a:srgbClr val="FFC000"/>
+                </a:solidFill>
+              </p:spPr>
+              <p:style>
+                <a:lnRef idx="2">
+                  <a:schemeClr val="dk1">
+                    <a:shade val="15000"/>
+                  </a:schemeClr>
+                </a:lnRef>
+                <a:fillRef idx="1">
+                  <a:schemeClr val="dk1"/>
+                </a:fillRef>
+                <a:effectRef idx="0">
+                  <a:schemeClr val="dk1"/>
+                </a:effectRef>
+                <a:fontRef idx="minor">
+                  <a:schemeClr val="lt1"/>
+                </a:fontRef>
+              </p:style>
+              <p:txBody>
+                <a:bodyPr rtlCol="0" anchor="ctr"/>
+                <a:lstStyle/>
+                <a:p>
+                  <a:pPr algn="ctr"/>
+                  <a:endParaRPr lang="en-US"/>
+                </a:p>
+              </p:txBody>
+            </p:sp>
+            <p:sp>
+              <p:nvSpPr>
+                <p:cNvPr id="21" name="Oval 20">
+                  <a:extLst>
+                    <a:ext uri="{FF2B5EF4-FFF2-40B4-BE49-F238E27FC236}">
+                      <a16:creationId xmlns:a16="http://schemas.microsoft.com/office/drawing/2014/main" id="{B286A9FE-3B0E-69D4-9997-E2AFE310BE5D}"/>
+                    </a:ext>
+                  </a:extLst>
+                </p:cNvPr>
+                <p:cNvSpPr/>
+                <p:nvPr/>
+              </p:nvSpPr>
+              <p:spPr>
+                <a:xfrm>
+                  <a:off x="2188723" y="2384898"/>
+                  <a:ext cx="226979" cy="228600"/>
+                </a:xfrm>
+                <a:prstGeom prst="ellipse">
+                  <a:avLst/>
+                </a:prstGeom>
+                <a:solidFill>
+                  <a:schemeClr val="bg1">
+                    <a:lumMod val="50000"/>
+                  </a:schemeClr>
+                </a:solidFill>
+              </p:spPr>
+              <p:style>
+                <a:lnRef idx="2">
+                  <a:schemeClr val="accent1">
+                    <a:shade val="15000"/>
+                  </a:schemeClr>
+                </a:lnRef>
+                <a:fillRef idx="1">
+                  <a:schemeClr val="accent1"/>
+                </a:fillRef>
+                <a:effectRef idx="0">
+                  <a:schemeClr val="accent1"/>
+                </a:effectRef>
+                <a:fontRef idx="minor">
+                  <a:schemeClr val="lt1"/>
+                </a:fontRef>
+              </p:style>
+              <p:txBody>
+                <a:bodyPr rtlCol="0" anchor="ctr"/>
+                <a:lstStyle/>
+                <a:p>
+                  <a:pPr algn="ctr"/>
+                  <a:endParaRPr lang="en-US"/>
+                </a:p>
+              </p:txBody>
+            </p:sp>
+            <p:sp>
+              <p:nvSpPr>
+                <p:cNvPr id="22" name="Oval 21">
+                  <a:extLst>
+                    <a:ext uri="{FF2B5EF4-FFF2-40B4-BE49-F238E27FC236}">
+                      <a16:creationId xmlns:a16="http://schemas.microsoft.com/office/drawing/2014/main" id="{C7B8875A-5112-005D-917E-0686EADF48E7}"/>
+                    </a:ext>
+                  </a:extLst>
+                </p:cNvPr>
+                <p:cNvSpPr/>
+                <p:nvPr/>
+              </p:nvSpPr>
+              <p:spPr>
+                <a:xfrm>
+                  <a:off x="622569" y="2414081"/>
+                  <a:ext cx="226979" cy="228600"/>
+                </a:xfrm>
+                <a:prstGeom prst="ellipse">
+                  <a:avLst/>
+                </a:prstGeom>
+                <a:solidFill>
+                  <a:schemeClr val="bg1">
+                    <a:lumMod val="50000"/>
+                  </a:schemeClr>
+                </a:solidFill>
+              </p:spPr>
+              <p:style>
+                <a:lnRef idx="2">
+                  <a:schemeClr val="accent1">
+                    <a:shade val="15000"/>
+                  </a:schemeClr>
+                </a:lnRef>
+                <a:fillRef idx="1">
+                  <a:schemeClr val="accent1"/>
+                </a:fillRef>
+                <a:effectRef idx="0">
+                  <a:schemeClr val="accent1"/>
+                </a:effectRef>
+                <a:fontRef idx="minor">
+                  <a:schemeClr val="lt1"/>
+                </a:fontRef>
+              </p:style>
+              <p:txBody>
+                <a:bodyPr rtlCol="0" anchor="ctr"/>
+                <a:lstStyle/>
+                <a:p>
+                  <a:pPr algn="ctr"/>
+                  <a:endParaRPr lang="en-US"/>
+                </a:p>
+              </p:txBody>
+            </p:sp>
+            <p:sp>
+              <p:nvSpPr>
+                <p:cNvPr id="23" name="Oval 22">
+                  <a:extLst>
+                    <a:ext uri="{FF2B5EF4-FFF2-40B4-BE49-F238E27FC236}">
+                      <a16:creationId xmlns:a16="http://schemas.microsoft.com/office/drawing/2014/main" id="{4C5D3AC0-DAE3-1C20-50A5-5B1F3FCDBF58}"/>
+                    </a:ext>
+                  </a:extLst>
+                </p:cNvPr>
+                <p:cNvSpPr/>
+                <p:nvPr/>
+              </p:nvSpPr>
+              <p:spPr>
+                <a:xfrm>
+                  <a:off x="1008434" y="2642681"/>
+                  <a:ext cx="226979" cy="228600"/>
+                </a:xfrm>
+                <a:prstGeom prst="ellipse">
+                  <a:avLst/>
+                </a:prstGeom>
+                <a:solidFill>
+                  <a:schemeClr val="bg1">
+                    <a:lumMod val="50000"/>
+                  </a:schemeClr>
+                </a:solidFill>
+              </p:spPr>
+              <p:style>
+                <a:lnRef idx="2">
+                  <a:schemeClr val="dk1">
+                    <a:shade val="15000"/>
+                  </a:schemeClr>
+                </a:lnRef>
+                <a:fillRef idx="1">
+                  <a:schemeClr val="dk1"/>
+                </a:fillRef>
+                <a:effectRef idx="0">
+                  <a:schemeClr val="dk1"/>
+                </a:effectRef>
+                <a:fontRef idx="minor">
+                  <a:schemeClr val="lt1"/>
+                </a:fontRef>
+              </p:style>
+              <p:txBody>
+                <a:bodyPr rtlCol="0" anchor="ctr"/>
+                <a:lstStyle/>
+                <a:p>
+                  <a:pPr algn="ctr"/>
+                  <a:endParaRPr lang="en-US"/>
+                </a:p>
+              </p:txBody>
+            </p:sp>
+            <p:sp>
+              <p:nvSpPr>
+                <p:cNvPr id="24" name="Oval 23">
+                  <a:extLst>
+                    <a:ext uri="{FF2B5EF4-FFF2-40B4-BE49-F238E27FC236}">
+                      <a16:creationId xmlns:a16="http://schemas.microsoft.com/office/drawing/2014/main" id="{26305A78-680A-FEFF-0C05-8F3FB3C33C9A}"/>
+                    </a:ext>
+                  </a:extLst>
+                </p:cNvPr>
+                <p:cNvSpPr/>
+                <p:nvPr/>
+              </p:nvSpPr>
+              <p:spPr>
+                <a:xfrm>
+                  <a:off x="1802859" y="2642681"/>
+                  <a:ext cx="226979" cy="228600"/>
+                </a:xfrm>
+                <a:prstGeom prst="ellipse">
+                  <a:avLst/>
+                </a:prstGeom>
+                <a:solidFill>
+                  <a:schemeClr val="bg1">
+                    <a:lumMod val="50000"/>
+                  </a:schemeClr>
+                </a:solidFill>
+              </p:spPr>
+              <p:style>
+                <a:lnRef idx="2">
+                  <a:schemeClr val="dk1">
+                    <a:shade val="15000"/>
+                  </a:schemeClr>
+                </a:lnRef>
+                <a:fillRef idx="1">
+                  <a:schemeClr val="dk1"/>
+                </a:fillRef>
+                <a:effectRef idx="0">
+                  <a:schemeClr val="dk1"/>
+                </a:effectRef>
+                <a:fontRef idx="minor">
+                  <a:schemeClr val="lt1"/>
+                </a:fontRef>
+              </p:style>
+              <p:txBody>
+                <a:bodyPr rtlCol="0" anchor="ctr"/>
+                <a:lstStyle/>
+                <a:p>
+                  <a:pPr algn="ctr"/>
+                  <a:endParaRPr lang="en-US"/>
+                </a:p>
+              </p:txBody>
+            </p:sp>
+            <p:sp>
+              <p:nvSpPr>
+                <p:cNvPr id="25" name="Oval 24">
+                  <a:extLst>
+                    <a:ext uri="{FF2B5EF4-FFF2-40B4-BE49-F238E27FC236}">
+                      <a16:creationId xmlns:a16="http://schemas.microsoft.com/office/drawing/2014/main" id="{528E4C40-E9BA-4ADC-DE77-1D84746AE8A2}"/>
+                    </a:ext>
+                  </a:extLst>
+                </p:cNvPr>
+                <p:cNvSpPr/>
+                <p:nvPr/>
+              </p:nvSpPr>
+              <p:spPr>
+                <a:xfrm>
+                  <a:off x="1405646" y="2871281"/>
+                  <a:ext cx="226979" cy="228600"/>
+                </a:xfrm>
+                <a:prstGeom prst="ellipse">
+                  <a:avLst/>
+                </a:prstGeom>
+                <a:solidFill>
+                  <a:schemeClr val="bg1">
+                    <a:lumMod val="50000"/>
+                  </a:schemeClr>
+                </a:solidFill>
+              </p:spPr>
+              <p:style>
+                <a:lnRef idx="2">
+                  <a:schemeClr val="dk1">
+                    <a:shade val="15000"/>
+                  </a:schemeClr>
+                </a:lnRef>
+                <a:fillRef idx="1">
+                  <a:schemeClr val="dk1"/>
+                </a:fillRef>
+                <a:effectRef idx="0">
+                  <a:schemeClr val="dk1"/>
+                </a:effectRef>
+                <a:fontRef idx="minor">
+                  <a:schemeClr val="lt1"/>
+                </a:fontRef>
+              </p:style>
+              <p:txBody>
+                <a:bodyPr rtlCol="0" anchor="ctr"/>
+                <a:lstStyle/>
+                <a:p>
+                  <a:pPr algn="ctr"/>
+                  <a:endParaRPr lang="en-US"/>
+                </a:p>
+              </p:txBody>
+            </p:sp>
+          </p:grpSp>
+          <p:pic>
+            <p:nvPicPr>
+              <p:cNvPr id="31" name="Graphic 30">
+                <a:extLst>
+                  <a:ext uri="{FF2B5EF4-FFF2-40B4-BE49-F238E27FC236}">
+                    <a16:creationId xmlns:a16="http://schemas.microsoft.com/office/drawing/2014/main" id="{81DC07A8-1496-8621-C594-ADED0FDF3DC9}"/>
+                  </a:ext>
+                </a:extLst>
+              </p:cNvPr>
+              <p:cNvPicPr>
+                <a:picLocks noChangeAspect="1"/>
+              </p:cNvPicPr>
+              <p:nvPr/>
+            </p:nvPicPr>
+            <p:blipFill>
+              <a:blip r:embed="rId2">
+                <a:extLst>
+                  <a:ext uri="{96DAC541-7B7A-43D3-8B79-37D633B846F1}">
+                    <asvg:svgBlip xmlns:asvg="http://schemas.microsoft.com/office/drawing/2016/SVG/main" r:embed="rId3"/>
+                  </a:ext>
+                </a:extLst>
+              </a:blip>
+              <a:stretch>
+                <a:fillRect/>
+              </a:stretch>
+            </p:blipFill>
+            <p:spPr>
+              <a:xfrm>
+                <a:off x="4308606" y="2613498"/>
+                <a:ext cx="493452" cy="878751"/>
+              </a:xfrm>
+              <a:prstGeom prst="rect">
+                <a:avLst/>
+              </a:prstGeom>
+            </p:spPr>
+          </p:pic>
+          <p:pic>
+            <p:nvPicPr>
+              <p:cNvPr id="33" name="Graphic 32" descr="Volume with solid fill">
+                <a:extLst>
+                  <a:ext uri="{FF2B5EF4-FFF2-40B4-BE49-F238E27FC236}">
+                    <a16:creationId xmlns:a16="http://schemas.microsoft.com/office/drawing/2014/main" id="{776A3014-D940-CA60-B1DD-49BB366671AF}"/>
+                  </a:ext>
+                </a:extLst>
+              </p:cNvPr>
+              <p:cNvPicPr>
+                <a:picLocks noChangeAspect="1"/>
+              </p:cNvPicPr>
+              <p:nvPr/>
+            </p:nvPicPr>
+            <p:blipFill>
+              <a:blip r:embed="rId4">
+                <a:extLst>
+                  <a:ext uri="{96DAC541-7B7A-43D3-8B79-37D633B846F1}">
+                    <asvg:svgBlip xmlns:asvg="http://schemas.microsoft.com/office/drawing/2016/SVG/main" r:embed="rId5"/>
+                  </a:ext>
+                </a:extLst>
+              </a:blip>
+              <a:stretch>
+                <a:fillRect/>
+              </a:stretch>
+            </p:blipFill>
+            <p:spPr>
+              <a:xfrm>
+                <a:off x="3539246" y="3263649"/>
+                <a:ext cx="312888" cy="312888"/>
+              </a:xfrm>
+              <a:prstGeom prst="rect">
+                <a:avLst/>
+              </a:prstGeom>
+            </p:spPr>
+          </p:pic>
+          <p:pic>
+            <p:nvPicPr>
+              <p:cNvPr id="34" name="Graphic 33" descr="Volume with solid fill">
+                <a:extLst>
+                  <a:ext uri="{FF2B5EF4-FFF2-40B4-BE49-F238E27FC236}">
+                    <a16:creationId xmlns:a16="http://schemas.microsoft.com/office/drawing/2014/main" id="{DA453A23-A43A-A96C-4471-5344142A8FA3}"/>
+                  </a:ext>
+                </a:extLst>
+              </p:cNvPr>
+              <p:cNvPicPr>
+                <a:picLocks noChangeAspect="1"/>
+              </p:cNvPicPr>
+              <p:nvPr/>
+            </p:nvPicPr>
+            <p:blipFill>
+              <a:blip r:embed="rId4">
+                <a:extLst>
+                  <a:ext uri="{96DAC541-7B7A-43D3-8B79-37D633B846F1}">
+                    <asvg:svgBlip xmlns:asvg="http://schemas.microsoft.com/office/drawing/2016/SVG/main" r:embed="rId5"/>
+                  </a:ext>
+                </a:extLst>
+              </a:blip>
+              <a:stretch>
+                <a:fillRect/>
+              </a:stretch>
+            </p:blipFill>
+            <p:spPr>
+              <a:xfrm rot="10800000">
+                <a:off x="5357312" y="3263649"/>
+                <a:ext cx="312888" cy="312888"/>
+              </a:xfrm>
+              <a:prstGeom prst="rect">
+                <a:avLst/>
+              </a:prstGeom>
+            </p:spPr>
+          </p:pic>
+          <p:sp>
+            <p:nvSpPr>
+              <p:cNvPr id="39" name="TextBox 38">
+                <a:extLst>
+                  <a:ext uri="{FF2B5EF4-FFF2-40B4-BE49-F238E27FC236}">
+                    <a16:creationId xmlns:a16="http://schemas.microsoft.com/office/drawing/2014/main" id="{07CD0362-36C2-845C-7B5B-60ADAB7F8504}"/>
+                  </a:ext>
+                </a:extLst>
+              </p:cNvPr>
+              <p:cNvSpPr txBox="1"/>
+              <p:nvPr/>
+            </p:nvSpPr>
+            <p:spPr>
+              <a:xfrm>
+                <a:off x="3411975" y="3550083"/>
+                <a:ext cx="2388141" cy="1947924"/>
+              </a:xfrm>
+              <a:prstGeom prst="rect">
+                <a:avLst/>
+              </a:prstGeom>
+              <a:noFill/>
+            </p:spPr>
+            <p:txBody>
+              <a:bodyPr wrap="square" rtlCol="0">
+                <a:spAutoFit/>
+              </a:bodyPr>
+              <a:lstStyle/>
+              <a:p>
+                <a:pPr algn="ctr"/>
+                <a:r>
+                  <a:rPr lang="en-US" sz="1400" dirty="0"/>
+                  <a:t>High/Low frequency</a:t>
+                </a:r>
+              </a:p>
+              <a:p>
+                <a:pPr algn="ctr"/>
+                <a:r>
+                  <a:rPr lang="en-US" sz="1400" dirty="0"/>
+                  <a:t>Or</a:t>
+                </a:r>
+              </a:p>
+              <a:p>
+                <a:pPr algn="ctr"/>
+                <a:r>
+                  <a:rPr lang="en-US" sz="1400" dirty="0"/>
+                  <a:t>High/Low Amplitude</a:t>
+                </a:r>
+              </a:p>
+              <a:p>
+                <a:pPr algn="ctr">
+                  <a:lnSpc>
+                    <a:spcPct val="150000"/>
+                  </a:lnSpc>
+                </a:pPr>
+                <a:r>
+                  <a:rPr lang="en-US" sz="1400" dirty="0"/>
+                  <a:t>Prob(left/right)=0.5</a:t>
+                </a:r>
+              </a:p>
+            </p:txBody>
+          </p:sp>
+          <p:sp>
+            <p:nvSpPr>
+              <p:cNvPr id="40" name="TextBox 39">
+                <a:extLst>
+                  <a:ext uri="{FF2B5EF4-FFF2-40B4-BE49-F238E27FC236}">
+                    <a16:creationId xmlns:a16="http://schemas.microsoft.com/office/drawing/2014/main" id="{E45751C6-D0AC-CD01-4661-F97145F1B201}"/>
+                  </a:ext>
+                </a:extLst>
+              </p:cNvPr>
+              <p:cNvSpPr txBox="1"/>
+              <p:nvPr/>
+            </p:nvSpPr>
+            <p:spPr>
+              <a:xfrm>
+                <a:off x="3525423" y="967288"/>
+                <a:ext cx="2161244" cy="1107436"/>
+              </a:xfrm>
+              <a:prstGeom prst="rect">
+                <a:avLst/>
+              </a:prstGeom>
+              <a:noFill/>
+            </p:spPr>
+            <p:txBody>
+              <a:bodyPr wrap="square" rtlCol="0">
+                <a:spAutoFit/>
+              </a:bodyPr>
+              <a:lstStyle/>
+              <a:p>
+                <a:pPr algn="ctr"/>
+                <a:r>
+                  <a:rPr lang="en-US" sz="1600" dirty="0"/>
+                  <a:t>Stimulus Presentation</a:t>
+                </a:r>
+              </a:p>
+              <a:p>
+                <a:pPr algn="ctr"/>
+                <a:r>
+                  <a:rPr lang="en-US" sz="1600" dirty="0"/>
+                  <a:t>(&gt;0.2s fixation)</a:t>
+                </a:r>
+              </a:p>
+            </p:txBody>
+          </p:sp>
+        </p:grpSp>
+        <p:cxnSp>
+          <p:nvCxnSpPr>
+            <p:cNvPr id="41" name="Straight Arrow Connector 40">
+              <a:extLst>
+                <a:ext uri="{FF2B5EF4-FFF2-40B4-BE49-F238E27FC236}">
+                  <a16:creationId xmlns:a16="http://schemas.microsoft.com/office/drawing/2014/main" id="{B213B099-91C8-D6CB-0550-1D82E6B56B3B}"/>
+                </a:ext>
+              </a:extLst>
+            </p:cNvPr>
+            <p:cNvCxnSpPr>
+              <a:cxnSpLocks/>
+            </p:cNvCxnSpPr>
+            <p:nvPr/>
+          </p:nvCxnSpPr>
+          <p:spPr>
+            <a:xfrm>
+              <a:off x="4339827" y="3712931"/>
+              <a:ext cx="329184" cy="0"/>
+            </a:xfrm>
+            <a:prstGeom prst="straightConnector1">
+              <a:avLst/>
+            </a:prstGeom>
+            <a:ln>
+              <a:tailEnd type="triangle"/>
+            </a:ln>
+          </p:spPr>
+          <p:style>
+            <a:lnRef idx="2">
+              <a:schemeClr val="accent1"/>
+            </a:lnRef>
+            <a:fillRef idx="0">
+              <a:schemeClr val="accent1"/>
+            </a:fillRef>
+            <a:effectRef idx="1">
+              <a:schemeClr val="accent1"/>
+            </a:effectRef>
+            <a:fontRef idx="minor">
+              <a:schemeClr val="tx1"/>
+            </a:fontRef>
+          </p:style>
+        </p:cxnSp>
+        <p:cxnSp>
+          <p:nvCxnSpPr>
+            <p:cNvPr id="54" name="Straight Arrow Connector 53">
+              <a:extLst>
+                <a:ext uri="{FF2B5EF4-FFF2-40B4-BE49-F238E27FC236}">
+                  <a16:creationId xmlns:a16="http://schemas.microsoft.com/office/drawing/2014/main" id="{651B231D-2EBA-2D48-CDB2-D24E22F1566F}"/>
+                </a:ext>
+              </a:extLst>
+            </p:cNvPr>
+            <p:cNvCxnSpPr>
+              <a:cxnSpLocks/>
+            </p:cNvCxnSpPr>
+            <p:nvPr/>
+          </p:nvCxnSpPr>
+          <p:spPr>
+            <a:xfrm flipV="1">
+              <a:off x="6516409" y="3149546"/>
+              <a:ext cx="526272" cy="548309"/>
+            </a:xfrm>
+            <a:prstGeom prst="straightConnector1">
+              <a:avLst/>
+            </a:prstGeom>
+            <a:ln>
+              <a:tailEnd type="triangle"/>
+            </a:ln>
+          </p:spPr>
+          <p:style>
+            <a:lnRef idx="2">
+              <a:schemeClr val="accent1"/>
+            </a:lnRef>
+            <a:fillRef idx="0">
+              <a:schemeClr val="accent1"/>
+            </a:fillRef>
+            <a:effectRef idx="1">
+              <a:schemeClr val="accent1"/>
+            </a:effectRef>
+            <a:fontRef idx="minor">
+              <a:schemeClr val="tx1"/>
+            </a:fontRef>
+          </p:style>
+        </p:cxnSp>
+        <p:cxnSp>
+          <p:nvCxnSpPr>
+            <p:cNvPr id="56" name="Straight Arrow Connector 55">
+              <a:extLst>
+                <a:ext uri="{FF2B5EF4-FFF2-40B4-BE49-F238E27FC236}">
+                  <a16:creationId xmlns:a16="http://schemas.microsoft.com/office/drawing/2014/main" id="{755231C1-41F2-9E15-BB20-4828D5414A5B}"/>
+                </a:ext>
+              </a:extLst>
+            </p:cNvPr>
+            <p:cNvCxnSpPr>
+              <a:cxnSpLocks/>
+            </p:cNvCxnSpPr>
+            <p:nvPr/>
+          </p:nvCxnSpPr>
+          <p:spPr>
+            <a:xfrm>
+              <a:off x="6511707" y="3724103"/>
+              <a:ext cx="430709" cy="607001"/>
+            </a:xfrm>
+            <a:prstGeom prst="straightConnector1">
+              <a:avLst/>
+            </a:prstGeom>
+            <a:ln>
+              <a:tailEnd type="triangle"/>
+            </a:ln>
+          </p:spPr>
+          <p:style>
+            <a:lnRef idx="2">
+              <a:schemeClr val="accent1"/>
+            </a:lnRef>
+            <a:fillRef idx="0">
+              <a:schemeClr val="accent1"/>
+            </a:fillRef>
+            <a:effectRef idx="1">
+              <a:schemeClr val="accent1"/>
+            </a:effectRef>
+            <a:fontRef idx="minor">
+              <a:schemeClr val="tx1"/>
+            </a:fontRef>
+          </p:style>
+        </p:cxnSp>
+        <p:grpSp>
+          <p:nvGrpSpPr>
+            <p:cNvPr id="1046" name="Group 1045">
+              <a:extLst>
+                <a:ext uri="{FF2B5EF4-FFF2-40B4-BE49-F238E27FC236}">
+                  <a16:creationId xmlns:a16="http://schemas.microsoft.com/office/drawing/2014/main" id="{CA0A8347-2742-C270-D2F0-170BD4C7BBA9}"/>
+                </a:ext>
+              </a:extLst>
+            </p:cNvPr>
+            <p:cNvGrpSpPr/>
+            <p:nvPr/>
+          </p:nvGrpSpPr>
+          <p:grpSpPr>
+            <a:xfrm>
+              <a:off x="4643711" y="3149546"/>
+              <a:ext cx="1983801" cy="1940503"/>
+              <a:chOff x="6554394" y="2010383"/>
+              <a:chExt cx="2404392" cy="2176445"/>
+            </a:xfrm>
+          </p:grpSpPr>
+          <p:grpSp>
+            <p:nvGrpSpPr>
+              <p:cNvPr id="42" name="Group 41">
+                <a:extLst>
+                  <a:ext uri="{FF2B5EF4-FFF2-40B4-BE49-F238E27FC236}">
+                    <a16:creationId xmlns:a16="http://schemas.microsoft.com/office/drawing/2014/main" id="{2F091BC5-F8CF-BAF1-F001-D8209518FE35}"/>
+                  </a:ext>
+                </a:extLst>
+              </p:cNvPr>
+              <p:cNvGrpSpPr/>
+              <p:nvPr/>
+            </p:nvGrpSpPr>
+            <p:grpSpPr>
+              <a:xfrm>
+                <a:off x="6633275" y="2010383"/>
+                <a:ext cx="2133600" cy="1277566"/>
+                <a:chOff x="440987" y="2003898"/>
+                <a:chExt cx="2133600" cy="1277566"/>
+              </a:xfrm>
+            </p:grpSpPr>
+            <p:sp>
+              <p:nvSpPr>
+                <p:cNvPr id="43" name="Rectangle 42">
+                  <a:extLst>
+                    <a:ext uri="{FF2B5EF4-FFF2-40B4-BE49-F238E27FC236}">
+                      <a16:creationId xmlns:a16="http://schemas.microsoft.com/office/drawing/2014/main" id="{77CC73D6-A01D-ABF0-F88D-D20229E7870B}"/>
+                    </a:ext>
+                  </a:extLst>
+                </p:cNvPr>
+                <p:cNvSpPr/>
+                <p:nvPr/>
+              </p:nvSpPr>
+              <p:spPr>
+                <a:xfrm>
+                  <a:off x="440987" y="2003898"/>
+                  <a:ext cx="2133600" cy="1277566"/>
+                </a:xfrm>
+                <a:prstGeom prst="rect">
+                  <a:avLst/>
+                </a:prstGeom>
+              </p:spPr>
+              <p:style>
+                <a:lnRef idx="2">
+                  <a:schemeClr val="dk1"/>
+                </a:lnRef>
+                <a:fillRef idx="1">
+                  <a:schemeClr val="lt1"/>
+                </a:fillRef>
+                <a:effectRef idx="0">
+                  <a:schemeClr val="dk1"/>
+                </a:effectRef>
+                <a:fontRef idx="minor">
+                  <a:schemeClr val="dk1"/>
+                </a:fontRef>
+              </p:style>
+              <p:txBody>
+                <a:bodyPr rtlCol="0" anchor="ctr"/>
+                <a:lstStyle/>
+                <a:p>
+                  <a:pPr algn="ctr"/>
+                  <a:endParaRPr lang="en-US"/>
+                </a:p>
+              </p:txBody>
+            </p:sp>
+            <p:sp>
+              <p:nvSpPr>
+                <p:cNvPr id="44" name="Oval 43">
+                  <a:extLst>
+                    <a:ext uri="{FF2B5EF4-FFF2-40B4-BE49-F238E27FC236}">
+                      <a16:creationId xmlns:a16="http://schemas.microsoft.com/office/drawing/2014/main" id="{34755962-6E99-A4A5-7FCA-322973826756}"/>
+                    </a:ext>
+                  </a:extLst>
+                </p:cNvPr>
+                <p:cNvSpPr/>
+                <p:nvPr/>
+              </p:nvSpPr>
+              <p:spPr>
+                <a:xfrm>
+                  <a:off x="1008434" y="2159541"/>
+                  <a:ext cx="226979" cy="228600"/>
+                </a:xfrm>
+                <a:prstGeom prst="ellipse">
+                  <a:avLst/>
+                </a:prstGeom>
+                <a:solidFill>
+                  <a:schemeClr val="bg1">
+                    <a:lumMod val="50000"/>
+                  </a:schemeClr>
+                </a:solidFill>
+              </p:spPr>
+              <p:style>
+                <a:lnRef idx="2">
+                  <a:schemeClr val="dk1">
+                    <a:shade val="15000"/>
+                  </a:schemeClr>
+                </a:lnRef>
+                <a:fillRef idx="1">
+                  <a:schemeClr val="dk1"/>
+                </a:fillRef>
+                <a:effectRef idx="0">
+                  <a:schemeClr val="dk1"/>
+                </a:effectRef>
+                <a:fontRef idx="minor">
+                  <a:schemeClr val="lt1"/>
+                </a:fontRef>
+              </p:style>
+              <p:txBody>
+                <a:bodyPr rtlCol="0" anchor="ctr"/>
+                <a:lstStyle/>
+                <a:p>
+                  <a:pPr algn="ctr"/>
+                  <a:endParaRPr lang="en-US"/>
+                </a:p>
+              </p:txBody>
+            </p:sp>
+            <p:sp>
+              <p:nvSpPr>
+                <p:cNvPr id="45" name="Oval 44">
+                  <a:extLst>
+                    <a:ext uri="{FF2B5EF4-FFF2-40B4-BE49-F238E27FC236}">
+                      <a16:creationId xmlns:a16="http://schemas.microsoft.com/office/drawing/2014/main" id="{1BF666FE-0410-6296-EC5F-60C64F553E38}"/>
+                    </a:ext>
+                  </a:extLst>
+                </p:cNvPr>
+                <p:cNvSpPr/>
+                <p:nvPr/>
+              </p:nvSpPr>
+              <p:spPr>
+                <a:xfrm>
+                  <a:off x="1802859" y="2159541"/>
+                  <a:ext cx="226979" cy="228600"/>
+                </a:xfrm>
+                <a:prstGeom prst="ellipse">
+                  <a:avLst/>
+                </a:prstGeom>
+                <a:solidFill>
+                  <a:schemeClr val="bg1">
+                    <a:lumMod val="50000"/>
+                  </a:schemeClr>
+                </a:solidFill>
+              </p:spPr>
+              <p:style>
+                <a:lnRef idx="2">
+                  <a:schemeClr val="accent1">
+                    <a:shade val="15000"/>
+                  </a:schemeClr>
+                </a:lnRef>
+                <a:fillRef idx="1">
+                  <a:schemeClr val="accent1"/>
+                </a:fillRef>
+                <a:effectRef idx="0">
+                  <a:schemeClr val="accent1"/>
+                </a:effectRef>
+                <a:fontRef idx="minor">
+                  <a:schemeClr val="lt1"/>
+                </a:fontRef>
+              </p:style>
+              <p:txBody>
+                <a:bodyPr rtlCol="0" anchor="ctr"/>
+                <a:lstStyle/>
+                <a:p>
+                  <a:pPr algn="ctr"/>
+                  <a:endParaRPr lang="en-US"/>
+                </a:p>
+              </p:txBody>
+            </p:sp>
+            <p:sp>
+              <p:nvSpPr>
+                <p:cNvPr id="46" name="Oval 45">
+                  <a:extLst>
+                    <a:ext uri="{FF2B5EF4-FFF2-40B4-BE49-F238E27FC236}">
+                      <a16:creationId xmlns:a16="http://schemas.microsoft.com/office/drawing/2014/main" id="{DB6F4AF7-4300-85CD-D92A-61630F95DCF4}"/>
+                    </a:ext>
+                  </a:extLst>
+                </p:cNvPr>
+                <p:cNvSpPr/>
+                <p:nvPr/>
+              </p:nvSpPr>
+              <p:spPr>
+                <a:xfrm>
+                  <a:off x="1405646" y="2388141"/>
+                  <a:ext cx="226979" cy="228600"/>
+                </a:xfrm>
+                <a:prstGeom prst="ellipse">
+                  <a:avLst/>
+                </a:prstGeom>
+                <a:solidFill>
+                  <a:schemeClr val="bg1">
+                    <a:lumMod val="50000"/>
+                  </a:schemeClr>
+                </a:solidFill>
+              </p:spPr>
+              <p:style>
+                <a:lnRef idx="2">
+                  <a:schemeClr val="dk1">
+                    <a:shade val="15000"/>
+                  </a:schemeClr>
+                </a:lnRef>
+                <a:fillRef idx="1">
+                  <a:schemeClr val="dk1"/>
+                </a:fillRef>
+                <a:effectRef idx="0">
+                  <a:schemeClr val="dk1"/>
+                </a:effectRef>
+                <a:fontRef idx="minor">
+                  <a:schemeClr val="lt1"/>
+                </a:fontRef>
+              </p:style>
+              <p:txBody>
+                <a:bodyPr rtlCol="0" anchor="ctr"/>
+                <a:lstStyle/>
+                <a:p>
+                  <a:pPr algn="ctr"/>
+                  <a:endParaRPr lang="en-US"/>
+                </a:p>
+              </p:txBody>
+            </p:sp>
+            <p:sp>
+              <p:nvSpPr>
+                <p:cNvPr id="47" name="Oval 46">
+                  <a:extLst>
+                    <a:ext uri="{FF2B5EF4-FFF2-40B4-BE49-F238E27FC236}">
+                      <a16:creationId xmlns:a16="http://schemas.microsoft.com/office/drawing/2014/main" id="{807B66E3-7301-4B91-664B-1C34C38CD44C}"/>
+                    </a:ext>
+                  </a:extLst>
+                </p:cNvPr>
+                <p:cNvSpPr/>
+                <p:nvPr/>
+              </p:nvSpPr>
+              <p:spPr>
+                <a:xfrm>
+                  <a:off x="2188723" y="2384898"/>
+                  <a:ext cx="226979" cy="228600"/>
+                </a:xfrm>
+                <a:prstGeom prst="ellipse">
+                  <a:avLst/>
+                </a:prstGeom>
+                <a:solidFill>
+                  <a:schemeClr val="bg1">
+                    <a:lumMod val="50000"/>
+                  </a:schemeClr>
+                </a:solidFill>
+              </p:spPr>
+              <p:style>
+                <a:lnRef idx="2">
+                  <a:schemeClr val="accent1">
+                    <a:shade val="15000"/>
+                  </a:schemeClr>
+                </a:lnRef>
+                <a:fillRef idx="1">
+                  <a:schemeClr val="accent1"/>
+                </a:fillRef>
+                <a:effectRef idx="0">
+                  <a:schemeClr val="accent1"/>
+                </a:effectRef>
+                <a:fontRef idx="minor">
+                  <a:schemeClr val="lt1"/>
+                </a:fontRef>
+              </p:style>
+              <p:txBody>
+                <a:bodyPr rtlCol="0" anchor="ctr"/>
+                <a:lstStyle/>
+                <a:p>
+                  <a:pPr algn="ctr"/>
+                  <a:endParaRPr lang="en-US"/>
+                </a:p>
+              </p:txBody>
+            </p:sp>
+            <p:sp>
+              <p:nvSpPr>
+                <p:cNvPr id="48" name="Oval 47">
+                  <a:extLst>
+                    <a:ext uri="{FF2B5EF4-FFF2-40B4-BE49-F238E27FC236}">
+                      <a16:creationId xmlns:a16="http://schemas.microsoft.com/office/drawing/2014/main" id="{B3810087-9666-DC25-5E78-11DDDD52CFDE}"/>
+                    </a:ext>
+                  </a:extLst>
+                </p:cNvPr>
+                <p:cNvSpPr/>
+                <p:nvPr/>
+              </p:nvSpPr>
+              <p:spPr>
+                <a:xfrm>
+                  <a:off x="622569" y="2414081"/>
+                  <a:ext cx="226979" cy="228600"/>
+                </a:xfrm>
+                <a:prstGeom prst="ellipse">
+                  <a:avLst/>
+                </a:prstGeom>
+                <a:solidFill>
+                  <a:schemeClr val="bg1">
+                    <a:lumMod val="50000"/>
+                  </a:schemeClr>
+                </a:solidFill>
+              </p:spPr>
+              <p:style>
+                <a:lnRef idx="2">
+                  <a:schemeClr val="accent1">
+                    <a:shade val="15000"/>
+                  </a:schemeClr>
+                </a:lnRef>
+                <a:fillRef idx="1">
+                  <a:schemeClr val="accent1"/>
+                </a:fillRef>
+                <a:effectRef idx="0">
+                  <a:schemeClr val="accent1"/>
+                </a:effectRef>
+                <a:fontRef idx="minor">
+                  <a:schemeClr val="lt1"/>
+                </a:fontRef>
+              </p:style>
+              <p:txBody>
+                <a:bodyPr rtlCol="0" anchor="ctr"/>
+                <a:lstStyle/>
+                <a:p>
+                  <a:pPr algn="ctr"/>
+                  <a:endParaRPr lang="en-US"/>
+                </a:p>
+              </p:txBody>
+            </p:sp>
+            <p:sp>
+              <p:nvSpPr>
+                <p:cNvPr id="49" name="Oval 48">
+                  <a:extLst>
+                    <a:ext uri="{FF2B5EF4-FFF2-40B4-BE49-F238E27FC236}">
+                      <a16:creationId xmlns:a16="http://schemas.microsoft.com/office/drawing/2014/main" id="{099AAECB-3C2D-365C-E4A0-FCBD82ECE5C4}"/>
+                    </a:ext>
+                  </a:extLst>
+                </p:cNvPr>
+                <p:cNvSpPr/>
+                <p:nvPr/>
+              </p:nvSpPr>
+              <p:spPr>
+                <a:xfrm>
+                  <a:off x="1008434" y="2642681"/>
+                  <a:ext cx="226979" cy="228600"/>
+                </a:xfrm>
+                <a:prstGeom prst="ellipse">
+                  <a:avLst/>
+                </a:prstGeom>
+                <a:solidFill>
+                  <a:schemeClr val="accent6"/>
+                </a:solidFill>
+              </p:spPr>
+              <p:style>
+                <a:lnRef idx="2">
+                  <a:schemeClr val="dk1">
+                    <a:shade val="15000"/>
+                  </a:schemeClr>
+                </a:lnRef>
+                <a:fillRef idx="1">
+                  <a:schemeClr val="dk1"/>
+                </a:fillRef>
+                <a:effectRef idx="0">
+                  <a:schemeClr val="dk1"/>
+                </a:effectRef>
+                <a:fontRef idx="minor">
+                  <a:schemeClr val="lt1"/>
+                </a:fontRef>
+              </p:style>
+              <p:txBody>
+                <a:bodyPr rtlCol="0" anchor="ctr"/>
+                <a:lstStyle/>
+                <a:p>
+                  <a:pPr algn="ctr"/>
+                  <a:endParaRPr lang="en-US" dirty="0"/>
+                </a:p>
+              </p:txBody>
+            </p:sp>
+            <p:sp>
+              <p:nvSpPr>
+                <p:cNvPr id="50" name="Oval 49">
+                  <a:extLst>
+                    <a:ext uri="{FF2B5EF4-FFF2-40B4-BE49-F238E27FC236}">
+                      <a16:creationId xmlns:a16="http://schemas.microsoft.com/office/drawing/2014/main" id="{F0C64902-0117-355A-BDD2-A9C6B72FDBBF}"/>
+                    </a:ext>
+                  </a:extLst>
+                </p:cNvPr>
+                <p:cNvSpPr/>
+                <p:nvPr/>
+              </p:nvSpPr>
+              <p:spPr>
+                <a:xfrm>
+                  <a:off x="1802859" y="2642681"/>
+                  <a:ext cx="226979" cy="228600"/>
+                </a:xfrm>
+                <a:prstGeom prst="ellipse">
+                  <a:avLst/>
+                </a:prstGeom>
+                <a:solidFill>
+                  <a:srgbClr val="FF0000"/>
+                </a:solidFill>
+              </p:spPr>
+              <p:style>
+                <a:lnRef idx="2">
+                  <a:schemeClr val="dk1">
+                    <a:shade val="15000"/>
+                  </a:schemeClr>
+                </a:lnRef>
+                <a:fillRef idx="1">
+                  <a:schemeClr val="dk1"/>
+                </a:fillRef>
+                <a:effectRef idx="0">
+                  <a:schemeClr val="dk1"/>
+                </a:effectRef>
+                <a:fontRef idx="minor">
+                  <a:schemeClr val="lt1"/>
+                </a:fontRef>
+              </p:style>
+              <p:txBody>
+                <a:bodyPr rtlCol="0" anchor="ctr"/>
+                <a:lstStyle/>
+                <a:p>
+                  <a:pPr algn="ctr"/>
+                  <a:endParaRPr lang="en-US"/>
+                </a:p>
+              </p:txBody>
+            </p:sp>
+            <p:sp>
+              <p:nvSpPr>
+                <p:cNvPr id="51" name="Oval 50">
+                  <a:extLst>
+                    <a:ext uri="{FF2B5EF4-FFF2-40B4-BE49-F238E27FC236}">
+                      <a16:creationId xmlns:a16="http://schemas.microsoft.com/office/drawing/2014/main" id="{40056507-9F0B-BF6F-3BD7-2E253C866461}"/>
+                    </a:ext>
+                  </a:extLst>
+                </p:cNvPr>
+                <p:cNvSpPr/>
+                <p:nvPr/>
+              </p:nvSpPr>
+              <p:spPr>
+                <a:xfrm>
+                  <a:off x="1405646" y="2871281"/>
+                  <a:ext cx="226979" cy="228600"/>
+                </a:xfrm>
+                <a:prstGeom prst="ellipse">
+                  <a:avLst/>
+                </a:prstGeom>
+                <a:solidFill>
+                  <a:schemeClr val="bg1">
+                    <a:lumMod val="50000"/>
+                  </a:schemeClr>
+                </a:solidFill>
+              </p:spPr>
+              <p:style>
+                <a:lnRef idx="2">
+                  <a:schemeClr val="dk1">
+                    <a:shade val="15000"/>
+                  </a:schemeClr>
+                </a:lnRef>
+                <a:fillRef idx="1">
+                  <a:schemeClr val="dk1"/>
+                </a:fillRef>
+                <a:effectRef idx="0">
+                  <a:schemeClr val="dk1"/>
+                </a:effectRef>
+                <a:fontRef idx="minor">
+                  <a:schemeClr val="lt1"/>
+                </a:fontRef>
+              </p:style>
+              <p:txBody>
+                <a:bodyPr rtlCol="0" anchor="ctr"/>
+                <a:lstStyle/>
+                <a:p>
+                  <a:pPr algn="ctr"/>
+                  <a:endParaRPr lang="en-US"/>
+                </a:p>
+              </p:txBody>
+            </p:sp>
+          </p:grpSp>
+          <p:sp>
+            <p:nvSpPr>
+              <p:cNvPr id="52" name="TextBox 51">
+                <a:extLst>
+                  <a:ext uri="{FF2B5EF4-FFF2-40B4-BE49-F238E27FC236}">
+                    <a16:creationId xmlns:a16="http://schemas.microsoft.com/office/drawing/2014/main" id="{FB08CEAD-9EC6-DF07-1105-BC31DF16BF05}"/>
+                  </a:ext>
+                </a:extLst>
+              </p:cNvPr>
+              <p:cNvSpPr txBox="1"/>
+              <p:nvPr/>
+            </p:nvSpPr>
+            <p:spPr>
+              <a:xfrm>
+                <a:off x="6554394" y="2794471"/>
+                <a:ext cx="1039590" cy="407156"/>
+              </a:xfrm>
+              <a:prstGeom prst="rect">
+                <a:avLst/>
+              </a:prstGeom>
+              <a:noFill/>
+            </p:spPr>
+            <p:txBody>
+              <a:bodyPr wrap="square" rtlCol="0">
+                <a:spAutoFit/>
+              </a:bodyPr>
+              <a:lstStyle/>
+              <a:p>
+                <a:r>
+                  <a:rPr lang="en-US" sz="1400" dirty="0"/>
+                  <a:t>correct</a:t>
+                </a:r>
+              </a:p>
+            </p:txBody>
+          </p:sp>
+          <p:sp>
+            <p:nvSpPr>
+              <p:cNvPr id="53" name="TextBox 52">
+                <a:extLst>
+                  <a:ext uri="{FF2B5EF4-FFF2-40B4-BE49-F238E27FC236}">
+                    <a16:creationId xmlns:a16="http://schemas.microsoft.com/office/drawing/2014/main" id="{C54B48D6-4846-CE3D-3616-25315716E9C8}"/>
+                  </a:ext>
+                </a:extLst>
+              </p:cNvPr>
+              <p:cNvSpPr txBox="1"/>
+              <p:nvPr/>
+            </p:nvSpPr>
+            <p:spPr>
+              <a:xfrm>
+                <a:off x="7945005" y="2805260"/>
+                <a:ext cx="1013781" cy="407156"/>
+              </a:xfrm>
+              <a:prstGeom prst="rect">
+                <a:avLst/>
+              </a:prstGeom>
+              <a:noFill/>
+            </p:spPr>
+            <p:txBody>
+              <a:bodyPr wrap="square" rtlCol="0">
+                <a:spAutoFit/>
+              </a:bodyPr>
+              <a:lstStyle/>
+              <a:p>
+                <a:r>
+                  <a:rPr lang="en-US" sz="1400" dirty="0"/>
+                  <a:t>wrong</a:t>
+                </a:r>
+              </a:p>
+            </p:txBody>
+          </p:sp>
+          <p:pic>
+            <p:nvPicPr>
+              <p:cNvPr id="1041" name="Graphic 1040">
+                <a:extLst>
+                  <a:ext uri="{FF2B5EF4-FFF2-40B4-BE49-F238E27FC236}">
+                    <a16:creationId xmlns:a16="http://schemas.microsoft.com/office/drawing/2014/main" id="{56780802-6747-FCA3-6A64-296F0B2987F3}"/>
+                  </a:ext>
+                </a:extLst>
+              </p:cNvPr>
+              <p:cNvPicPr>
+                <a:picLocks noChangeAspect="1"/>
+              </p:cNvPicPr>
+              <p:nvPr/>
+            </p:nvPicPr>
+            <p:blipFill>
+              <a:blip r:embed="rId2">
+                <a:extLst>
+                  <a:ext uri="{96DAC541-7B7A-43D3-8B79-37D633B846F1}">
+                    <asvg:svgBlip xmlns:asvg="http://schemas.microsoft.com/office/drawing/2016/SVG/main" r:embed="rId3"/>
+                  </a:ext>
+                </a:extLst>
+              </a:blip>
+              <a:stretch>
+                <a:fillRect/>
+              </a:stretch>
+            </p:blipFill>
+            <p:spPr>
+              <a:xfrm>
+                <a:off x="7395174" y="3308077"/>
+                <a:ext cx="493452" cy="878751"/>
+              </a:xfrm>
+              <a:prstGeom prst="rect">
+                <a:avLst/>
+              </a:prstGeom>
+            </p:spPr>
+          </p:pic>
+        </p:grpSp>
+        <p:grpSp>
+          <p:nvGrpSpPr>
+            <p:cNvPr id="1047" name="Group 1046">
+              <a:extLst>
+                <a:ext uri="{FF2B5EF4-FFF2-40B4-BE49-F238E27FC236}">
+                  <a16:creationId xmlns:a16="http://schemas.microsoft.com/office/drawing/2014/main" id="{110ABFC0-6824-5558-428B-0921ECA7A3EF}"/>
+                </a:ext>
+              </a:extLst>
+            </p:cNvPr>
+            <p:cNvGrpSpPr/>
+            <p:nvPr/>
+          </p:nvGrpSpPr>
+          <p:grpSpPr>
+            <a:xfrm>
+              <a:off x="7122986" y="1989871"/>
+              <a:ext cx="1752420" cy="1549912"/>
+              <a:chOff x="6633275" y="2010383"/>
+              <a:chExt cx="2133600" cy="1746134"/>
+            </a:xfrm>
+          </p:grpSpPr>
+          <p:grpSp>
+            <p:nvGrpSpPr>
+              <p:cNvPr id="1048" name="Group 1047">
+                <a:extLst>
+                  <a:ext uri="{FF2B5EF4-FFF2-40B4-BE49-F238E27FC236}">
+                    <a16:creationId xmlns:a16="http://schemas.microsoft.com/office/drawing/2014/main" id="{8D9C14C2-A94A-6C2B-5C77-D29DC81F9255}"/>
+                  </a:ext>
+                </a:extLst>
+              </p:cNvPr>
+              <p:cNvGrpSpPr/>
+              <p:nvPr/>
+            </p:nvGrpSpPr>
+            <p:grpSpPr>
+              <a:xfrm>
+                <a:off x="6633275" y="2010383"/>
+                <a:ext cx="2133600" cy="1277566"/>
+                <a:chOff x="440987" y="2003898"/>
+                <a:chExt cx="2133600" cy="1277566"/>
+              </a:xfrm>
+            </p:grpSpPr>
+            <p:sp>
+              <p:nvSpPr>
+                <p:cNvPr id="1052" name="Rectangle 1051">
+                  <a:extLst>
+                    <a:ext uri="{FF2B5EF4-FFF2-40B4-BE49-F238E27FC236}">
+                      <a16:creationId xmlns:a16="http://schemas.microsoft.com/office/drawing/2014/main" id="{5132997B-6E50-0131-A1B8-C6F5D31A50AF}"/>
+                    </a:ext>
+                  </a:extLst>
+                </p:cNvPr>
+                <p:cNvSpPr/>
+                <p:nvPr/>
+              </p:nvSpPr>
+              <p:spPr>
+                <a:xfrm>
+                  <a:off x="440987" y="2003898"/>
+                  <a:ext cx="2133600" cy="1277566"/>
+                </a:xfrm>
+                <a:prstGeom prst="rect">
+                  <a:avLst/>
+                </a:prstGeom>
+              </p:spPr>
+              <p:style>
+                <a:lnRef idx="2">
+                  <a:schemeClr val="dk1"/>
+                </a:lnRef>
+                <a:fillRef idx="1">
+                  <a:schemeClr val="lt1"/>
+                </a:fillRef>
+                <a:effectRef idx="0">
+                  <a:schemeClr val="dk1"/>
+                </a:effectRef>
+                <a:fontRef idx="minor">
+                  <a:schemeClr val="dk1"/>
+                </a:fontRef>
+              </p:style>
+              <p:txBody>
+                <a:bodyPr rtlCol="0" anchor="ctr"/>
+                <a:lstStyle/>
+                <a:p>
+                  <a:pPr algn="ctr"/>
+                  <a:endParaRPr lang="en-US"/>
+                </a:p>
+              </p:txBody>
+            </p:sp>
+            <p:sp>
+              <p:nvSpPr>
+                <p:cNvPr id="1053" name="Oval 1052">
+                  <a:extLst>
+                    <a:ext uri="{FF2B5EF4-FFF2-40B4-BE49-F238E27FC236}">
+                      <a16:creationId xmlns:a16="http://schemas.microsoft.com/office/drawing/2014/main" id="{3B6972B8-92BF-E1FF-D933-D93B0267DE71}"/>
+                    </a:ext>
+                  </a:extLst>
+                </p:cNvPr>
+                <p:cNvSpPr/>
+                <p:nvPr/>
+              </p:nvSpPr>
+              <p:spPr>
+                <a:xfrm>
+                  <a:off x="1008434" y="2159541"/>
+                  <a:ext cx="226979" cy="228600"/>
+                </a:xfrm>
+                <a:prstGeom prst="ellipse">
+                  <a:avLst/>
+                </a:prstGeom>
+                <a:solidFill>
+                  <a:schemeClr val="bg1">
+                    <a:lumMod val="50000"/>
+                  </a:schemeClr>
+                </a:solidFill>
+              </p:spPr>
+              <p:style>
+                <a:lnRef idx="2">
+                  <a:schemeClr val="dk1">
+                    <a:shade val="15000"/>
+                  </a:schemeClr>
+                </a:lnRef>
+                <a:fillRef idx="1">
+                  <a:schemeClr val="dk1"/>
+                </a:fillRef>
+                <a:effectRef idx="0">
+                  <a:schemeClr val="dk1"/>
+                </a:effectRef>
+                <a:fontRef idx="minor">
+                  <a:schemeClr val="lt1"/>
+                </a:fontRef>
+              </p:style>
+              <p:txBody>
+                <a:bodyPr rtlCol="0" anchor="ctr"/>
+                <a:lstStyle/>
+                <a:p>
+                  <a:pPr algn="ctr"/>
+                  <a:endParaRPr lang="en-US"/>
+                </a:p>
+              </p:txBody>
+            </p:sp>
+            <p:sp>
+              <p:nvSpPr>
+                <p:cNvPr id="1054" name="Oval 1053">
+                  <a:extLst>
+                    <a:ext uri="{FF2B5EF4-FFF2-40B4-BE49-F238E27FC236}">
+                      <a16:creationId xmlns:a16="http://schemas.microsoft.com/office/drawing/2014/main" id="{8A385628-5CD7-0085-8843-4A967F9A3BDE}"/>
+                    </a:ext>
+                  </a:extLst>
+                </p:cNvPr>
+                <p:cNvSpPr/>
+                <p:nvPr/>
+              </p:nvSpPr>
+              <p:spPr>
+                <a:xfrm>
+                  <a:off x="1802859" y="2159541"/>
+                  <a:ext cx="226979" cy="228600"/>
+                </a:xfrm>
+                <a:prstGeom prst="ellipse">
+                  <a:avLst/>
+                </a:prstGeom>
+                <a:solidFill>
+                  <a:schemeClr val="bg1">
+                    <a:lumMod val="50000"/>
+                  </a:schemeClr>
+                </a:solidFill>
+              </p:spPr>
+              <p:style>
+                <a:lnRef idx="2">
+                  <a:schemeClr val="accent1">
+                    <a:shade val="15000"/>
+                  </a:schemeClr>
+                </a:lnRef>
+                <a:fillRef idx="1">
+                  <a:schemeClr val="accent1"/>
+                </a:fillRef>
+                <a:effectRef idx="0">
+                  <a:schemeClr val="accent1"/>
+                </a:effectRef>
+                <a:fontRef idx="minor">
+                  <a:schemeClr val="lt1"/>
+                </a:fontRef>
+              </p:style>
+              <p:txBody>
+                <a:bodyPr rtlCol="0" anchor="ctr"/>
+                <a:lstStyle/>
+                <a:p>
+                  <a:pPr algn="ctr"/>
+                  <a:endParaRPr lang="en-US"/>
+                </a:p>
+              </p:txBody>
+            </p:sp>
+            <p:sp>
+              <p:nvSpPr>
+                <p:cNvPr id="1055" name="Oval 1054">
+                  <a:extLst>
+                    <a:ext uri="{FF2B5EF4-FFF2-40B4-BE49-F238E27FC236}">
+                      <a16:creationId xmlns:a16="http://schemas.microsoft.com/office/drawing/2014/main" id="{A12F2CC4-EBC8-4EB6-1CAB-7ADACA9140DA}"/>
+                    </a:ext>
+                  </a:extLst>
+                </p:cNvPr>
+                <p:cNvSpPr/>
+                <p:nvPr/>
+              </p:nvSpPr>
+              <p:spPr>
+                <a:xfrm>
+                  <a:off x="1405646" y="2388141"/>
+                  <a:ext cx="226979" cy="228600"/>
+                </a:xfrm>
+                <a:prstGeom prst="ellipse">
+                  <a:avLst/>
+                </a:prstGeom>
+                <a:solidFill>
+                  <a:schemeClr val="bg1">
+                    <a:lumMod val="50000"/>
+                  </a:schemeClr>
+                </a:solidFill>
+              </p:spPr>
+              <p:style>
+                <a:lnRef idx="2">
+                  <a:schemeClr val="dk1">
+                    <a:shade val="15000"/>
+                  </a:schemeClr>
+                </a:lnRef>
+                <a:fillRef idx="1">
+                  <a:schemeClr val="dk1"/>
+                </a:fillRef>
+                <a:effectRef idx="0">
+                  <a:schemeClr val="dk1"/>
+                </a:effectRef>
+                <a:fontRef idx="minor">
+                  <a:schemeClr val="lt1"/>
+                </a:fontRef>
+              </p:style>
+              <p:txBody>
+                <a:bodyPr rtlCol="0" anchor="ctr"/>
+                <a:lstStyle/>
+                <a:p>
+                  <a:pPr algn="ctr"/>
+                  <a:endParaRPr lang="en-US"/>
+                </a:p>
+              </p:txBody>
+            </p:sp>
+            <p:sp>
+              <p:nvSpPr>
+                <p:cNvPr id="1056" name="Oval 1055">
+                  <a:extLst>
+                    <a:ext uri="{FF2B5EF4-FFF2-40B4-BE49-F238E27FC236}">
+                      <a16:creationId xmlns:a16="http://schemas.microsoft.com/office/drawing/2014/main" id="{79D88105-32D1-8930-6FD2-42EC1213C619}"/>
+                    </a:ext>
+                  </a:extLst>
+                </p:cNvPr>
+                <p:cNvSpPr/>
+                <p:nvPr/>
+              </p:nvSpPr>
+              <p:spPr>
+                <a:xfrm>
+                  <a:off x="2188723" y="2384898"/>
+                  <a:ext cx="226979" cy="228600"/>
+                </a:xfrm>
+                <a:prstGeom prst="ellipse">
+                  <a:avLst/>
+                </a:prstGeom>
+                <a:solidFill>
+                  <a:schemeClr val="bg1">
+                    <a:lumMod val="50000"/>
+                  </a:schemeClr>
+                </a:solidFill>
+              </p:spPr>
+              <p:style>
+                <a:lnRef idx="2">
+                  <a:schemeClr val="accent1">
+                    <a:shade val="15000"/>
+                  </a:schemeClr>
+                </a:lnRef>
+                <a:fillRef idx="1">
+                  <a:schemeClr val="accent1"/>
+                </a:fillRef>
+                <a:effectRef idx="0">
+                  <a:schemeClr val="accent1"/>
+                </a:effectRef>
+                <a:fontRef idx="minor">
+                  <a:schemeClr val="lt1"/>
+                </a:fontRef>
+              </p:style>
+              <p:txBody>
+                <a:bodyPr rtlCol="0" anchor="ctr"/>
+                <a:lstStyle/>
+                <a:p>
+                  <a:pPr algn="ctr"/>
+                  <a:endParaRPr lang="en-US"/>
+                </a:p>
+              </p:txBody>
+            </p:sp>
+            <p:sp>
+              <p:nvSpPr>
+                <p:cNvPr id="1057" name="Oval 1056">
+                  <a:extLst>
+                    <a:ext uri="{FF2B5EF4-FFF2-40B4-BE49-F238E27FC236}">
+                      <a16:creationId xmlns:a16="http://schemas.microsoft.com/office/drawing/2014/main" id="{E8823BF1-03F9-7B37-E6F7-2094175F52C2}"/>
+                    </a:ext>
+                  </a:extLst>
+                </p:cNvPr>
+                <p:cNvSpPr/>
+                <p:nvPr/>
+              </p:nvSpPr>
+              <p:spPr>
+                <a:xfrm>
+                  <a:off x="622569" y="2414081"/>
+                  <a:ext cx="226979" cy="228600"/>
+                </a:xfrm>
+                <a:prstGeom prst="ellipse">
+                  <a:avLst/>
+                </a:prstGeom>
+                <a:solidFill>
+                  <a:schemeClr val="bg1">
+                    <a:lumMod val="50000"/>
+                  </a:schemeClr>
+                </a:solidFill>
+              </p:spPr>
+              <p:style>
+                <a:lnRef idx="2">
+                  <a:schemeClr val="accent1">
+                    <a:shade val="15000"/>
+                  </a:schemeClr>
+                </a:lnRef>
+                <a:fillRef idx="1">
+                  <a:schemeClr val="accent1"/>
+                </a:fillRef>
+                <a:effectRef idx="0">
+                  <a:schemeClr val="accent1"/>
+                </a:effectRef>
+                <a:fontRef idx="minor">
+                  <a:schemeClr val="lt1"/>
+                </a:fontRef>
+              </p:style>
+              <p:txBody>
+                <a:bodyPr rtlCol="0" anchor="ctr"/>
+                <a:lstStyle/>
+                <a:p>
+                  <a:pPr algn="ctr"/>
+                  <a:endParaRPr lang="en-US"/>
+                </a:p>
+              </p:txBody>
+            </p:sp>
+            <p:sp>
+              <p:nvSpPr>
+                <p:cNvPr id="1058" name="Oval 1057">
+                  <a:extLst>
+                    <a:ext uri="{FF2B5EF4-FFF2-40B4-BE49-F238E27FC236}">
+                      <a16:creationId xmlns:a16="http://schemas.microsoft.com/office/drawing/2014/main" id="{454408A4-E289-E5B8-6AF7-3A79CAED0CF7}"/>
+                    </a:ext>
+                  </a:extLst>
+                </p:cNvPr>
+                <p:cNvSpPr/>
+                <p:nvPr/>
+              </p:nvSpPr>
+              <p:spPr>
+                <a:xfrm>
+                  <a:off x="1008434" y="2642681"/>
+                  <a:ext cx="226979" cy="228600"/>
+                </a:xfrm>
+                <a:prstGeom prst="ellipse">
+                  <a:avLst/>
+                </a:prstGeom>
+                <a:solidFill>
+                  <a:schemeClr val="accent6"/>
+                </a:solidFill>
+              </p:spPr>
+              <p:style>
+                <a:lnRef idx="2">
+                  <a:schemeClr val="dk1">
+                    <a:shade val="15000"/>
+                  </a:schemeClr>
+                </a:lnRef>
+                <a:fillRef idx="1">
+                  <a:schemeClr val="dk1"/>
+                </a:fillRef>
+                <a:effectRef idx="0">
+                  <a:schemeClr val="dk1"/>
+                </a:effectRef>
+                <a:fontRef idx="minor">
+                  <a:schemeClr val="lt1"/>
+                </a:fontRef>
+              </p:style>
+              <p:txBody>
+                <a:bodyPr rtlCol="0" anchor="ctr"/>
+                <a:lstStyle/>
+                <a:p>
+                  <a:pPr algn="ctr"/>
+                  <a:endParaRPr lang="en-US" dirty="0"/>
+                </a:p>
+              </p:txBody>
+            </p:sp>
+            <p:sp>
+              <p:nvSpPr>
+                <p:cNvPr id="1059" name="Oval 1058">
+                  <a:extLst>
+                    <a:ext uri="{FF2B5EF4-FFF2-40B4-BE49-F238E27FC236}">
+                      <a16:creationId xmlns:a16="http://schemas.microsoft.com/office/drawing/2014/main" id="{D56AE9B1-5A58-1316-D5D9-ADF82703AE06}"/>
+                    </a:ext>
+                  </a:extLst>
+                </p:cNvPr>
+                <p:cNvSpPr/>
+                <p:nvPr/>
+              </p:nvSpPr>
+              <p:spPr>
+                <a:xfrm>
+                  <a:off x="1802859" y="2642681"/>
+                  <a:ext cx="226979" cy="228600"/>
+                </a:xfrm>
+                <a:prstGeom prst="ellipse">
+                  <a:avLst/>
+                </a:prstGeom>
+                <a:solidFill>
+                  <a:srgbClr val="FF0000"/>
+                </a:solidFill>
+              </p:spPr>
+              <p:style>
+                <a:lnRef idx="2">
+                  <a:schemeClr val="dk1">
+                    <a:shade val="15000"/>
+                  </a:schemeClr>
+                </a:lnRef>
+                <a:fillRef idx="1">
+                  <a:schemeClr val="dk1"/>
+                </a:fillRef>
+                <a:effectRef idx="0">
+                  <a:schemeClr val="dk1"/>
+                </a:effectRef>
+                <a:fontRef idx="minor">
+                  <a:schemeClr val="lt1"/>
+                </a:fontRef>
+              </p:style>
+              <p:txBody>
+                <a:bodyPr rtlCol="0" anchor="ctr"/>
+                <a:lstStyle/>
+                <a:p>
+                  <a:pPr algn="ctr"/>
+                  <a:endParaRPr lang="en-US"/>
+                </a:p>
+              </p:txBody>
+            </p:sp>
+            <p:sp>
+              <p:nvSpPr>
+                <p:cNvPr id="1060" name="Oval 1059">
+                  <a:extLst>
+                    <a:ext uri="{FF2B5EF4-FFF2-40B4-BE49-F238E27FC236}">
+                      <a16:creationId xmlns:a16="http://schemas.microsoft.com/office/drawing/2014/main" id="{C171561D-FF5E-710A-1180-031217F9766E}"/>
+                    </a:ext>
+                  </a:extLst>
+                </p:cNvPr>
+                <p:cNvSpPr/>
+                <p:nvPr/>
+              </p:nvSpPr>
+              <p:spPr>
+                <a:xfrm>
+                  <a:off x="1405646" y="2871281"/>
+                  <a:ext cx="226979" cy="228600"/>
+                </a:xfrm>
+                <a:prstGeom prst="ellipse">
+                  <a:avLst/>
+                </a:prstGeom>
+                <a:solidFill>
+                  <a:schemeClr val="bg1">
+                    <a:lumMod val="50000"/>
+                  </a:schemeClr>
+                </a:solidFill>
+              </p:spPr>
+              <p:style>
+                <a:lnRef idx="2">
+                  <a:schemeClr val="dk1">
+                    <a:shade val="15000"/>
+                  </a:schemeClr>
+                </a:lnRef>
+                <a:fillRef idx="1">
+                  <a:schemeClr val="dk1"/>
+                </a:fillRef>
+                <a:effectRef idx="0">
+                  <a:schemeClr val="dk1"/>
+                </a:effectRef>
+                <a:fontRef idx="minor">
+                  <a:schemeClr val="lt1"/>
+                </a:fontRef>
+              </p:style>
+              <p:txBody>
+                <a:bodyPr rtlCol="0" anchor="ctr"/>
+                <a:lstStyle/>
+                <a:p>
+                  <a:pPr algn="ctr"/>
+                  <a:endParaRPr lang="en-US"/>
+                </a:p>
+              </p:txBody>
+            </p:sp>
+          </p:grpSp>
+          <p:pic>
+            <p:nvPicPr>
+              <p:cNvPr id="1051" name="Graphic 1050">
+                <a:extLst>
+                  <a:ext uri="{FF2B5EF4-FFF2-40B4-BE49-F238E27FC236}">
+                    <a16:creationId xmlns:a16="http://schemas.microsoft.com/office/drawing/2014/main" id="{C896EE9B-2865-95F8-FFBA-1B66E090679F}"/>
+                  </a:ext>
+                </a:extLst>
+              </p:cNvPr>
+              <p:cNvPicPr>
+                <a:picLocks noChangeAspect="1"/>
+              </p:cNvPicPr>
+              <p:nvPr/>
+            </p:nvPicPr>
+            <p:blipFill>
+              <a:blip r:embed="rId2">
+                <a:extLst>
+                  <a:ext uri="{96DAC541-7B7A-43D3-8B79-37D633B846F1}">
+                    <asvg:svgBlip xmlns:asvg="http://schemas.microsoft.com/office/drawing/2016/SVG/main" r:embed="rId3"/>
+                  </a:ext>
+                </a:extLst>
+              </a:blip>
+              <a:stretch>
+                <a:fillRect/>
+              </a:stretch>
+            </p:blipFill>
+            <p:spPr>
+              <a:xfrm>
+                <a:off x="7014225" y="2877766"/>
+                <a:ext cx="493452" cy="878751"/>
+              </a:xfrm>
+              <a:prstGeom prst="rect">
+                <a:avLst/>
+              </a:prstGeom>
+            </p:spPr>
+          </p:pic>
+        </p:grpSp>
+        <p:sp>
+          <p:nvSpPr>
+            <p:cNvPr id="1061" name="TextBox 1060">
+              <a:extLst>
+                <a:ext uri="{FF2B5EF4-FFF2-40B4-BE49-F238E27FC236}">
+                  <a16:creationId xmlns:a16="http://schemas.microsoft.com/office/drawing/2014/main" id="{E07DB907-9624-32B4-14EB-4AC609C3C0AD}"/>
+                </a:ext>
+              </a:extLst>
+            </p:cNvPr>
+            <p:cNvSpPr txBox="1"/>
+            <p:nvPr/>
+          </p:nvSpPr>
+          <p:spPr>
+            <a:xfrm>
+              <a:off x="4756124" y="2235665"/>
+              <a:ext cx="1674187" cy="1016447"/>
+            </a:xfrm>
+            <a:prstGeom prst="rect">
+              <a:avLst/>
+            </a:prstGeom>
+            <a:noFill/>
+          </p:spPr>
+          <p:txBody>
+            <a:bodyPr wrap="square" rtlCol="0">
+              <a:spAutoFit/>
+            </a:bodyPr>
+            <a:lstStyle/>
+            <a:p>
+              <a:pPr algn="ctr"/>
+              <a:r>
+                <a:rPr lang="en-US" sz="1600" dirty="0"/>
+                <a:t>Choice Presentation</a:t>
+              </a:r>
+            </a:p>
+            <a:p>
+              <a:pPr algn="ctr"/>
+              <a:r>
+                <a:rPr lang="en-US" sz="1600" dirty="0"/>
+                <a:t>(5s timeout)</a:t>
+              </a:r>
+            </a:p>
+          </p:txBody>
+        </p:sp>
+        <p:grpSp>
+          <p:nvGrpSpPr>
+            <p:cNvPr id="1081" name="Group 1080">
+              <a:extLst>
+                <a:ext uri="{FF2B5EF4-FFF2-40B4-BE49-F238E27FC236}">
+                  <a16:creationId xmlns:a16="http://schemas.microsoft.com/office/drawing/2014/main" id="{A1176879-C506-10D9-F492-7BA64D4B1B2D}"/>
+                </a:ext>
+              </a:extLst>
+            </p:cNvPr>
+            <p:cNvGrpSpPr/>
+            <p:nvPr/>
+          </p:nvGrpSpPr>
+          <p:grpSpPr>
+            <a:xfrm>
+              <a:off x="9299939" y="1070299"/>
+              <a:ext cx="1809009" cy="2653805"/>
+              <a:chOff x="404151" y="960539"/>
+              <a:chExt cx="2184754" cy="3009122"/>
+            </a:xfrm>
+          </p:grpSpPr>
+          <p:grpSp>
+            <p:nvGrpSpPr>
+              <p:cNvPr id="1082" name="Group 1081">
+                <a:extLst>
+                  <a:ext uri="{FF2B5EF4-FFF2-40B4-BE49-F238E27FC236}">
+                    <a16:creationId xmlns:a16="http://schemas.microsoft.com/office/drawing/2014/main" id="{2B2C2D91-844C-7682-44FA-9C1EBBC4FBDF}"/>
+                  </a:ext>
+                </a:extLst>
+              </p:cNvPr>
+              <p:cNvGrpSpPr/>
+              <p:nvPr/>
+            </p:nvGrpSpPr>
+            <p:grpSpPr>
+              <a:xfrm>
+                <a:off x="440987" y="2003898"/>
+                <a:ext cx="2133600" cy="1277566"/>
+                <a:chOff x="440987" y="2003898"/>
+                <a:chExt cx="2133600" cy="1277566"/>
+              </a:xfrm>
+            </p:grpSpPr>
+            <p:sp>
+              <p:nvSpPr>
+                <p:cNvPr id="1085" name="Rectangle 1084">
+                  <a:extLst>
+                    <a:ext uri="{FF2B5EF4-FFF2-40B4-BE49-F238E27FC236}">
+                      <a16:creationId xmlns:a16="http://schemas.microsoft.com/office/drawing/2014/main" id="{593CD408-A06C-64CF-9E99-2C7B3FEC9CA3}"/>
+                    </a:ext>
+                  </a:extLst>
+                </p:cNvPr>
+                <p:cNvSpPr/>
+                <p:nvPr/>
+              </p:nvSpPr>
+              <p:spPr>
+                <a:xfrm>
+                  <a:off x="440987" y="2003898"/>
+                  <a:ext cx="2133600" cy="1277566"/>
+                </a:xfrm>
+                <a:prstGeom prst="rect">
+                  <a:avLst/>
+                </a:prstGeom>
+              </p:spPr>
+              <p:style>
+                <a:lnRef idx="2">
+                  <a:schemeClr val="dk1"/>
+                </a:lnRef>
+                <a:fillRef idx="1">
+                  <a:schemeClr val="lt1"/>
+                </a:fillRef>
+                <a:effectRef idx="0">
+                  <a:schemeClr val="dk1"/>
+                </a:effectRef>
+                <a:fontRef idx="minor">
+                  <a:schemeClr val="dk1"/>
+                </a:fontRef>
+              </p:style>
+              <p:txBody>
+                <a:bodyPr rtlCol="0" anchor="ctr"/>
+                <a:lstStyle/>
+                <a:p>
+                  <a:pPr algn="ctr"/>
+                  <a:endParaRPr lang="en-US"/>
+                </a:p>
+              </p:txBody>
+            </p:sp>
+            <p:sp>
+              <p:nvSpPr>
+                <p:cNvPr id="1086" name="Oval 1085">
+                  <a:extLst>
+                    <a:ext uri="{FF2B5EF4-FFF2-40B4-BE49-F238E27FC236}">
+                      <a16:creationId xmlns:a16="http://schemas.microsoft.com/office/drawing/2014/main" id="{4E4C8589-08D2-9375-E790-288A640DBA8E}"/>
+                    </a:ext>
+                  </a:extLst>
+                </p:cNvPr>
+                <p:cNvSpPr/>
+                <p:nvPr/>
+              </p:nvSpPr>
+              <p:spPr>
+                <a:xfrm>
+                  <a:off x="1008434" y="2159541"/>
+                  <a:ext cx="226979" cy="228600"/>
+                </a:xfrm>
+                <a:prstGeom prst="ellipse">
+                  <a:avLst/>
+                </a:prstGeom>
+                <a:solidFill>
+                  <a:schemeClr val="bg1">
+                    <a:lumMod val="50000"/>
+                  </a:schemeClr>
+                </a:solidFill>
+              </p:spPr>
+              <p:style>
+                <a:lnRef idx="2">
+                  <a:schemeClr val="dk1">
+                    <a:shade val="15000"/>
+                  </a:schemeClr>
+                </a:lnRef>
+                <a:fillRef idx="1">
+                  <a:schemeClr val="dk1"/>
+                </a:fillRef>
+                <a:effectRef idx="0">
+                  <a:schemeClr val="dk1"/>
+                </a:effectRef>
+                <a:fontRef idx="minor">
+                  <a:schemeClr val="lt1"/>
+                </a:fontRef>
+              </p:style>
+              <p:txBody>
+                <a:bodyPr rtlCol="0" anchor="ctr"/>
+                <a:lstStyle/>
+                <a:p>
+                  <a:pPr algn="ctr"/>
+                  <a:endParaRPr lang="en-US"/>
+                </a:p>
+              </p:txBody>
+            </p:sp>
+            <p:sp>
+              <p:nvSpPr>
+                <p:cNvPr id="1087" name="Oval 1086">
+                  <a:extLst>
+                    <a:ext uri="{FF2B5EF4-FFF2-40B4-BE49-F238E27FC236}">
+                      <a16:creationId xmlns:a16="http://schemas.microsoft.com/office/drawing/2014/main" id="{6D31E2F9-6137-83C0-1193-358DF513BA4B}"/>
+                    </a:ext>
+                  </a:extLst>
+                </p:cNvPr>
+                <p:cNvSpPr/>
+                <p:nvPr/>
+              </p:nvSpPr>
+              <p:spPr>
+                <a:xfrm>
+                  <a:off x="1802859" y="2159541"/>
+                  <a:ext cx="226979" cy="228600"/>
+                </a:xfrm>
+                <a:prstGeom prst="ellipse">
+                  <a:avLst/>
+                </a:prstGeom>
+                <a:solidFill>
+                  <a:schemeClr val="bg1">
+                    <a:lumMod val="50000"/>
+                  </a:schemeClr>
+                </a:solidFill>
+              </p:spPr>
+              <p:style>
+                <a:lnRef idx="2">
+                  <a:schemeClr val="accent1">
+                    <a:shade val="15000"/>
+                  </a:schemeClr>
+                </a:lnRef>
+                <a:fillRef idx="1">
+                  <a:schemeClr val="accent1"/>
+                </a:fillRef>
+                <a:effectRef idx="0">
+                  <a:schemeClr val="accent1"/>
+                </a:effectRef>
+                <a:fontRef idx="minor">
+                  <a:schemeClr val="lt1"/>
+                </a:fontRef>
+              </p:style>
+              <p:txBody>
+                <a:bodyPr rtlCol="0" anchor="ctr"/>
+                <a:lstStyle/>
+                <a:p>
+                  <a:pPr algn="ctr"/>
+                  <a:endParaRPr lang="en-US"/>
+                </a:p>
+              </p:txBody>
+            </p:sp>
+            <p:sp>
+              <p:nvSpPr>
+                <p:cNvPr id="1088" name="Oval 1087">
+                  <a:extLst>
+                    <a:ext uri="{FF2B5EF4-FFF2-40B4-BE49-F238E27FC236}">
+                      <a16:creationId xmlns:a16="http://schemas.microsoft.com/office/drawing/2014/main" id="{D92C2A20-09BA-5A5D-7BFB-F4E0214BBE1C}"/>
+                    </a:ext>
+                  </a:extLst>
+                </p:cNvPr>
+                <p:cNvSpPr/>
+                <p:nvPr/>
+              </p:nvSpPr>
+              <p:spPr>
+                <a:xfrm>
+                  <a:off x="1405646" y="2388141"/>
+                  <a:ext cx="226979" cy="228600"/>
+                </a:xfrm>
+                <a:prstGeom prst="ellipse">
+                  <a:avLst/>
+                </a:prstGeom>
+                <a:solidFill>
+                  <a:schemeClr val="bg1">
+                    <a:lumMod val="50000"/>
+                  </a:schemeClr>
+                </a:solidFill>
+              </p:spPr>
+              <p:style>
+                <a:lnRef idx="2">
+                  <a:schemeClr val="dk1">
+                    <a:shade val="15000"/>
+                  </a:schemeClr>
+                </a:lnRef>
+                <a:fillRef idx="1">
+                  <a:schemeClr val="dk1"/>
+                </a:fillRef>
+                <a:effectRef idx="0">
+                  <a:schemeClr val="dk1"/>
+                </a:effectRef>
+                <a:fontRef idx="minor">
+                  <a:schemeClr val="lt1"/>
+                </a:fontRef>
+              </p:style>
+              <p:txBody>
+                <a:bodyPr rtlCol="0" anchor="ctr"/>
+                <a:lstStyle/>
+                <a:p>
+                  <a:pPr algn="ctr"/>
+                  <a:endParaRPr lang="en-US"/>
+                </a:p>
+              </p:txBody>
+            </p:sp>
+            <p:sp>
+              <p:nvSpPr>
+                <p:cNvPr id="1089" name="Oval 1088">
+                  <a:extLst>
+                    <a:ext uri="{FF2B5EF4-FFF2-40B4-BE49-F238E27FC236}">
+                      <a16:creationId xmlns:a16="http://schemas.microsoft.com/office/drawing/2014/main" id="{E2CA84A4-E7DA-8C05-57B0-CE000CCA4E41}"/>
+                    </a:ext>
+                  </a:extLst>
+                </p:cNvPr>
+                <p:cNvSpPr/>
+                <p:nvPr/>
+              </p:nvSpPr>
+              <p:spPr>
+                <a:xfrm>
+                  <a:off x="2188723" y="2384898"/>
+                  <a:ext cx="226979" cy="228600"/>
+                </a:xfrm>
+                <a:prstGeom prst="ellipse">
+                  <a:avLst/>
+                </a:prstGeom>
+                <a:solidFill>
+                  <a:schemeClr val="bg1">
+                    <a:lumMod val="50000"/>
+                  </a:schemeClr>
+                </a:solidFill>
+              </p:spPr>
+              <p:style>
+                <a:lnRef idx="2">
+                  <a:schemeClr val="accent1">
+                    <a:shade val="15000"/>
+                  </a:schemeClr>
+                </a:lnRef>
+                <a:fillRef idx="1">
+                  <a:schemeClr val="accent1"/>
+                </a:fillRef>
+                <a:effectRef idx="0">
+                  <a:schemeClr val="accent1"/>
+                </a:effectRef>
+                <a:fontRef idx="minor">
+                  <a:schemeClr val="lt1"/>
+                </a:fontRef>
+              </p:style>
+              <p:txBody>
+                <a:bodyPr rtlCol="0" anchor="ctr"/>
+                <a:lstStyle/>
+                <a:p>
+                  <a:pPr algn="ctr"/>
+                  <a:endParaRPr lang="en-US"/>
+                </a:p>
+              </p:txBody>
+            </p:sp>
+            <p:sp>
+              <p:nvSpPr>
+                <p:cNvPr id="1090" name="Oval 1089">
+                  <a:extLst>
+                    <a:ext uri="{FF2B5EF4-FFF2-40B4-BE49-F238E27FC236}">
+                      <a16:creationId xmlns:a16="http://schemas.microsoft.com/office/drawing/2014/main" id="{C71480A3-4F9C-448C-C77D-AC1D9ABBA254}"/>
+                    </a:ext>
+                  </a:extLst>
+                </p:cNvPr>
+                <p:cNvSpPr/>
+                <p:nvPr/>
+              </p:nvSpPr>
+              <p:spPr>
+                <a:xfrm>
+                  <a:off x="622569" y="2414081"/>
+                  <a:ext cx="226979" cy="228600"/>
+                </a:xfrm>
+                <a:prstGeom prst="ellipse">
+                  <a:avLst/>
+                </a:prstGeom>
+                <a:solidFill>
+                  <a:schemeClr val="bg1">
+                    <a:lumMod val="50000"/>
+                  </a:schemeClr>
+                </a:solidFill>
+              </p:spPr>
+              <p:style>
+                <a:lnRef idx="2">
+                  <a:schemeClr val="accent1">
+                    <a:shade val="15000"/>
+                  </a:schemeClr>
+                </a:lnRef>
+                <a:fillRef idx="1">
+                  <a:schemeClr val="accent1"/>
+                </a:fillRef>
+                <a:effectRef idx="0">
+                  <a:schemeClr val="accent1"/>
+                </a:effectRef>
+                <a:fontRef idx="minor">
+                  <a:schemeClr val="lt1"/>
+                </a:fontRef>
+              </p:style>
+              <p:txBody>
+                <a:bodyPr rtlCol="0" anchor="ctr"/>
+                <a:lstStyle/>
+                <a:p>
+                  <a:pPr algn="ctr"/>
+                  <a:endParaRPr lang="en-US"/>
+                </a:p>
+              </p:txBody>
+            </p:sp>
+            <p:sp>
+              <p:nvSpPr>
+                <p:cNvPr id="1091" name="Oval 1090">
+                  <a:extLst>
+                    <a:ext uri="{FF2B5EF4-FFF2-40B4-BE49-F238E27FC236}">
+                      <a16:creationId xmlns:a16="http://schemas.microsoft.com/office/drawing/2014/main" id="{C49E77F1-6D36-8546-4836-C1440C3DFFB0}"/>
+                    </a:ext>
+                  </a:extLst>
+                </p:cNvPr>
+                <p:cNvSpPr/>
+                <p:nvPr/>
+              </p:nvSpPr>
+              <p:spPr>
+                <a:xfrm>
+                  <a:off x="1008434" y="2642681"/>
+                  <a:ext cx="226979" cy="228600"/>
+                </a:xfrm>
+                <a:prstGeom prst="ellipse">
+                  <a:avLst/>
+                </a:prstGeom>
+                <a:solidFill>
+                  <a:schemeClr val="bg1">
+                    <a:lumMod val="50000"/>
+                  </a:schemeClr>
+                </a:solidFill>
+              </p:spPr>
+              <p:style>
+                <a:lnRef idx="2">
+                  <a:schemeClr val="dk1">
+                    <a:shade val="15000"/>
+                  </a:schemeClr>
+                </a:lnRef>
+                <a:fillRef idx="1">
+                  <a:schemeClr val="dk1"/>
+                </a:fillRef>
+                <a:effectRef idx="0">
+                  <a:schemeClr val="dk1"/>
+                </a:effectRef>
+                <a:fontRef idx="minor">
+                  <a:schemeClr val="lt1"/>
+                </a:fontRef>
+              </p:style>
+              <p:txBody>
+                <a:bodyPr rtlCol="0" anchor="ctr"/>
+                <a:lstStyle/>
+                <a:p>
+                  <a:pPr algn="ctr"/>
+                  <a:endParaRPr lang="en-US"/>
+                </a:p>
+              </p:txBody>
+            </p:sp>
+            <p:sp>
+              <p:nvSpPr>
+                <p:cNvPr id="1092" name="Oval 1091">
+                  <a:extLst>
+                    <a:ext uri="{FF2B5EF4-FFF2-40B4-BE49-F238E27FC236}">
+                      <a16:creationId xmlns:a16="http://schemas.microsoft.com/office/drawing/2014/main" id="{2F320CCB-FDB1-67DC-70D7-FF5B48702E3F}"/>
+                    </a:ext>
+                  </a:extLst>
+                </p:cNvPr>
+                <p:cNvSpPr/>
+                <p:nvPr/>
+              </p:nvSpPr>
+              <p:spPr>
+                <a:xfrm>
+                  <a:off x="1802859" y="2642681"/>
+                  <a:ext cx="226979" cy="228600"/>
+                </a:xfrm>
+                <a:prstGeom prst="ellipse">
+                  <a:avLst/>
+                </a:prstGeom>
+                <a:solidFill>
+                  <a:schemeClr val="bg1">
+                    <a:lumMod val="50000"/>
+                  </a:schemeClr>
+                </a:solidFill>
+              </p:spPr>
+              <p:style>
+                <a:lnRef idx="2">
+                  <a:schemeClr val="dk1">
+                    <a:shade val="15000"/>
+                  </a:schemeClr>
+                </a:lnRef>
+                <a:fillRef idx="1">
+                  <a:schemeClr val="dk1"/>
+                </a:fillRef>
+                <a:effectRef idx="0">
+                  <a:schemeClr val="dk1"/>
+                </a:effectRef>
+                <a:fontRef idx="minor">
+                  <a:schemeClr val="lt1"/>
+                </a:fontRef>
+              </p:style>
+              <p:txBody>
+                <a:bodyPr rtlCol="0" anchor="ctr"/>
+                <a:lstStyle/>
+                <a:p>
+                  <a:pPr algn="ctr"/>
+                  <a:endParaRPr lang="en-US"/>
+                </a:p>
+              </p:txBody>
+            </p:sp>
+            <p:sp>
+              <p:nvSpPr>
+                <p:cNvPr id="1093" name="Oval 1092">
+                  <a:extLst>
+                    <a:ext uri="{FF2B5EF4-FFF2-40B4-BE49-F238E27FC236}">
+                      <a16:creationId xmlns:a16="http://schemas.microsoft.com/office/drawing/2014/main" id="{29C3322B-FDEF-8114-A5D1-523659F05174}"/>
+                    </a:ext>
+                  </a:extLst>
+                </p:cNvPr>
+                <p:cNvSpPr/>
+                <p:nvPr/>
+              </p:nvSpPr>
+              <p:spPr>
+                <a:xfrm>
+                  <a:off x="1405646" y="2871281"/>
+                  <a:ext cx="226979" cy="228600"/>
+                </a:xfrm>
+                <a:prstGeom prst="ellipse">
+                  <a:avLst/>
+                </a:prstGeom>
+                <a:solidFill>
+                  <a:schemeClr val="bg1"/>
+                </a:solidFill>
+              </p:spPr>
+              <p:style>
+                <a:lnRef idx="2">
+                  <a:schemeClr val="dk1">
+                    <a:shade val="15000"/>
+                  </a:schemeClr>
+                </a:lnRef>
+                <a:fillRef idx="1">
+                  <a:schemeClr val="dk1"/>
+                </a:fillRef>
+                <a:effectRef idx="0">
+                  <a:schemeClr val="dk1"/>
+                </a:effectRef>
+                <a:fontRef idx="minor">
+                  <a:schemeClr val="lt1"/>
+                </a:fontRef>
+              </p:style>
+              <p:txBody>
+                <a:bodyPr rtlCol="0" anchor="ctr"/>
+                <a:lstStyle/>
+                <a:p>
+                  <a:pPr algn="ctr"/>
+                  <a:endParaRPr lang="en-US"/>
+                </a:p>
+              </p:txBody>
+            </p:sp>
+          </p:grpSp>
+          <p:sp>
+            <p:nvSpPr>
+              <p:cNvPr id="1083" name="TextBox 1082">
+                <a:extLst>
+                  <a:ext uri="{FF2B5EF4-FFF2-40B4-BE49-F238E27FC236}">
+                    <a16:creationId xmlns:a16="http://schemas.microsoft.com/office/drawing/2014/main" id="{EFC57D82-D6CA-1055-2057-36F423089A13}"/>
+                  </a:ext>
+                </a:extLst>
+              </p:cNvPr>
+              <p:cNvSpPr txBox="1"/>
+              <p:nvPr/>
+            </p:nvSpPr>
+            <p:spPr>
+              <a:xfrm>
+                <a:off x="404151" y="960539"/>
+                <a:ext cx="2184754" cy="1111377"/>
+              </a:xfrm>
+              <a:prstGeom prst="rect">
+                <a:avLst/>
+              </a:prstGeom>
+              <a:noFill/>
+            </p:spPr>
+            <p:txBody>
+              <a:bodyPr wrap="square" rtlCol="0">
+                <a:spAutoFit/>
+              </a:bodyPr>
+              <a:lstStyle/>
+              <a:p>
+                <a:pPr algn="ctr"/>
+                <a:r>
+                  <a:rPr lang="en-US" sz="1600" dirty="0"/>
+                  <a:t>Reward Delivery </a:t>
+                </a:r>
+              </a:p>
+              <a:p>
+                <a:pPr algn="ctr"/>
+                <a:r>
+                  <a:rPr lang="en-US" sz="1600" dirty="0"/>
+                  <a:t>(3s timeout)</a:t>
+                </a:r>
+              </a:p>
+            </p:txBody>
+          </p:sp>
+          <p:pic>
+            <p:nvPicPr>
+              <p:cNvPr id="1084" name="Graphic 1083">
+                <a:extLst>
+                  <a:ext uri="{FF2B5EF4-FFF2-40B4-BE49-F238E27FC236}">
+                    <a16:creationId xmlns:a16="http://schemas.microsoft.com/office/drawing/2014/main" id="{B505745C-2970-A4AC-735F-E50D3A49C447}"/>
+                  </a:ext>
+                </a:extLst>
+              </p:cNvPr>
+              <p:cNvPicPr>
+                <a:picLocks noChangeAspect="1"/>
+              </p:cNvPicPr>
+              <p:nvPr/>
+            </p:nvPicPr>
+            <p:blipFill>
+              <a:blip r:embed="rId2">
+                <a:extLst>
+                  <a:ext uri="{96DAC541-7B7A-43D3-8B79-37D633B846F1}">
+                    <asvg:svgBlip xmlns:asvg="http://schemas.microsoft.com/office/drawing/2016/SVG/main" r:embed="rId3"/>
+                  </a:ext>
+                </a:extLst>
+              </a:blip>
+              <a:stretch>
+                <a:fillRect/>
+              </a:stretch>
+            </p:blipFill>
+            <p:spPr>
+              <a:xfrm>
+                <a:off x="1217551" y="3090910"/>
+                <a:ext cx="493452" cy="878751"/>
+              </a:xfrm>
+              <a:prstGeom prst="rect">
+                <a:avLst/>
+              </a:prstGeom>
+            </p:spPr>
+          </p:pic>
+        </p:grpSp>
+        <p:cxnSp>
+          <p:nvCxnSpPr>
+            <p:cNvPr id="1094" name="Straight Arrow Connector 1093">
+              <a:extLst>
+                <a:ext uri="{FF2B5EF4-FFF2-40B4-BE49-F238E27FC236}">
+                  <a16:creationId xmlns:a16="http://schemas.microsoft.com/office/drawing/2014/main" id="{645B7786-3546-2F2D-02E6-1E6E8A4BEE61}"/>
+                </a:ext>
+              </a:extLst>
+            </p:cNvPr>
+            <p:cNvCxnSpPr>
+              <a:cxnSpLocks/>
+            </p:cNvCxnSpPr>
+            <p:nvPr/>
+          </p:nvCxnSpPr>
+          <p:spPr>
+            <a:xfrm>
+              <a:off x="8938331" y="2353432"/>
+              <a:ext cx="329184" cy="0"/>
+            </a:xfrm>
+            <a:prstGeom prst="straightConnector1">
+              <a:avLst/>
+            </a:prstGeom>
+            <a:ln>
+              <a:tailEnd type="triangle"/>
+            </a:ln>
+          </p:spPr>
+          <p:style>
+            <a:lnRef idx="2">
+              <a:schemeClr val="accent1"/>
+            </a:lnRef>
+            <a:fillRef idx="0">
+              <a:schemeClr val="accent1"/>
+            </a:fillRef>
+            <a:effectRef idx="1">
+              <a:schemeClr val="accent1"/>
+            </a:effectRef>
+            <a:fontRef idx="minor">
+              <a:schemeClr val="tx1"/>
+            </a:fontRef>
+          </p:style>
+        </p:cxnSp>
+        <p:grpSp>
+          <p:nvGrpSpPr>
+            <p:cNvPr id="1095" name="Group 1094">
+              <a:extLst>
+                <a:ext uri="{FF2B5EF4-FFF2-40B4-BE49-F238E27FC236}">
+                  <a16:creationId xmlns:a16="http://schemas.microsoft.com/office/drawing/2014/main" id="{9D93D8B3-1A37-7583-7AD9-C65ADAFF23B4}"/>
+                </a:ext>
+              </a:extLst>
+            </p:cNvPr>
+            <p:cNvGrpSpPr/>
+            <p:nvPr/>
+          </p:nvGrpSpPr>
+          <p:grpSpPr>
+            <a:xfrm>
+              <a:off x="7132307" y="4331103"/>
+              <a:ext cx="1752420" cy="1549909"/>
+              <a:chOff x="6633275" y="2010383"/>
+              <a:chExt cx="2133600" cy="1746131"/>
+            </a:xfrm>
+          </p:grpSpPr>
+          <p:grpSp>
+            <p:nvGrpSpPr>
+              <p:cNvPr id="1096" name="Group 1095">
+                <a:extLst>
+                  <a:ext uri="{FF2B5EF4-FFF2-40B4-BE49-F238E27FC236}">
+                    <a16:creationId xmlns:a16="http://schemas.microsoft.com/office/drawing/2014/main" id="{1C79DAB0-672F-EAE1-B321-24E838B91B33}"/>
+                  </a:ext>
+                </a:extLst>
+              </p:cNvPr>
+              <p:cNvGrpSpPr/>
+              <p:nvPr/>
+            </p:nvGrpSpPr>
+            <p:grpSpPr>
+              <a:xfrm>
+                <a:off x="6633275" y="2010383"/>
+                <a:ext cx="2133600" cy="1277566"/>
+                <a:chOff x="440987" y="2003898"/>
+                <a:chExt cx="2133600" cy="1277566"/>
+              </a:xfrm>
+            </p:grpSpPr>
+            <p:sp>
+              <p:nvSpPr>
+                <p:cNvPr id="1098" name="Rectangle 1097">
+                  <a:extLst>
+                    <a:ext uri="{FF2B5EF4-FFF2-40B4-BE49-F238E27FC236}">
+                      <a16:creationId xmlns:a16="http://schemas.microsoft.com/office/drawing/2014/main" id="{FA1E5233-7924-8DB6-A993-4EC0BF4FFFE8}"/>
+                    </a:ext>
+                  </a:extLst>
+                </p:cNvPr>
+                <p:cNvSpPr/>
+                <p:nvPr/>
+              </p:nvSpPr>
+              <p:spPr>
+                <a:xfrm>
+                  <a:off x="440987" y="2003898"/>
+                  <a:ext cx="2133600" cy="1277566"/>
+                </a:xfrm>
+                <a:prstGeom prst="rect">
+                  <a:avLst/>
+                </a:prstGeom>
+              </p:spPr>
+              <p:style>
+                <a:lnRef idx="2">
+                  <a:schemeClr val="dk1"/>
+                </a:lnRef>
+                <a:fillRef idx="1">
+                  <a:schemeClr val="lt1"/>
+                </a:fillRef>
+                <a:effectRef idx="0">
+                  <a:schemeClr val="dk1"/>
+                </a:effectRef>
+                <a:fontRef idx="minor">
+                  <a:schemeClr val="dk1"/>
+                </a:fontRef>
+              </p:style>
+              <p:txBody>
+                <a:bodyPr rtlCol="0" anchor="ctr"/>
+                <a:lstStyle/>
+                <a:p>
+                  <a:pPr algn="ctr"/>
+                  <a:endParaRPr lang="en-US"/>
+                </a:p>
+              </p:txBody>
+            </p:sp>
+            <p:sp>
+              <p:nvSpPr>
+                <p:cNvPr id="1099" name="Oval 1098">
+                  <a:extLst>
+                    <a:ext uri="{FF2B5EF4-FFF2-40B4-BE49-F238E27FC236}">
+                      <a16:creationId xmlns:a16="http://schemas.microsoft.com/office/drawing/2014/main" id="{A581A75D-70C8-2557-2A66-A8B0FBC76B6D}"/>
+                    </a:ext>
+                  </a:extLst>
+                </p:cNvPr>
+                <p:cNvSpPr/>
+                <p:nvPr/>
+              </p:nvSpPr>
+              <p:spPr>
+                <a:xfrm>
+                  <a:off x="1008434" y="2159541"/>
+                  <a:ext cx="226979" cy="228600"/>
+                </a:xfrm>
+                <a:prstGeom prst="ellipse">
+                  <a:avLst/>
+                </a:prstGeom>
+                <a:solidFill>
+                  <a:schemeClr val="bg1">
+                    <a:lumMod val="50000"/>
+                  </a:schemeClr>
+                </a:solidFill>
+              </p:spPr>
+              <p:style>
+                <a:lnRef idx="2">
+                  <a:schemeClr val="dk1">
+                    <a:shade val="15000"/>
+                  </a:schemeClr>
+                </a:lnRef>
+                <a:fillRef idx="1">
+                  <a:schemeClr val="dk1"/>
+                </a:fillRef>
+                <a:effectRef idx="0">
+                  <a:schemeClr val="dk1"/>
+                </a:effectRef>
+                <a:fontRef idx="minor">
+                  <a:schemeClr val="lt1"/>
+                </a:fontRef>
+              </p:style>
+              <p:txBody>
+                <a:bodyPr rtlCol="0" anchor="ctr"/>
+                <a:lstStyle/>
+                <a:p>
+                  <a:pPr algn="ctr"/>
+                  <a:endParaRPr lang="en-US"/>
+                </a:p>
+              </p:txBody>
+            </p:sp>
+            <p:sp>
+              <p:nvSpPr>
+                <p:cNvPr id="1100" name="Oval 1099">
+                  <a:extLst>
+                    <a:ext uri="{FF2B5EF4-FFF2-40B4-BE49-F238E27FC236}">
+                      <a16:creationId xmlns:a16="http://schemas.microsoft.com/office/drawing/2014/main" id="{1799F107-2100-1FAA-9D46-45FB6637A649}"/>
+                    </a:ext>
+                  </a:extLst>
+                </p:cNvPr>
+                <p:cNvSpPr/>
+                <p:nvPr/>
+              </p:nvSpPr>
+              <p:spPr>
+                <a:xfrm>
+                  <a:off x="1802859" y="2159541"/>
+                  <a:ext cx="226979" cy="228600"/>
+                </a:xfrm>
+                <a:prstGeom prst="ellipse">
+                  <a:avLst/>
+                </a:prstGeom>
+                <a:solidFill>
+                  <a:schemeClr val="bg1">
+                    <a:lumMod val="50000"/>
+                  </a:schemeClr>
+                </a:solidFill>
+              </p:spPr>
+              <p:style>
+                <a:lnRef idx="2">
+                  <a:schemeClr val="accent1">
+                    <a:shade val="15000"/>
+                  </a:schemeClr>
+                </a:lnRef>
+                <a:fillRef idx="1">
+                  <a:schemeClr val="accent1"/>
+                </a:fillRef>
+                <a:effectRef idx="0">
+                  <a:schemeClr val="accent1"/>
+                </a:effectRef>
+                <a:fontRef idx="minor">
+                  <a:schemeClr val="lt1"/>
+                </a:fontRef>
+              </p:style>
+              <p:txBody>
+                <a:bodyPr rtlCol="0" anchor="ctr"/>
+                <a:lstStyle/>
+                <a:p>
+                  <a:pPr algn="ctr"/>
+                  <a:endParaRPr lang="en-US"/>
+                </a:p>
+              </p:txBody>
+            </p:sp>
+            <p:sp>
+              <p:nvSpPr>
+                <p:cNvPr id="1101" name="Oval 1100">
+                  <a:extLst>
+                    <a:ext uri="{FF2B5EF4-FFF2-40B4-BE49-F238E27FC236}">
+                      <a16:creationId xmlns:a16="http://schemas.microsoft.com/office/drawing/2014/main" id="{04F9875B-A4BC-0D17-B009-720F6B68198A}"/>
+                    </a:ext>
+                  </a:extLst>
+                </p:cNvPr>
+                <p:cNvSpPr/>
+                <p:nvPr/>
+              </p:nvSpPr>
+              <p:spPr>
+                <a:xfrm>
+                  <a:off x="1405646" y="2388141"/>
+                  <a:ext cx="226979" cy="228600"/>
+                </a:xfrm>
+                <a:prstGeom prst="ellipse">
+                  <a:avLst/>
+                </a:prstGeom>
+                <a:solidFill>
+                  <a:schemeClr val="bg1">
+                    <a:lumMod val="50000"/>
+                  </a:schemeClr>
+                </a:solidFill>
+              </p:spPr>
+              <p:style>
+                <a:lnRef idx="2">
+                  <a:schemeClr val="dk1">
+                    <a:shade val="15000"/>
+                  </a:schemeClr>
+                </a:lnRef>
+                <a:fillRef idx="1">
+                  <a:schemeClr val="dk1"/>
+                </a:fillRef>
+                <a:effectRef idx="0">
+                  <a:schemeClr val="dk1"/>
+                </a:effectRef>
+                <a:fontRef idx="minor">
+                  <a:schemeClr val="lt1"/>
+                </a:fontRef>
+              </p:style>
+              <p:txBody>
+                <a:bodyPr rtlCol="0" anchor="ctr"/>
+                <a:lstStyle/>
+                <a:p>
+                  <a:pPr algn="ctr"/>
+                  <a:endParaRPr lang="en-US"/>
+                </a:p>
+              </p:txBody>
+            </p:sp>
+            <p:sp>
+              <p:nvSpPr>
+                <p:cNvPr id="1102" name="Oval 1101">
+                  <a:extLst>
+                    <a:ext uri="{FF2B5EF4-FFF2-40B4-BE49-F238E27FC236}">
+                      <a16:creationId xmlns:a16="http://schemas.microsoft.com/office/drawing/2014/main" id="{019FEFDC-1E8E-D505-D6E1-FD5A394F2E4D}"/>
+                    </a:ext>
+                  </a:extLst>
+                </p:cNvPr>
+                <p:cNvSpPr/>
+                <p:nvPr/>
+              </p:nvSpPr>
+              <p:spPr>
+                <a:xfrm>
+                  <a:off x="2188723" y="2384898"/>
+                  <a:ext cx="226979" cy="228600"/>
+                </a:xfrm>
+                <a:prstGeom prst="ellipse">
+                  <a:avLst/>
+                </a:prstGeom>
+                <a:solidFill>
+                  <a:schemeClr val="bg1">
+                    <a:lumMod val="50000"/>
+                  </a:schemeClr>
+                </a:solidFill>
+              </p:spPr>
+              <p:style>
+                <a:lnRef idx="2">
+                  <a:schemeClr val="accent1">
+                    <a:shade val="15000"/>
+                  </a:schemeClr>
+                </a:lnRef>
+                <a:fillRef idx="1">
+                  <a:schemeClr val="accent1"/>
+                </a:fillRef>
+                <a:effectRef idx="0">
+                  <a:schemeClr val="accent1"/>
+                </a:effectRef>
+                <a:fontRef idx="minor">
+                  <a:schemeClr val="lt1"/>
+                </a:fontRef>
+              </p:style>
+              <p:txBody>
+                <a:bodyPr rtlCol="0" anchor="ctr"/>
+                <a:lstStyle/>
+                <a:p>
+                  <a:pPr algn="ctr"/>
+                  <a:endParaRPr lang="en-US"/>
+                </a:p>
+              </p:txBody>
+            </p:sp>
+            <p:sp>
+              <p:nvSpPr>
+                <p:cNvPr id="1103" name="Oval 1102">
+                  <a:extLst>
+                    <a:ext uri="{FF2B5EF4-FFF2-40B4-BE49-F238E27FC236}">
+                      <a16:creationId xmlns:a16="http://schemas.microsoft.com/office/drawing/2014/main" id="{0AE9F70C-F6B9-2552-4FD7-89B6084976F5}"/>
+                    </a:ext>
+                  </a:extLst>
+                </p:cNvPr>
+                <p:cNvSpPr/>
+                <p:nvPr/>
+              </p:nvSpPr>
+              <p:spPr>
+                <a:xfrm>
+                  <a:off x="622569" y="2414081"/>
+                  <a:ext cx="226979" cy="228600"/>
+                </a:xfrm>
+                <a:prstGeom prst="ellipse">
+                  <a:avLst/>
+                </a:prstGeom>
+                <a:solidFill>
+                  <a:schemeClr val="bg1">
+                    <a:lumMod val="50000"/>
+                  </a:schemeClr>
+                </a:solidFill>
+              </p:spPr>
+              <p:style>
+                <a:lnRef idx="2">
+                  <a:schemeClr val="accent1">
+                    <a:shade val="15000"/>
+                  </a:schemeClr>
+                </a:lnRef>
+                <a:fillRef idx="1">
+                  <a:schemeClr val="accent1"/>
+                </a:fillRef>
+                <a:effectRef idx="0">
+                  <a:schemeClr val="accent1"/>
+                </a:effectRef>
+                <a:fontRef idx="minor">
+                  <a:schemeClr val="lt1"/>
+                </a:fontRef>
+              </p:style>
+              <p:txBody>
+                <a:bodyPr rtlCol="0" anchor="ctr"/>
+                <a:lstStyle/>
+                <a:p>
+                  <a:pPr algn="ctr"/>
+                  <a:endParaRPr lang="en-US"/>
+                </a:p>
+              </p:txBody>
+            </p:sp>
+            <p:sp>
+              <p:nvSpPr>
+                <p:cNvPr id="1104" name="Oval 1103">
+                  <a:extLst>
+                    <a:ext uri="{FF2B5EF4-FFF2-40B4-BE49-F238E27FC236}">
+                      <a16:creationId xmlns:a16="http://schemas.microsoft.com/office/drawing/2014/main" id="{229E8571-2301-4C77-1E71-3A70633E9C66}"/>
+                    </a:ext>
+                  </a:extLst>
+                </p:cNvPr>
+                <p:cNvSpPr/>
+                <p:nvPr/>
+              </p:nvSpPr>
+              <p:spPr>
+                <a:xfrm>
+                  <a:off x="1008434" y="2642681"/>
+                  <a:ext cx="226979" cy="228600"/>
+                </a:xfrm>
+                <a:prstGeom prst="ellipse">
+                  <a:avLst/>
+                </a:prstGeom>
+                <a:solidFill>
+                  <a:schemeClr val="accent6"/>
+                </a:solidFill>
+              </p:spPr>
+              <p:style>
+                <a:lnRef idx="2">
+                  <a:schemeClr val="dk1">
+                    <a:shade val="15000"/>
+                  </a:schemeClr>
+                </a:lnRef>
+                <a:fillRef idx="1">
+                  <a:schemeClr val="dk1"/>
+                </a:fillRef>
+                <a:effectRef idx="0">
+                  <a:schemeClr val="dk1"/>
+                </a:effectRef>
+                <a:fontRef idx="minor">
+                  <a:schemeClr val="lt1"/>
+                </a:fontRef>
+              </p:style>
+              <p:txBody>
+                <a:bodyPr rtlCol="0" anchor="ctr"/>
+                <a:lstStyle/>
+                <a:p>
+                  <a:pPr algn="ctr"/>
+                  <a:endParaRPr lang="en-US" dirty="0"/>
+                </a:p>
+              </p:txBody>
+            </p:sp>
+            <p:sp>
+              <p:nvSpPr>
+                <p:cNvPr id="1105" name="Oval 1104">
+                  <a:extLst>
+                    <a:ext uri="{FF2B5EF4-FFF2-40B4-BE49-F238E27FC236}">
+                      <a16:creationId xmlns:a16="http://schemas.microsoft.com/office/drawing/2014/main" id="{0DF84F2E-A7EF-8CF2-FD04-8DC06385C00A}"/>
+                    </a:ext>
+                  </a:extLst>
+                </p:cNvPr>
+                <p:cNvSpPr/>
+                <p:nvPr/>
+              </p:nvSpPr>
+              <p:spPr>
+                <a:xfrm>
+                  <a:off x="1802859" y="2642681"/>
+                  <a:ext cx="226979" cy="228600"/>
+                </a:xfrm>
+                <a:prstGeom prst="ellipse">
+                  <a:avLst/>
+                </a:prstGeom>
+                <a:solidFill>
+                  <a:srgbClr val="FF0000"/>
+                </a:solidFill>
+              </p:spPr>
+              <p:style>
+                <a:lnRef idx="2">
+                  <a:schemeClr val="dk1">
+                    <a:shade val="15000"/>
+                  </a:schemeClr>
+                </a:lnRef>
+                <a:fillRef idx="1">
+                  <a:schemeClr val="dk1"/>
+                </a:fillRef>
+                <a:effectRef idx="0">
+                  <a:schemeClr val="dk1"/>
+                </a:effectRef>
+                <a:fontRef idx="minor">
+                  <a:schemeClr val="lt1"/>
+                </a:fontRef>
+              </p:style>
+              <p:txBody>
+                <a:bodyPr rtlCol="0" anchor="ctr"/>
+                <a:lstStyle/>
+                <a:p>
+                  <a:pPr algn="ctr"/>
+                  <a:endParaRPr lang="en-US"/>
+                </a:p>
+              </p:txBody>
+            </p:sp>
+            <p:sp>
+              <p:nvSpPr>
+                <p:cNvPr id="1106" name="Oval 1105">
+                  <a:extLst>
+                    <a:ext uri="{FF2B5EF4-FFF2-40B4-BE49-F238E27FC236}">
+                      <a16:creationId xmlns:a16="http://schemas.microsoft.com/office/drawing/2014/main" id="{2F672109-13E7-C935-61BE-32FD4423E36C}"/>
+                    </a:ext>
+                  </a:extLst>
+                </p:cNvPr>
+                <p:cNvSpPr/>
+                <p:nvPr/>
+              </p:nvSpPr>
+              <p:spPr>
+                <a:xfrm>
+                  <a:off x="1405646" y="2871281"/>
+                  <a:ext cx="226979" cy="228600"/>
+                </a:xfrm>
+                <a:prstGeom prst="ellipse">
+                  <a:avLst/>
+                </a:prstGeom>
+                <a:solidFill>
+                  <a:schemeClr val="bg1">
+                    <a:lumMod val="50000"/>
+                  </a:schemeClr>
+                </a:solidFill>
+              </p:spPr>
+              <p:style>
+                <a:lnRef idx="2">
+                  <a:schemeClr val="dk1">
+                    <a:shade val="15000"/>
+                  </a:schemeClr>
+                </a:lnRef>
+                <a:fillRef idx="1">
+                  <a:schemeClr val="dk1"/>
+                </a:fillRef>
+                <a:effectRef idx="0">
+                  <a:schemeClr val="dk1"/>
+                </a:effectRef>
+                <a:fontRef idx="minor">
+                  <a:schemeClr val="lt1"/>
+                </a:fontRef>
+              </p:style>
+              <p:txBody>
+                <a:bodyPr rtlCol="0" anchor="ctr"/>
+                <a:lstStyle/>
+                <a:p>
+                  <a:pPr algn="ctr"/>
+                  <a:endParaRPr lang="en-US"/>
+                </a:p>
+              </p:txBody>
+            </p:sp>
+          </p:grpSp>
+          <p:pic>
+            <p:nvPicPr>
+              <p:cNvPr id="1097" name="Graphic 1096">
+                <a:extLst>
+                  <a:ext uri="{FF2B5EF4-FFF2-40B4-BE49-F238E27FC236}">
+                    <a16:creationId xmlns:a16="http://schemas.microsoft.com/office/drawing/2014/main" id="{F674CCF7-7726-2A51-AC34-929425B81CAB}"/>
+                  </a:ext>
+                </a:extLst>
+              </p:cNvPr>
+              <p:cNvPicPr>
+                <a:picLocks noChangeAspect="1"/>
+              </p:cNvPicPr>
+              <p:nvPr/>
+            </p:nvPicPr>
+            <p:blipFill>
+              <a:blip r:embed="rId2">
+                <a:extLst>
+                  <a:ext uri="{96DAC541-7B7A-43D3-8B79-37D633B846F1}">
+                    <asvg:svgBlip xmlns:asvg="http://schemas.microsoft.com/office/drawing/2016/SVG/main" r:embed="rId3"/>
+                  </a:ext>
+                </a:extLst>
+              </a:blip>
+              <a:stretch>
+                <a:fillRect/>
+              </a:stretch>
+            </p:blipFill>
+            <p:spPr>
+              <a:xfrm>
+                <a:off x="7804655" y="2877765"/>
+                <a:ext cx="493452" cy="878749"/>
+              </a:xfrm>
+              <a:prstGeom prst="rect">
+                <a:avLst/>
+              </a:prstGeom>
+            </p:spPr>
+          </p:pic>
+        </p:grpSp>
+        <p:pic>
+          <p:nvPicPr>
+            <p:cNvPr id="1080" name="Graphic 1079" descr="Water with solid fill">
+              <a:extLst>
+                <a:ext uri="{FF2B5EF4-FFF2-40B4-BE49-F238E27FC236}">
+                  <a16:creationId xmlns:a16="http://schemas.microsoft.com/office/drawing/2014/main" id="{DFC262DB-5120-BBA5-09C2-007C2E96EB83}"/>
+                </a:ext>
+              </a:extLst>
+            </p:cNvPr>
+            <p:cNvPicPr>
+              <a:picLocks noChangeAspect="1"/>
+            </p:cNvPicPr>
+            <p:nvPr/>
+          </p:nvPicPr>
+          <p:blipFill>
+            <a:blip r:embed="rId6">
+              <a:extLst>
+                <a:ext uri="{96DAC541-7B7A-43D3-8B79-37D633B846F1}">
+                  <asvg:svgBlip xmlns:asvg="http://schemas.microsoft.com/office/drawing/2016/SVG/main" r:embed="rId7"/>
+                </a:ext>
+              </a:extLst>
+            </a:blip>
+            <a:stretch>
+              <a:fillRect/>
+            </a:stretch>
+          </p:blipFill>
+          <p:spPr>
+            <a:xfrm>
+              <a:off x="9865867" y="2861236"/>
+              <a:ext cx="263325" cy="263325"/>
+            </a:xfrm>
+            <a:prstGeom prst="rect">
+              <a:avLst/>
+            </a:prstGeom>
+          </p:spPr>
+        </p:pic>
+        <p:sp>
+          <p:nvSpPr>
+            <p:cNvPr id="1107" name="TextBox 1106">
+              <a:extLst>
+                <a:ext uri="{FF2B5EF4-FFF2-40B4-BE49-F238E27FC236}">
+                  <a16:creationId xmlns:a16="http://schemas.microsoft.com/office/drawing/2014/main" id="{8196B54A-8115-46E6-3D4A-7B7777FBC277}"/>
+                </a:ext>
+              </a:extLst>
+            </p:cNvPr>
+            <p:cNvSpPr txBox="1"/>
+            <p:nvPr/>
+          </p:nvSpPr>
+          <p:spPr>
+            <a:xfrm>
+              <a:off x="7191511" y="1335619"/>
+              <a:ext cx="1616111" cy="689731"/>
+            </a:xfrm>
+            <a:prstGeom prst="rect">
+              <a:avLst/>
+            </a:prstGeom>
+            <a:noFill/>
+          </p:spPr>
+          <p:txBody>
+            <a:bodyPr wrap="square" rtlCol="0">
+              <a:spAutoFit/>
+            </a:bodyPr>
+            <a:lstStyle/>
+            <a:p>
+              <a:pPr algn="ctr"/>
+              <a:r>
+                <a:rPr lang="en-US" sz="1600" dirty="0"/>
+                <a:t>Correct Response</a:t>
+              </a:r>
+            </a:p>
+          </p:txBody>
+        </p:sp>
+        <p:sp>
+          <p:nvSpPr>
+            <p:cNvPr id="1108" name="TextBox 1107">
+              <a:extLst>
+                <a:ext uri="{FF2B5EF4-FFF2-40B4-BE49-F238E27FC236}">
+                  <a16:creationId xmlns:a16="http://schemas.microsoft.com/office/drawing/2014/main" id="{C7483CF5-3586-C0A6-CE73-6D827469FD95}"/>
+                </a:ext>
+              </a:extLst>
+            </p:cNvPr>
+            <p:cNvSpPr txBox="1"/>
+            <p:nvPr/>
+          </p:nvSpPr>
+          <p:spPr>
+            <a:xfrm>
+              <a:off x="7185516" y="3689231"/>
+              <a:ext cx="1616111" cy="689731"/>
+            </a:xfrm>
+            <a:prstGeom prst="rect">
+              <a:avLst/>
+            </a:prstGeom>
+            <a:noFill/>
+          </p:spPr>
+          <p:txBody>
+            <a:bodyPr wrap="square" rtlCol="0">
+              <a:spAutoFit/>
+            </a:bodyPr>
+            <a:lstStyle/>
+            <a:p>
+              <a:pPr algn="ctr"/>
+              <a:r>
+                <a:rPr lang="en-US" sz="1600" dirty="0"/>
+                <a:t>Wrong Response</a:t>
+              </a:r>
+            </a:p>
+          </p:txBody>
+        </p:sp>
+        <p:pic>
+          <p:nvPicPr>
+            <p:cNvPr id="1122" name="Graphic 1121" descr="Water with solid fill">
+              <a:extLst>
+                <a:ext uri="{FF2B5EF4-FFF2-40B4-BE49-F238E27FC236}">
+                  <a16:creationId xmlns:a16="http://schemas.microsoft.com/office/drawing/2014/main" id="{30676B63-7103-2F7F-F4E2-B0CD37EF3214}"/>
+                </a:ext>
+              </a:extLst>
+            </p:cNvPr>
+            <p:cNvPicPr>
+              <a:picLocks noChangeAspect="1"/>
+            </p:cNvPicPr>
+            <p:nvPr/>
+          </p:nvPicPr>
+          <p:blipFill>
+            <a:blip r:embed="rId6">
+              <a:extLst>
+                <a:ext uri="{96DAC541-7B7A-43D3-8B79-37D633B846F1}">
+                  <asvg:svgBlip xmlns:asvg="http://schemas.microsoft.com/office/drawing/2016/SVG/main" r:embed="rId7"/>
+                </a:ext>
+              </a:extLst>
+            </a:blip>
+            <a:stretch>
+              <a:fillRect/>
+            </a:stretch>
+          </p:blipFill>
+          <p:spPr>
+            <a:xfrm>
+              <a:off x="9886547" y="5198308"/>
+              <a:ext cx="263325" cy="263325"/>
+            </a:xfrm>
+            <a:prstGeom prst="rect">
+              <a:avLst/>
+            </a:prstGeom>
+          </p:spPr>
+        </p:pic>
+        <p:cxnSp>
+          <p:nvCxnSpPr>
+            <p:cNvPr id="1123" name="Straight Arrow Connector 1122">
+              <a:extLst>
+                <a:ext uri="{FF2B5EF4-FFF2-40B4-BE49-F238E27FC236}">
+                  <a16:creationId xmlns:a16="http://schemas.microsoft.com/office/drawing/2014/main" id="{37D3BB59-B5A7-06F0-D6F6-CC5192112800}"/>
+                </a:ext>
+              </a:extLst>
+            </p:cNvPr>
+            <p:cNvCxnSpPr>
+              <a:cxnSpLocks/>
+            </p:cNvCxnSpPr>
+            <p:nvPr/>
+          </p:nvCxnSpPr>
+          <p:spPr>
+            <a:xfrm>
+              <a:off x="8938331" y="4844841"/>
+              <a:ext cx="329184" cy="0"/>
+            </a:xfrm>
+            <a:prstGeom prst="straightConnector1">
+              <a:avLst/>
+            </a:prstGeom>
+            <a:ln>
+              <a:tailEnd type="triangle"/>
+            </a:ln>
+          </p:spPr>
+          <p:style>
+            <a:lnRef idx="2">
+              <a:schemeClr val="accent1"/>
+            </a:lnRef>
+            <a:fillRef idx="0">
+              <a:schemeClr val="accent1"/>
+            </a:fillRef>
+            <a:effectRef idx="1">
+              <a:schemeClr val="accent1"/>
+            </a:effectRef>
+            <a:fontRef idx="minor">
+              <a:schemeClr val="tx1"/>
+            </a:fontRef>
+          </p:style>
+        </p:cxnSp>
+        <p:grpSp>
+          <p:nvGrpSpPr>
+            <p:cNvPr id="1124" name="Group 1123">
+              <a:extLst>
+                <a:ext uri="{FF2B5EF4-FFF2-40B4-BE49-F238E27FC236}">
+                  <a16:creationId xmlns:a16="http://schemas.microsoft.com/office/drawing/2014/main" id="{68674901-ED43-4B4D-E7FD-23702D22674A}"/>
+                </a:ext>
+              </a:extLst>
+            </p:cNvPr>
+            <p:cNvGrpSpPr/>
+            <p:nvPr/>
+          </p:nvGrpSpPr>
+          <p:grpSpPr>
+            <a:xfrm>
+              <a:off x="9301530" y="4335761"/>
+              <a:ext cx="1752420" cy="1970118"/>
+              <a:chOff x="6633275" y="2010383"/>
+              <a:chExt cx="2133600" cy="2219539"/>
+            </a:xfrm>
+          </p:grpSpPr>
+          <p:grpSp>
+            <p:nvGrpSpPr>
+              <p:cNvPr id="1125" name="Group 1124">
+                <a:extLst>
+                  <a:ext uri="{FF2B5EF4-FFF2-40B4-BE49-F238E27FC236}">
+                    <a16:creationId xmlns:a16="http://schemas.microsoft.com/office/drawing/2014/main" id="{837BBF9A-432A-5709-AF31-C4869F110AB3}"/>
+                  </a:ext>
+                </a:extLst>
+              </p:cNvPr>
+              <p:cNvGrpSpPr/>
+              <p:nvPr/>
+            </p:nvGrpSpPr>
+            <p:grpSpPr>
+              <a:xfrm>
+                <a:off x="6633275" y="2010383"/>
+                <a:ext cx="2133600" cy="1277566"/>
+                <a:chOff x="440987" y="2003898"/>
+                <a:chExt cx="2133600" cy="1277566"/>
+              </a:xfrm>
+            </p:grpSpPr>
+            <p:sp>
+              <p:nvSpPr>
+                <p:cNvPr id="1127" name="Rectangle 1126">
+                  <a:extLst>
+                    <a:ext uri="{FF2B5EF4-FFF2-40B4-BE49-F238E27FC236}">
+                      <a16:creationId xmlns:a16="http://schemas.microsoft.com/office/drawing/2014/main" id="{9803686B-1982-65CE-66E1-1B50F326CAB5}"/>
+                    </a:ext>
+                  </a:extLst>
+                </p:cNvPr>
+                <p:cNvSpPr/>
+                <p:nvPr/>
+              </p:nvSpPr>
+              <p:spPr>
+                <a:xfrm>
+                  <a:off x="440987" y="2003898"/>
+                  <a:ext cx="2133600" cy="1277566"/>
+                </a:xfrm>
+                <a:prstGeom prst="rect">
+                  <a:avLst/>
+                </a:prstGeom>
+              </p:spPr>
+              <p:style>
+                <a:lnRef idx="2">
+                  <a:schemeClr val="dk1"/>
+                </a:lnRef>
+                <a:fillRef idx="1">
+                  <a:schemeClr val="lt1"/>
+                </a:fillRef>
+                <a:effectRef idx="0">
+                  <a:schemeClr val="dk1"/>
+                </a:effectRef>
+                <a:fontRef idx="minor">
+                  <a:schemeClr val="dk1"/>
+                </a:fontRef>
+              </p:style>
+              <p:txBody>
+                <a:bodyPr rtlCol="0" anchor="ctr"/>
+                <a:lstStyle/>
+                <a:p>
+                  <a:pPr algn="ctr"/>
+                  <a:endParaRPr lang="en-US"/>
+                </a:p>
+              </p:txBody>
+            </p:sp>
+            <p:sp>
+              <p:nvSpPr>
+                <p:cNvPr id="1128" name="Oval 1127">
+                  <a:extLst>
+                    <a:ext uri="{FF2B5EF4-FFF2-40B4-BE49-F238E27FC236}">
+                      <a16:creationId xmlns:a16="http://schemas.microsoft.com/office/drawing/2014/main" id="{485A8E08-59DE-6738-707C-4CEDF1FBCC78}"/>
+                    </a:ext>
+                  </a:extLst>
+                </p:cNvPr>
+                <p:cNvSpPr/>
+                <p:nvPr/>
+              </p:nvSpPr>
+              <p:spPr>
+                <a:xfrm>
+                  <a:off x="1008434" y="2159541"/>
+                  <a:ext cx="226979" cy="228600"/>
+                </a:xfrm>
+                <a:prstGeom prst="ellipse">
+                  <a:avLst/>
+                </a:prstGeom>
+                <a:solidFill>
+                  <a:schemeClr val="bg1">
+                    <a:lumMod val="50000"/>
+                  </a:schemeClr>
+                </a:solidFill>
+              </p:spPr>
+              <p:style>
+                <a:lnRef idx="2">
+                  <a:schemeClr val="dk1">
+                    <a:shade val="15000"/>
+                  </a:schemeClr>
+                </a:lnRef>
+                <a:fillRef idx="1">
+                  <a:schemeClr val="dk1"/>
+                </a:fillRef>
+                <a:effectRef idx="0">
+                  <a:schemeClr val="dk1"/>
+                </a:effectRef>
+                <a:fontRef idx="minor">
+                  <a:schemeClr val="lt1"/>
+                </a:fontRef>
+              </p:style>
+              <p:txBody>
+                <a:bodyPr rtlCol="0" anchor="ctr"/>
+                <a:lstStyle/>
+                <a:p>
+                  <a:pPr algn="ctr"/>
+                  <a:endParaRPr lang="en-US"/>
+                </a:p>
+              </p:txBody>
+            </p:sp>
+            <p:sp>
+              <p:nvSpPr>
+                <p:cNvPr id="1129" name="Oval 1128">
+                  <a:extLst>
+                    <a:ext uri="{FF2B5EF4-FFF2-40B4-BE49-F238E27FC236}">
+                      <a16:creationId xmlns:a16="http://schemas.microsoft.com/office/drawing/2014/main" id="{E29ADA03-51CC-04F9-AFE9-A4AF71E7DFB4}"/>
+                    </a:ext>
+                  </a:extLst>
+                </p:cNvPr>
+                <p:cNvSpPr/>
+                <p:nvPr/>
+              </p:nvSpPr>
+              <p:spPr>
+                <a:xfrm>
+                  <a:off x="1802859" y="2159541"/>
+                  <a:ext cx="226979" cy="228600"/>
+                </a:xfrm>
+                <a:prstGeom prst="ellipse">
+                  <a:avLst/>
+                </a:prstGeom>
+                <a:solidFill>
+                  <a:schemeClr val="bg1">
+                    <a:lumMod val="50000"/>
+                  </a:schemeClr>
+                </a:solidFill>
+              </p:spPr>
+              <p:style>
+                <a:lnRef idx="2">
+                  <a:schemeClr val="accent1">
+                    <a:shade val="15000"/>
+                  </a:schemeClr>
+                </a:lnRef>
+                <a:fillRef idx="1">
+                  <a:schemeClr val="accent1"/>
+                </a:fillRef>
+                <a:effectRef idx="0">
+                  <a:schemeClr val="accent1"/>
+                </a:effectRef>
+                <a:fontRef idx="minor">
+                  <a:schemeClr val="lt1"/>
+                </a:fontRef>
+              </p:style>
+              <p:txBody>
+                <a:bodyPr rtlCol="0" anchor="ctr"/>
+                <a:lstStyle/>
+                <a:p>
+                  <a:pPr algn="ctr"/>
+                  <a:endParaRPr lang="en-US"/>
+                </a:p>
+              </p:txBody>
+            </p:sp>
+            <p:sp>
+              <p:nvSpPr>
+                <p:cNvPr id="1130" name="Oval 1129">
+                  <a:extLst>
+                    <a:ext uri="{FF2B5EF4-FFF2-40B4-BE49-F238E27FC236}">
+                      <a16:creationId xmlns:a16="http://schemas.microsoft.com/office/drawing/2014/main" id="{D0778483-3729-9D76-F7A4-0607496B5E18}"/>
+                    </a:ext>
+                  </a:extLst>
+                </p:cNvPr>
+                <p:cNvSpPr/>
+                <p:nvPr/>
+              </p:nvSpPr>
+              <p:spPr>
+                <a:xfrm>
+                  <a:off x="1405646" y="2388141"/>
+                  <a:ext cx="226979" cy="228600"/>
+                </a:xfrm>
+                <a:prstGeom prst="ellipse">
+                  <a:avLst/>
+                </a:prstGeom>
+                <a:solidFill>
+                  <a:schemeClr val="bg1">
+                    <a:lumMod val="50000"/>
+                  </a:schemeClr>
+                </a:solidFill>
+              </p:spPr>
+              <p:style>
+                <a:lnRef idx="2">
+                  <a:schemeClr val="dk1">
+                    <a:shade val="15000"/>
+                  </a:schemeClr>
+                </a:lnRef>
+                <a:fillRef idx="1">
+                  <a:schemeClr val="dk1"/>
+                </a:fillRef>
+                <a:effectRef idx="0">
+                  <a:schemeClr val="dk1"/>
+                </a:effectRef>
+                <a:fontRef idx="minor">
+                  <a:schemeClr val="lt1"/>
+                </a:fontRef>
+              </p:style>
+              <p:txBody>
+                <a:bodyPr rtlCol="0" anchor="ctr"/>
+                <a:lstStyle/>
+                <a:p>
+                  <a:pPr algn="ctr"/>
+                  <a:endParaRPr lang="en-US"/>
+                </a:p>
+              </p:txBody>
+            </p:sp>
+            <p:sp>
+              <p:nvSpPr>
+                <p:cNvPr id="1131" name="Oval 1130">
+                  <a:extLst>
+                    <a:ext uri="{FF2B5EF4-FFF2-40B4-BE49-F238E27FC236}">
+                      <a16:creationId xmlns:a16="http://schemas.microsoft.com/office/drawing/2014/main" id="{EF8DB5FD-5015-98A0-C68F-50DCEFC48715}"/>
+                    </a:ext>
+                  </a:extLst>
+                </p:cNvPr>
+                <p:cNvSpPr/>
+                <p:nvPr/>
+              </p:nvSpPr>
+              <p:spPr>
+                <a:xfrm>
+                  <a:off x="2188723" y="2384898"/>
+                  <a:ext cx="226979" cy="228600"/>
+                </a:xfrm>
+                <a:prstGeom prst="ellipse">
+                  <a:avLst/>
+                </a:prstGeom>
+                <a:solidFill>
+                  <a:schemeClr val="bg1">
+                    <a:lumMod val="50000"/>
+                  </a:schemeClr>
+                </a:solidFill>
+              </p:spPr>
+              <p:style>
+                <a:lnRef idx="2">
+                  <a:schemeClr val="accent1">
+                    <a:shade val="15000"/>
+                  </a:schemeClr>
+                </a:lnRef>
+                <a:fillRef idx="1">
+                  <a:schemeClr val="accent1"/>
+                </a:fillRef>
+                <a:effectRef idx="0">
+                  <a:schemeClr val="accent1"/>
+                </a:effectRef>
+                <a:fontRef idx="minor">
+                  <a:schemeClr val="lt1"/>
+                </a:fontRef>
+              </p:style>
+              <p:txBody>
+                <a:bodyPr rtlCol="0" anchor="ctr"/>
+                <a:lstStyle/>
+                <a:p>
+                  <a:pPr algn="ctr"/>
+                  <a:endParaRPr lang="en-US"/>
+                </a:p>
+              </p:txBody>
+            </p:sp>
+            <p:sp>
+              <p:nvSpPr>
+                <p:cNvPr id="1132" name="Oval 1131">
+                  <a:extLst>
+                    <a:ext uri="{FF2B5EF4-FFF2-40B4-BE49-F238E27FC236}">
+                      <a16:creationId xmlns:a16="http://schemas.microsoft.com/office/drawing/2014/main" id="{A9DA462F-E0CB-7602-190E-72B742FBB1FF}"/>
+                    </a:ext>
+                  </a:extLst>
+                </p:cNvPr>
+                <p:cNvSpPr/>
+                <p:nvPr/>
+              </p:nvSpPr>
+              <p:spPr>
+                <a:xfrm>
+                  <a:off x="622569" y="2414081"/>
+                  <a:ext cx="226979" cy="228600"/>
+                </a:xfrm>
+                <a:prstGeom prst="ellipse">
+                  <a:avLst/>
+                </a:prstGeom>
+                <a:solidFill>
+                  <a:schemeClr val="bg1">
+                    <a:lumMod val="50000"/>
+                  </a:schemeClr>
+                </a:solidFill>
+              </p:spPr>
+              <p:style>
+                <a:lnRef idx="2">
+                  <a:schemeClr val="accent1">
+                    <a:shade val="15000"/>
+                  </a:schemeClr>
+                </a:lnRef>
+                <a:fillRef idx="1">
+                  <a:schemeClr val="accent1"/>
+                </a:fillRef>
+                <a:effectRef idx="0">
+                  <a:schemeClr val="accent1"/>
+                </a:effectRef>
+                <a:fontRef idx="minor">
+                  <a:schemeClr val="lt1"/>
+                </a:fontRef>
+              </p:style>
+              <p:txBody>
+                <a:bodyPr rtlCol="0" anchor="ctr"/>
+                <a:lstStyle/>
+                <a:p>
+                  <a:pPr algn="ctr"/>
+                  <a:endParaRPr lang="en-US"/>
+                </a:p>
+              </p:txBody>
+            </p:sp>
+            <p:sp>
+              <p:nvSpPr>
+                <p:cNvPr id="1133" name="Oval 1132">
+                  <a:extLst>
+                    <a:ext uri="{FF2B5EF4-FFF2-40B4-BE49-F238E27FC236}">
+                      <a16:creationId xmlns:a16="http://schemas.microsoft.com/office/drawing/2014/main" id="{DD206DBA-5505-4019-FD88-67CC83E60053}"/>
+                    </a:ext>
+                  </a:extLst>
+                </p:cNvPr>
+                <p:cNvSpPr/>
+                <p:nvPr/>
+              </p:nvSpPr>
+              <p:spPr>
+                <a:xfrm>
+                  <a:off x="1008434" y="2642681"/>
+                  <a:ext cx="226979" cy="228600"/>
+                </a:xfrm>
+                <a:prstGeom prst="ellipse">
+                  <a:avLst/>
+                </a:prstGeom>
+                <a:solidFill>
+                  <a:schemeClr val="bg1">
+                    <a:lumMod val="50000"/>
+                  </a:schemeClr>
+                </a:solidFill>
+              </p:spPr>
+              <p:style>
+                <a:lnRef idx="2">
+                  <a:schemeClr val="dk1">
+                    <a:shade val="15000"/>
+                  </a:schemeClr>
+                </a:lnRef>
+                <a:fillRef idx="1">
+                  <a:schemeClr val="dk1"/>
+                </a:fillRef>
+                <a:effectRef idx="0">
+                  <a:schemeClr val="dk1"/>
+                </a:effectRef>
+                <a:fontRef idx="minor">
+                  <a:schemeClr val="lt1"/>
+                </a:fontRef>
+              </p:style>
+              <p:txBody>
+                <a:bodyPr rtlCol="0" anchor="ctr"/>
+                <a:lstStyle/>
+                <a:p>
+                  <a:pPr algn="ctr"/>
+                  <a:endParaRPr lang="en-US" dirty="0"/>
+                </a:p>
+              </p:txBody>
+            </p:sp>
+            <p:sp>
+              <p:nvSpPr>
+                <p:cNvPr id="1134" name="Oval 1133">
+                  <a:extLst>
+                    <a:ext uri="{FF2B5EF4-FFF2-40B4-BE49-F238E27FC236}">
+                      <a16:creationId xmlns:a16="http://schemas.microsoft.com/office/drawing/2014/main" id="{5ADAD2B1-0156-52CF-E105-9DF49E8E63D1}"/>
+                    </a:ext>
+                  </a:extLst>
+                </p:cNvPr>
+                <p:cNvSpPr/>
+                <p:nvPr/>
+              </p:nvSpPr>
+              <p:spPr>
+                <a:xfrm>
+                  <a:off x="1802859" y="2642681"/>
+                  <a:ext cx="226979" cy="228600"/>
+                </a:xfrm>
+                <a:prstGeom prst="ellipse">
+                  <a:avLst/>
+                </a:prstGeom>
+                <a:solidFill>
+                  <a:schemeClr val="bg1">
+                    <a:lumMod val="50000"/>
+                  </a:schemeClr>
+                </a:solidFill>
+              </p:spPr>
+              <p:style>
+                <a:lnRef idx="2">
+                  <a:schemeClr val="dk1">
+                    <a:shade val="15000"/>
+                  </a:schemeClr>
+                </a:lnRef>
+                <a:fillRef idx="1">
+                  <a:schemeClr val="dk1"/>
+                </a:fillRef>
+                <a:effectRef idx="0">
+                  <a:schemeClr val="dk1"/>
+                </a:effectRef>
+                <a:fontRef idx="minor">
+                  <a:schemeClr val="lt1"/>
+                </a:fontRef>
+              </p:style>
+              <p:txBody>
+                <a:bodyPr rtlCol="0" anchor="ctr"/>
+                <a:lstStyle/>
+                <a:p>
+                  <a:pPr algn="ctr"/>
+                  <a:endParaRPr lang="en-US"/>
+                </a:p>
+              </p:txBody>
+            </p:sp>
+            <p:sp>
+              <p:nvSpPr>
+                <p:cNvPr id="1135" name="Oval 1134">
+                  <a:extLst>
+                    <a:ext uri="{FF2B5EF4-FFF2-40B4-BE49-F238E27FC236}">
+                      <a16:creationId xmlns:a16="http://schemas.microsoft.com/office/drawing/2014/main" id="{9E1D8494-EEC8-BC9E-81EB-E13339F325A0}"/>
+                    </a:ext>
+                  </a:extLst>
+                </p:cNvPr>
+                <p:cNvSpPr/>
+                <p:nvPr/>
+              </p:nvSpPr>
+              <p:spPr>
+                <a:xfrm>
+                  <a:off x="1405646" y="2871281"/>
+                  <a:ext cx="226979" cy="228600"/>
+                </a:xfrm>
+                <a:prstGeom prst="ellipse">
+                  <a:avLst/>
+                </a:prstGeom>
+                <a:solidFill>
+                  <a:schemeClr val="bg1">
+                    <a:lumMod val="50000"/>
+                  </a:schemeClr>
+                </a:solidFill>
+              </p:spPr>
+              <p:style>
+                <a:lnRef idx="2">
+                  <a:schemeClr val="dk1">
+                    <a:shade val="15000"/>
+                  </a:schemeClr>
+                </a:lnRef>
+                <a:fillRef idx="1">
+                  <a:schemeClr val="dk1"/>
+                </a:fillRef>
+                <a:effectRef idx="0">
+                  <a:schemeClr val="dk1"/>
+                </a:effectRef>
+                <a:fontRef idx="minor">
+                  <a:schemeClr val="lt1"/>
+                </a:fontRef>
+              </p:style>
+              <p:txBody>
+                <a:bodyPr rtlCol="0" anchor="ctr"/>
+                <a:lstStyle/>
+                <a:p>
+                  <a:pPr algn="ctr"/>
+                  <a:endParaRPr lang="en-US"/>
+                </a:p>
+              </p:txBody>
+            </p:sp>
+          </p:grpSp>
+          <p:pic>
+            <p:nvPicPr>
+              <p:cNvPr id="1126" name="Graphic 1125">
+                <a:extLst>
+                  <a:ext uri="{FF2B5EF4-FFF2-40B4-BE49-F238E27FC236}">
+                    <a16:creationId xmlns:a16="http://schemas.microsoft.com/office/drawing/2014/main" id="{776AB757-7B43-7ACC-A3A3-0F72FFB25CE6}"/>
+                  </a:ext>
+                </a:extLst>
+              </p:cNvPr>
+              <p:cNvPicPr>
+                <a:picLocks noChangeAspect="1"/>
+              </p:cNvPicPr>
+              <p:nvPr/>
+            </p:nvPicPr>
+            <p:blipFill>
+              <a:blip r:embed="rId2">
+                <a:extLst>
+                  <a:ext uri="{96DAC541-7B7A-43D3-8B79-37D633B846F1}">
+                    <asvg:svgBlip xmlns:asvg="http://schemas.microsoft.com/office/drawing/2016/SVG/main" r:embed="rId3"/>
+                  </a:ext>
+                </a:extLst>
+              </a:blip>
+              <a:stretch>
+                <a:fillRect/>
+              </a:stretch>
+            </p:blipFill>
+            <p:spPr>
+              <a:xfrm>
+                <a:off x="7419419" y="3351173"/>
+                <a:ext cx="493452" cy="878749"/>
+              </a:xfrm>
+              <a:prstGeom prst="rect">
+                <a:avLst/>
+              </a:prstGeom>
+            </p:spPr>
+          </p:pic>
+        </p:grpSp>
+        <p:pic>
+          <p:nvPicPr>
+            <p:cNvPr id="1136" name="Graphic 1135" descr="Volume with solid fill">
+              <a:extLst>
+                <a:ext uri="{FF2B5EF4-FFF2-40B4-BE49-F238E27FC236}">
+                  <a16:creationId xmlns:a16="http://schemas.microsoft.com/office/drawing/2014/main" id="{1C7E242D-AFAD-C872-29AC-97DDC7AB35C6}"/>
+                </a:ext>
+              </a:extLst>
+            </p:cNvPr>
+            <p:cNvPicPr>
+              <a:picLocks noChangeAspect="1"/>
+            </p:cNvPicPr>
+            <p:nvPr/>
+          </p:nvPicPr>
+          <p:blipFill>
+            <a:blip r:embed="rId4">
+              <a:extLst>
+                <a:ext uri="{96DAC541-7B7A-43D3-8B79-37D633B846F1}">
+                  <asvg:svgBlip xmlns:asvg="http://schemas.microsoft.com/office/drawing/2016/SVG/main" r:embed="rId5"/>
+                </a:ext>
+              </a:extLst>
+            </a:blip>
+            <a:stretch>
+              <a:fillRect/>
+            </a:stretch>
+          </p:blipFill>
+          <p:spPr>
+            <a:xfrm>
+              <a:off x="4704127" y="4243819"/>
+              <a:ext cx="259572" cy="276924"/>
+            </a:xfrm>
+            <a:prstGeom prst="rect">
+              <a:avLst/>
+            </a:prstGeom>
+          </p:spPr>
+        </p:pic>
+        <p:pic>
+          <p:nvPicPr>
+            <p:cNvPr id="1137" name="Graphic 1136" descr="Volume with solid fill">
+              <a:extLst>
+                <a:ext uri="{FF2B5EF4-FFF2-40B4-BE49-F238E27FC236}">
+                  <a16:creationId xmlns:a16="http://schemas.microsoft.com/office/drawing/2014/main" id="{890C5457-3CA2-F635-0EC8-BD1D95DB315B}"/>
+                </a:ext>
+              </a:extLst>
+            </p:cNvPr>
+            <p:cNvPicPr>
+              <a:picLocks noChangeAspect="1"/>
+            </p:cNvPicPr>
+            <p:nvPr/>
+          </p:nvPicPr>
+          <p:blipFill>
+            <a:blip r:embed="rId4">
+              <a:extLst>
+                <a:ext uri="{96DAC541-7B7A-43D3-8B79-37D633B846F1}">
+                  <asvg:svgBlip xmlns:asvg="http://schemas.microsoft.com/office/drawing/2016/SVG/main" r:embed="rId5"/>
+                </a:ext>
+              </a:extLst>
+            </a:blip>
+            <a:stretch>
+              <a:fillRect/>
+            </a:stretch>
+          </p:blipFill>
+          <p:spPr>
+            <a:xfrm rot="10800000">
+              <a:off x="6214008" y="4243819"/>
+              <a:ext cx="259572" cy="276924"/>
+            </a:xfrm>
+            <a:prstGeom prst="rect">
+              <a:avLst/>
+            </a:prstGeom>
+          </p:spPr>
+        </p:pic>
+        <p:pic>
+          <p:nvPicPr>
+            <p:cNvPr id="1138" name="Graphic 1137" descr="Volume with solid fill">
+              <a:extLst>
+                <a:ext uri="{FF2B5EF4-FFF2-40B4-BE49-F238E27FC236}">
+                  <a16:creationId xmlns:a16="http://schemas.microsoft.com/office/drawing/2014/main" id="{ECBF17D9-CB35-FD1E-E6CB-4D7C9482F795}"/>
+                </a:ext>
+              </a:extLst>
+            </p:cNvPr>
+            <p:cNvPicPr>
+              <a:picLocks noChangeAspect="1"/>
+            </p:cNvPicPr>
+            <p:nvPr/>
+          </p:nvPicPr>
+          <p:blipFill>
+            <a:blip r:embed="rId8">
+              <a:extLst>
+                <a:ext uri="{96DAC541-7B7A-43D3-8B79-37D633B846F1}">
+                  <asvg:svgBlip xmlns:asvg="http://schemas.microsoft.com/office/drawing/2016/SVG/main" r:embed="rId9"/>
+                </a:ext>
+              </a:extLst>
+            </a:blip>
+            <a:stretch>
+              <a:fillRect/>
+            </a:stretch>
+          </p:blipFill>
+          <p:spPr>
+            <a:xfrm>
+              <a:off x="9309565" y="5461632"/>
+              <a:ext cx="259572" cy="276924"/>
+            </a:xfrm>
+            <a:prstGeom prst="rect">
+              <a:avLst/>
+            </a:prstGeom>
+          </p:spPr>
+        </p:pic>
+        <p:pic>
+          <p:nvPicPr>
+            <p:cNvPr id="1140" name="Graphic 1139" descr="Volume with solid fill">
+              <a:extLst>
+                <a:ext uri="{FF2B5EF4-FFF2-40B4-BE49-F238E27FC236}">
+                  <a16:creationId xmlns:a16="http://schemas.microsoft.com/office/drawing/2014/main" id="{AD7ABD10-18D7-AB58-CC69-A3939EDB468D}"/>
+                </a:ext>
+              </a:extLst>
+            </p:cNvPr>
+            <p:cNvPicPr>
+              <a:picLocks noChangeAspect="1"/>
+            </p:cNvPicPr>
+            <p:nvPr/>
+          </p:nvPicPr>
+          <p:blipFill>
+            <a:blip r:embed="rId8">
+              <a:extLst>
+                <a:ext uri="{96DAC541-7B7A-43D3-8B79-37D633B846F1}">
+                  <asvg:svgBlip xmlns:asvg="http://schemas.microsoft.com/office/drawing/2016/SVG/main" r:embed="rId9"/>
+                </a:ext>
+              </a:extLst>
+            </a:blip>
+            <a:stretch>
+              <a:fillRect/>
+            </a:stretch>
+          </p:blipFill>
+          <p:spPr>
+            <a:xfrm rot="10800000">
+              <a:off x="10795629" y="5461632"/>
+              <a:ext cx="259572" cy="276924"/>
+            </a:xfrm>
+            <a:prstGeom prst="rect">
+              <a:avLst/>
+            </a:prstGeom>
+          </p:spPr>
+        </p:pic>
+        <p:sp>
+          <p:nvSpPr>
+            <p:cNvPr id="1141" name="TextBox 1140">
+              <a:extLst>
+                <a:ext uri="{FF2B5EF4-FFF2-40B4-BE49-F238E27FC236}">
+                  <a16:creationId xmlns:a16="http://schemas.microsoft.com/office/drawing/2014/main" id="{01C7C6B7-FDB5-18CA-6F16-12B8F449ABCB}"/>
+                </a:ext>
+              </a:extLst>
+            </p:cNvPr>
+            <p:cNvSpPr txBox="1"/>
+            <p:nvPr/>
+          </p:nvSpPr>
+          <p:spPr>
+            <a:xfrm>
+              <a:off x="9309565" y="3702814"/>
+              <a:ext cx="1745636" cy="689731"/>
+            </a:xfrm>
+            <a:prstGeom prst="rect">
+              <a:avLst/>
+            </a:prstGeom>
+            <a:noFill/>
+          </p:spPr>
+          <p:txBody>
+            <a:bodyPr wrap="square" rtlCol="0">
+              <a:spAutoFit/>
+            </a:bodyPr>
+            <a:lstStyle/>
+            <a:p>
+              <a:pPr algn="ctr"/>
+              <a:r>
+                <a:rPr lang="en-US" sz="1600" dirty="0"/>
+                <a:t>Violation Noise (0.05s)</a:t>
+              </a:r>
+            </a:p>
+          </p:txBody>
+        </p:sp>
+        <p:cxnSp>
+          <p:nvCxnSpPr>
+            <p:cNvPr id="1152" name="Connector: Elbow 1151">
+              <a:extLst>
+                <a:ext uri="{FF2B5EF4-FFF2-40B4-BE49-F238E27FC236}">
+                  <a16:creationId xmlns:a16="http://schemas.microsoft.com/office/drawing/2014/main" id="{4633CE8E-257F-DA07-F774-E00D0FEB6F47}"/>
+                </a:ext>
+              </a:extLst>
+            </p:cNvPr>
+            <p:cNvCxnSpPr>
+              <a:cxnSpLocks/>
+            </p:cNvCxnSpPr>
+            <p:nvPr/>
+          </p:nvCxnSpPr>
+          <p:spPr>
+            <a:xfrm rot="10800000" flipV="1">
+              <a:off x="1169699" y="3644647"/>
+              <a:ext cx="9885507" cy="2749526"/>
+            </a:xfrm>
+            <a:prstGeom prst="bentConnector3">
+              <a:avLst>
+                <a:gd name="adj1" fmla="val -6371"/>
+              </a:avLst>
+            </a:prstGeom>
+          </p:spPr>
+          <p:style>
+            <a:lnRef idx="2">
+              <a:schemeClr val="accent1"/>
+            </a:lnRef>
+            <a:fillRef idx="0">
+              <a:schemeClr val="accent1"/>
+            </a:fillRef>
+            <a:effectRef idx="1">
+              <a:schemeClr val="accent1"/>
+            </a:effectRef>
+            <a:fontRef idx="minor">
+              <a:schemeClr val="tx1"/>
+            </a:fontRef>
+          </p:style>
+        </p:cxnSp>
+        <p:cxnSp>
+          <p:nvCxnSpPr>
+            <p:cNvPr id="1155" name="Straight Arrow Connector 1154">
+              <a:extLst>
+                <a:ext uri="{FF2B5EF4-FFF2-40B4-BE49-F238E27FC236}">
+                  <a16:creationId xmlns:a16="http://schemas.microsoft.com/office/drawing/2014/main" id="{ABB93F1A-9379-35DA-73F6-CCC219CD830A}"/>
+                </a:ext>
+              </a:extLst>
+            </p:cNvPr>
+            <p:cNvCxnSpPr>
+              <a:cxnSpLocks/>
+              <a:endCxn id="30" idx="2"/>
+            </p:cNvCxnSpPr>
+            <p:nvPr/>
+          </p:nvCxnSpPr>
+          <p:spPr>
+            <a:xfrm flipH="1" flipV="1">
+              <a:off x="1169698" y="5082018"/>
+              <a:ext cx="1" cy="1312156"/>
+            </a:xfrm>
+            <a:prstGeom prst="straightConnector1">
+              <a:avLst/>
+            </a:prstGeom>
+            <a:ln>
+              <a:tailEnd type="triangle"/>
+            </a:ln>
+          </p:spPr>
+          <p:style>
+            <a:lnRef idx="2">
+              <a:schemeClr val="accent1"/>
+            </a:lnRef>
+            <a:fillRef idx="0">
+              <a:schemeClr val="accent1"/>
+            </a:fillRef>
+            <a:effectRef idx="1">
+              <a:schemeClr val="accent1"/>
+            </a:effectRef>
+            <a:fontRef idx="minor">
+              <a:schemeClr val="tx1"/>
+            </a:fontRef>
+          </p:style>
+        </p:cxnSp>
+        <p:sp>
+          <p:nvSpPr>
+            <p:cNvPr id="1162" name="TextBox 1161">
+              <a:extLst>
+                <a:ext uri="{FF2B5EF4-FFF2-40B4-BE49-F238E27FC236}">
+                  <a16:creationId xmlns:a16="http://schemas.microsoft.com/office/drawing/2014/main" id="{D70C3321-3BB4-05E6-F6E9-2D931DB0843D}"/>
+                </a:ext>
+              </a:extLst>
+            </p:cNvPr>
+            <p:cNvSpPr txBox="1"/>
+            <p:nvPr/>
+          </p:nvSpPr>
+          <p:spPr>
+            <a:xfrm>
+              <a:off x="5633405" y="6081004"/>
+              <a:ext cx="2286556" cy="1234257"/>
+            </a:xfrm>
+            <a:prstGeom prst="rect">
+              <a:avLst/>
+            </a:prstGeom>
+            <a:noFill/>
+          </p:spPr>
+          <p:txBody>
+            <a:bodyPr wrap="square" rtlCol="0">
+              <a:spAutoFit/>
+            </a:bodyPr>
+            <a:lstStyle/>
+            <a:p>
+              <a:pPr algn="ctr"/>
+              <a:r>
+                <a:rPr lang="en-US" sz="1600" dirty="0"/>
+                <a:t>Inter-trial interval</a:t>
+              </a:r>
+            </a:p>
+            <a:p>
+              <a:pPr algn="ctr"/>
+              <a:r>
+                <a:rPr lang="en-US" sz="1400" dirty="0"/>
+                <a:t>Short (16s to 24s)</a:t>
+              </a:r>
+            </a:p>
+            <a:p>
+              <a:pPr algn="ctr"/>
+              <a:r>
+                <a:rPr lang="en-US" sz="1400" dirty="0"/>
+                <a:t>Or</a:t>
+              </a:r>
+            </a:p>
+            <a:p>
+              <a:pPr algn="ctr"/>
+              <a:r>
+                <a:rPr lang="en-US" sz="1400" dirty="0"/>
+                <a:t>long (80s to 120s)</a:t>
+              </a:r>
+              <a:r>
+                <a:rPr lang="en-US" dirty="0"/>
+                <a:t> </a:t>
+              </a:r>
+            </a:p>
+          </p:txBody>
+        </p:sp>
+      </p:grpSp>
     </p:spTree>
     <p:extLst>
       <p:ext uri="{BB962C8B-B14F-4D97-AF65-F5344CB8AC3E}">
